--- a/CWMS-git-training/git.pptx
+++ b/CWMS-git-training/git.pptx
@@ -8,10 +8,10 @@
     <p:sldMasterId id="2147483719" r:id="rId4"/>
   </p:sldMasterIdLst>
   <p:notesMasterIdLst>
-    <p:notesMasterId r:id="rId21"/>
+    <p:notesMasterId r:id="rId28"/>
   </p:notesMasterIdLst>
   <p:handoutMasterIdLst>
-    <p:handoutMasterId r:id="rId22"/>
+    <p:handoutMasterId r:id="rId29"/>
   </p:handoutMasterIdLst>
   <p:sldIdLst>
     <p:sldId id="256" r:id="rId5"/>
@@ -22,14 +22,21 @@
     <p:sldId id="273" r:id="rId10"/>
     <p:sldId id="277" r:id="rId11"/>
     <p:sldId id="264" r:id="rId12"/>
-    <p:sldId id="275" r:id="rId13"/>
-    <p:sldId id="281" r:id="rId14"/>
-    <p:sldId id="268" r:id="rId15"/>
-    <p:sldId id="282" r:id="rId16"/>
-    <p:sldId id="283" r:id="rId17"/>
-    <p:sldId id="284" r:id="rId18"/>
-    <p:sldId id="286" r:id="rId19"/>
-    <p:sldId id="285" r:id="rId20"/>
+    <p:sldId id="285" r:id="rId13"/>
+    <p:sldId id="288" r:id="rId14"/>
+    <p:sldId id="275" r:id="rId15"/>
+    <p:sldId id="281" r:id="rId16"/>
+    <p:sldId id="268" r:id="rId17"/>
+    <p:sldId id="282" r:id="rId18"/>
+    <p:sldId id="283" r:id="rId19"/>
+    <p:sldId id="289" r:id="rId20"/>
+    <p:sldId id="290" r:id="rId21"/>
+    <p:sldId id="292" r:id="rId22"/>
+    <p:sldId id="291" r:id="rId23"/>
+    <p:sldId id="293" r:id="rId24"/>
+    <p:sldId id="294" r:id="rId25"/>
+    <p:sldId id="295" r:id="rId26"/>
+    <p:sldId id="284" r:id="rId27"/>
   </p:sldIdLst>
   <p:sldSz cx="12192000" cy="6858000"/>
   <p:notesSz cx="6858000" cy="9144000"/>
@@ -221,7 +228,7 @@
           <a:p>
             <a:fld id="{39BD1E75-77A6-41A8-A503-339126D0A24B}" type="datetimeFigureOut">
               <a:rPr lang="en-US" smtClean="0"/>
-              <a:t>18-May-23</a:t>
+              <a:t>21-May-23</a:t>
             </a:fld>
             <a:endParaRPr lang="en-US"/>
           </a:p>
@@ -386,7 +393,7 @@
           <a:p>
             <a:fld id="{7CF8A436-8D9F-4226-B826-6265C9556E55}" type="datetimeFigureOut">
               <a:rPr lang="en-US" smtClean="0"/>
-              <a:t>18-May-23</a:t>
+              <a:t>21-May-23</a:t>
             </a:fld>
             <a:endParaRPr lang="en-US"/>
           </a:p>
@@ -841,248 +848,6 @@
           <a:bodyPr/>
           <a:lstStyle/>
           <a:p>
-            <a:r>
-              <a:rPr lang="en-US" dirty="0"/>
-              <a:t>You typically obtain a Git repository in one of two ways:</a:t>
-            </a:r>
-          </a:p>
-          <a:p>
-            <a:endParaRPr lang="en-US" dirty="0"/>
-          </a:p>
-          <a:p>
-            <a:pPr marL="228600" indent="-228600">
-              <a:buFont typeface="+mj-lt"/>
-              <a:buAutoNum type="arabicPeriod"/>
-            </a:pPr>
-            <a:r>
-              <a:rPr lang="en-US" dirty="0"/>
-              <a:t>You can take a local directory that is currently not under version control, and turn it into a Git repository, or</a:t>
-            </a:r>
-          </a:p>
-          <a:p>
-            <a:pPr marL="228600" indent="-228600">
-              <a:buFont typeface="+mj-lt"/>
-              <a:buAutoNum type="arabicPeriod"/>
-            </a:pPr>
-            <a:endParaRPr lang="en-US" dirty="0"/>
-          </a:p>
-          <a:p>
-            <a:pPr marL="228600" indent="-228600">
-              <a:buFont typeface="+mj-lt"/>
-              <a:buAutoNum type="arabicPeriod"/>
-            </a:pPr>
-            <a:r>
-              <a:rPr lang="en-US" dirty="0"/>
-              <a:t>You can clone an existing Git repository from elsewhere.</a:t>
-            </a:r>
-          </a:p>
-          <a:p>
-            <a:endParaRPr lang="en-US" dirty="0"/>
-          </a:p>
-          <a:p>
-            <a:r>
-              <a:rPr lang="en-US" dirty="0"/>
-              <a:t>In either case, you end up with a Git repository on your local machine, ready for work.</a:t>
-            </a:r>
-          </a:p>
-          <a:p>
-            <a:endParaRPr lang="en-US" dirty="0"/>
-          </a:p>
-          <a:p>
-            <a:pPr marL="0" marR="0" lvl="0" indent="0" algn="l" defTabSz="914400" rtl="0" eaLnBrk="1" fontAlgn="auto" latinLnBrk="0" hangingPunct="1">
-              <a:lnSpc>
-                <a:spcPct val="100000"/>
-              </a:lnSpc>
-              <a:spcBef>
-                <a:spcPts val="0"/>
-              </a:spcBef>
-              <a:spcAft>
-                <a:spcPts val="0"/>
-              </a:spcAft>
-              <a:buClrTx/>
-              <a:buSzTx/>
-              <a:buFontTx/>
-              <a:buNone/>
-              <a:tabLst/>
-              <a:defRPr/>
-            </a:pPr>
-            <a:r>
-              <a:rPr lang="en-US" dirty="0"/>
-              <a:t>Initializing in a directory: This creates a new subdirectory named .git that containing all of your necessary repository files — a Git repository skeleton. At this point, nothing in your project is tracked yet.</a:t>
-            </a:r>
-          </a:p>
-          <a:p>
-            <a:pPr marL="0" marR="0" lvl="0" indent="0" algn="l" defTabSz="914400" rtl="0" eaLnBrk="1" fontAlgn="auto" latinLnBrk="0" hangingPunct="1">
-              <a:lnSpc>
-                <a:spcPct val="100000"/>
-              </a:lnSpc>
-              <a:spcBef>
-                <a:spcPts val="0"/>
-              </a:spcBef>
-              <a:spcAft>
-                <a:spcPts val="0"/>
-              </a:spcAft>
-              <a:buClrTx/>
-              <a:buSzTx/>
-              <a:buFontTx/>
-              <a:buNone/>
-              <a:tabLst/>
-              <a:defRPr/>
-            </a:pPr>
-            <a:endParaRPr lang="en-US" dirty="0"/>
-          </a:p>
-          <a:p>
-            <a:pPr marL="0" marR="0" lvl="0" indent="0" algn="l" defTabSz="914400" rtl="0" eaLnBrk="1" fontAlgn="auto" latinLnBrk="0" hangingPunct="1">
-              <a:lnSpc>
-                <a:spcPct val="100000"/>
-              </a:lnSpc>
-              <a:spcBef>
-                <a:spcPts val="0"/>
-              </a:spcBef>
-              <a:spcAft>
-                <a:spcPts val="0"/>
-              </a:spcAft>
-              <a:buClrTx/>
-              <a:buSzTx/>
-              <a:buFontTx/>
-              <a:buNone/>
-              <a:tabLst/>
-              <a:defRPr/>
-            </a:pPr>
-            <a:r>
-              <a:rPr lang="en-US" dirty="0"/>
-              <a:t>Initializing a new directory: This create a new directory named &lt;directory name&gt; and a subdirectory named .git</a:t>
-            </a:r>
-          </a:p>
-          <a:p>
-            <a:pPr marL="0" marR="0" lvl="0" indent="0" algn="l" defTabSz="914400" rtl="0" eaLnBrk="1" fontAlgn="auto" latinLnBrk="0" hangingPunct="1">
-              <a:lnSpc>
-                <a:spcPct val="100000"/>
-              </a:lnSpc>
-              <a:spcBef>
-                <a:spcPts val="0"/>
-              </a:spcBef>
-              <a:spcAft>
-                <a:spcPts val="0"/>
-              </a:spcAft>
-              <a:buClrTx/>
-              <a:buSzTx/>
-              <a:buFontTx/>
-              <a:buNone/>
-              <a:tabLst/>
-              <a:defRPr/>
-            </a:pPr>
-            <a:endParaRPr lang="en-US" dirty="0"/>
-          </a:p>
-          <a:p>
-            <a:pPr marL="0" marR="0" lvl="0" indent="0" algn="l" defTabSz="914400" rtl="0" eaLnBrk="1" fontAlgn="auto" latinLnBrk="0" hangingPunct="1">
-              <a:lnSpc>
-                <a:spcPct val="100000"/>
-              </a:lnSpc>
-              <a:spcBef>
-                <a:spcPts val="0"/>
-              </a:spcBef>
-              <a:spcAft>
-                <a:spcPts val="0"/>
-              </a:spcAft>
-              <a:buClrTx/>
-              <a:buSzTx/>
-              <a:buFontTx/>
-              <a:buNone/>
-              <a:tabLst/>
-              <a:defRPr/>
-            </a:pPr>
-            <a:r>
-              <a:rPr lang="en-US" dirty="0"/>
-              <a:t>Cloning: To get a copy of the existing Git repository.  This will create a directory in you current location named &lt;repo name&gt;</a:t>
-            </a:r>
-          </a:p>
-          <a:p>
-            <a:pPr marL="0" marR="0" lvl="0" indent="0" algn="l" defTabSz="914400" rtl="0" eaLnBrk="1" fontAlgn="auto" latinLnBrk="0" hangingPunct="1">
-              <a:lnSpc>
-                <a:spcPct val="100000"/>
-              </a:lnSpc>
-              <a:spcBef>
-                <a:spcPts val="0"/>
-              </a:spcBef>
-              <a:spcAft>
-                <a:spcPts val="0"/>
-              </a:spcAft>
-              <a:buClrTx/>
-              <a:buSzTx/>
-              <a:buFontTx/>
-              <a:buNone/>
-              <a:tabLst/>
-              <a:defRPr/>
-            </a:pPr>
-            <a:endParaRPr lang="en-US" dirty="0"/>
-          </a:p>
-          <a:p>
-            <a:pPr marL="0" marR="0" lvl="0" indent="0" algn="l" defTabSz="914400" rtl="0" eaLnBrk="1" fontAlgn="auto" latinLnBrk="0" hangingPunct="1">
-              <a:lnSpc>
-                <a:spcPct val="100000"/>
-              </a:lnSpc>
-              <a:spcBef>
-                <a:spcPts val="0"/>
-              </a:spcBef>
-              <a:spcAft>
-                <a:spcPts val="0"/>
-              </a:spcAft>
-              <a:buClrTx/>
-              <a:buSzTx/>
-              <a:buFontTx/>
-              <a:buNone/>
-              <a:tabLst/>
-              <a:defRPr/>
-            </a:pPr>
-            <a:r>
-              <a:rPr lang="en-US" dirty="0"/>
-              <a:t>Branch Naming: To configure the initial branch name to use in all of your new repositories. The just-created branch can be renamed via git branch -m </a:t>
-            </a:r>
-            <a:r>
-              <a:rPr lang="en-US"/>
-              <a:t>&lt;name&gt;</a:t>
-            </a:r>
-            <a:endParaRPr lang="en-US" dirty="0"/>
-          </a:p>
-          <a:p>
-            <a:pPr marL="0" marR="0" lvl="0" indent="0" algn="l" defTabSz="914400" rtl="0" eaLnBrk="1" fontAlgn="auto" latinLnBrk="0" hangingPunct="1">
-              <a:lnSpc>
-                <a:spcPct val="100000"/>
-              </a:lnSpc>
-              <a:spcBef>
-                <a:spcPts val="0"/>
-              </a:spcBef>
-              <a:spcAft>
-                <a:spcPts val="0"/>
-              </a:spcAft>
-              <a:buClrTx/>
-              <a:buSzTx/>
-              <a:buFontTx/>
-              <a:buNone/>
-              <a:tabLst/>
-              <a:defRPr/>
-            </a:pPr>
-            <a:endParaRPr lang="en-US" dirty="0"/>
-          </a:p>
-          <a:p>
-            <a:pPr marL="0" marR="0" lvl="0" indent="0" algn="l" defTabSz="914400" rtl="0" eaLnBrk="1" fontAlgn="auto" latinLnBrk="0" hangingPunct="1">
-              <a:lnSpc>
-                <a:spcPct val="100000"/>
-              </a:lnSpc>
-              <a:spcBef>
-                <a:spcPts val="0"/>
-              </a:spcBef>
-              <a:spcAft>
-                <a:spcPts val="0"/>
-              </a:spcAft>
-              <a:buClrTx/>
-              <a:buSzTx/>
-              <a:buFontTx/>
-              <a:buNone/>
-              <a:tabLst/>
-              <a:defRPr/>
-            </a:pPr>
             <a:endParaRPr lang="en-US" dirty="0"/>
           </a:p>
         </p:txBody>
@@ -1104,7 +869,7 @@
           <a:p>
             <a:fld id="{4038C671-21CE-4233-B6C3-80D3964489B7}" type="slidenum">
               <a:rPr lang="en-US" smtClean="0"/>
-              <a:t>14</a:t>
+              <a:t>15</a:t>
             </a:fld>
             <a:endParaRPr lang="en-US"/>
           </a:p>
@@ -1113,7 +878,7 @@
     </p:spTree>
     <p:extLst>
       <p:ext uri="{BB962C8B-B14F-4D97-AF65-F5344CB8AC3E}">
-        <p14:creationId xmlns:p14="http://schemas.microsoft.com/office/powerpoint/2010/main" val="281456815"/>
+        <p14:creationId xmlns:p14="http://schemas.microsoft.com/office/powerpoint/2010/main" val="4092675692"/>
       </p:ext>
     </p:extLst>
   </p:cSld>
@@ -1167,40 +932,168 @@
           <a:bodyPr/>
           <a:lstStyle/>
           <a:p>
+            <a:pPr marL="0" marR="0" lvl="0" indent="0" algn="l" defTabSz="914400" rtl="0" eaLnBrk="1" fontAlgn="auto" latinLnBrk="0" hangingPunct="1">
+              <a:lnSpc>
+                <a:spcPct val="100000"/>
+              </a:lnSpc>
+              <a:spcBef>
+                <a:spcPts val="0"/>
+              </a:spcBef>
+              <a:spcAft>
+                <a:spcPts val="0"/>
+              </a:spcAft>
+              <a:buClrTx/>
+              <a:buSzTx/>
+              <a:buFontTx/>
+              <a:buNone/>
+              <a:tabLst/>
+              <a:defRPr/>
+            </a:pPr>
             <a:r>
               <a:rPr lang="en-US" dirty="0"/>
-              <a:t>Remember that each file in your working directory can be in one of two states: tracked or untracked. Tracked files are files that were in the last snapshot, as well as any newly staged files; they can be unmodified, modified, or staged. </a:t>
-            </a:r>
-            <a:r>
-              <a:rPr lang="en-US" b="1" dirty="0"/>
-              <a:t>In short, tracked files are files that Git knows about</a:t>
-            </a:r>
+              <a:t>Code hosting platform and VC: GitHub is a code hosting platform for version control and collaboration. It lets you and others work together on projects from anywhere</a:t>
+            </a:r>
+          </a:p>
+          <a:p>
+            <a:endParaRPr lang="en-US" dirty="0"/>
+          </a:p>
+          <a:p>
+            <a:pPr marL="0" marR="0" lvl="0" indent="0" algn="l" defTabSz="914400" rtl="0" eaLnBrk="1" fontAlgn="auto" latinLnBrk="0" hangingPunct="1">
+              <a:lnSpc>
+                <a:spcPct val="100000"/>
+              </a:lnSpc>
+              <a:spcBef>
+                <a:spcPts val="0"/>
+              </a:spcBef>
+              <a:spcAft>
+                <a:spcPts val="0"/>
+              </a:spcAft>
+              <a:buClrTx/>
+              <a:buSzTx/>
+              <a:buFontTx/>
+              <a:buNone/>
+              <a:tabLst/>
+              <a:defRPr/>
+            </a:pPr>
             <a:r>
               <a:rPr lang="en-US" dirty="0"/>
-              <a:t>.</a:t>
-            </a:r>
-          </a:p>
-          <a:p>
+              <a:t>Create a Hello World Repo: Cover GitHub essentials like repositories, branches, commits, and pull requests</a:t>
+            </a:r>
+          </a:p>
+          <a:p>
+            <a:pPr marL="171450" marR="0" lvl="0" indent="-171450" algn="l" defTabSz="914400" rtl="0" eaLnBrk="1" fontAlgn="auto" latinLnBrk="0" hangingPunct="1">
+              <a:lnSpc>
+                <a:spcPct val="100000"/>
+              </a:lnSpc>
+              <a:spcBef>
+                <a:spcPts val="0"/>
+              </a:spcBef>
+              <a:spcAft>
+                <a:spcPts val="0"/>
+              </a:spcAft>
+              <a:buClrTx/>
+              <a:buSzTx/>
+              <a:buFont typeface="Arial" panose="020B0604020202020204" pitchFamily="34" charset="0"/>
+              <a:buChar char="•"/>
+              <a:tabLst/>
+              <a:defRPr/>
+            </a:pPr>
+            <a:r>
+              <a:rPr lang="en-US" dirty="0"/>
+              <a:t>A repository is usually used to organize a single project</a:t>
+            </a:r>
+          </a:p>
+          <a:p>
+            <a:pPr marL="171450" marR="0" lvl="0" indent="-171450" algn="l" defTabSz="914400" rtl="0" eaLnBrk="1" fontAlgn="auto" latinLnBrk="0" hangingPunct="1">
+              <a:lnSpc>
+                <a:spcPct val="100000"/>
+              </a:lnSpc>
+              <a:spcBef>
+                <a:spcPts val="0"/>
+              </a:spcBef>
+              <a:spcAft>
+                <a:spcPts val="0"/>
+              </a:spcAft>
+              <a:buClrTx/>
+              <a:buSzTx/>
+              <a:buFont typeface="Arial" panose="020B0604020202020204" pitchFamily="34" charset="0"/>
+              <a:buChar char="•"/>
+              <a:tabLst/>
+              <a:defRPr/>
+            </a:pPr>
+            <a:r>
+              <a:rPr lang="en-US" dirty="0"/>
+              <a:t>Repositories can contain folders and files, images, videos, spreadsheets, and data sets</a:t>
+            </a:r>
+          </a:p>
+          <a:p>
+            <a:pPr marL="0" marR="0" lvl="0" indent="0" algn="l" defTabSz="914400" rtl="0" eaLnBrk="1" fontAlgn="auto" latinLnBrk="0" hangingPunct="1">
+              <a:lnSpc>
+                <a:spcPct val="100000"/>
+              </a:lnSpc>
+              <a:spcBef>
+                <a:spcPts val="0"/>
+              </a:spcBef>
+              <a:spcAft>
+                <a:spcPts val="0"/>
+              </a:spcAft>
+              <a:buClrTx/>
+              <a:buSzTx/>
+              <a:buFontTx/>
+              <a:buNone/>
+              <a:tabLst/>
+              <a:defRPr/>
+            </a:pPr>
             <a:endParaRPr lang="en-US" dirty="0"/>
           </a:p>
           <a:p>
             <a:r>
-              <a:rPr lang="en-US" b="1" dirty="0"/>
-              <a:t>Untracked files are everything else </a:t>
-            </a:r>
-            <a:r>
               <a:rPr lang="en-US" dirty="0"/>
-              <a:t>— any files in your working directory that were not in your last snapshot and are not in your staging area. When you first clone a repository, all of your files will be tracked and unmodified because Git just checked them out and you haven’t edited anything.</a:t>
-            </a:r>
-          </a:p>
-          <a:p>
+              <a:t>README: Often, repositories include a README file, a file with information about your project</a:t>
+            </a:r>
+          </a:p>
+          <a:p>
+            <a:pPr marL="171450" indent="-171450">
+              <a:buFont typeface="Arial" panose="020B0604020202020204" pitchFamily="34" charset="0"/>
+              <a:buChar char="•"/>
+            </a:pPr>
+            <a:r>
+              <a:rPr lang="en-US" dirty="0"/>
+              <a:t>README files are written in the plain text Markdown language</a:t>
+            </a:r>
+          </a:p>
+          <a:p>
+            <a:pPr marL="171450" indent="-171450">
+              <a:buFont typeface="Arial" panose="020B0604020202020204" pitchFamily="34" charset="0"/>
+              <a:buChar char="•"/>
+            </a:pPr>
+            <a:r>
+              <a:rPr lang="en-US" dirty="0">
+                <a:hlinkClick r:id="rId3"/>
+              </a:rPr>
+              <a:t>https://www.markdownguide.org/cheat-sheet/</a:t>
+            </a:r>
             <a:endParaRPr lang="en-US" dirty="0"/>
           </a:p>
           <a:p>
-            <a:r>
-              <a:rPr lang="en-US" dirty="0"/>
-              <a:t>As you edit files, Git sees them as modified, because you’ve changed them since your last commit. As you work, you selectively stage these modified files and then commit all those staged changes, and the cycle repeats.</a:t>
-            </a:r>
+            <a:pPr marL="0" marR="0" lvl="0" indent="0" algn="l" defTabSz="914400" rtl="0" eaLnBrk="1" fontAlgn="auto" latinLnBrk="0" hangingPunct="1">
+              <a:lnSpc>
+                <a:spcPct val="100000"/>
+              </a:lnSpc>
+              <a:spcBef>
+                <a:spcPts val="0"/>
+              </a:spcBef>
+              <a:spcAft>
+                <a:spcPts val="0"/>
+              </a:spcAft>
+              <a:buClrTx/>
+              <a:buSzTx/>
+              <a:buFontTx/>
+              <a:buNone/>
+              <a:tabLst/>
+              <a:defRPr/>
+            </a:pPr>
+            <a:endParaRPr lang="en-US" dirty="0"/>
           </a:p>
         </p:txBody>
       </p:sp>
@@ -1230,7 +1123,656 @@
     </p:spTree>
     <p:extLst>
       <p:ext uri="{BB962C8B-B14F-4D97-AF65-F5344CB8AC3E}">
-        <p14:creationId xmlns:p14="http://schemas.microsoft.com/office/powerpoint/2010/main" val="522610259"/>
+        <p14:creationId xmlns:p14="http://schemas.microsoft.com/office/powerpoint/2010/main" val="4292754216"/>
+      </p:ext>
+    </p:extLst>
+  </p:cSld>
+  <p:clrMapOvr>
+    <a:masterClrMapping/>
+  </p:clrMapOvr>
+</p:notes>
+</file>
+
+<file path=ppt/notesSlides/notesSlide12.xml><?xml version="1.0" encoding="utf-8"?>
+<p:notes xmlns:a="http://schemas.openxmlformats.org/drawingml/2006/main" xmlns:r="http://schemas.openxmlformats.org/officeDocument/2006/relationships" xmlns:p="http://schemas.openxmlformats.org/presentationml/2006/main">
+  <p:cSld>
+    <p:spTree>
+      <p:nvGrpSpPr>
+        <p:cNvPr id="1" name=""/>
+        <p:cNvGrpSpPr/>
+        <p:nvPr/>
+      </p:nvGrpSpPr>
+      <p:grpSpPr>
+        <a:xfrm>
+          <a:off x="0" y="0"/>
+          <a:ext cx="0" cy="0"/>
+          <a:chOff x="0" y="0"/>
+          <a:chExt cx="0" cy="0"/>
+        </a:xfrm>
+      </p:grpSpPr>
+      <p:sp>
+        <p:nvSpPr>
+          <p:cNvPr id="2" name="Slide Image Placeholder 1"/>
+          <p:cNvSpPr>
+            <a:spLocks noGrp="1" noRot="1" noChangeAspect="1"/>
+          </p:cNvSpPr>
+          <p:nvPr>
+            <p:ph type="sldImg"/>
+          </p:nvPr>
+        </p:nvSpPr>
+        <p:spPr/>
+      </p:sp>
+      <p:sp>
+        <p:nvSpPr>
+          <p:cNvPr id="3" name="Notes Placeholder 2"/>
+          <p:cNvSpPr>
+            <a:spLocks noGrp="1"/>
+          </p:cNvSpPr>
+          <p:nvPr>
+            <p:ph type="body" idx="1"/>
+          </p:nvPr>
+        </p:nvSpPr>
+        <p:spPr/>
+        <p:txBody>
+          <a:bodyPr/>
+          <a:lstStyle/>
+          <a:p>
+            <a:endParaRPr lang="en-US" dirty="0"/>
+          </a:p>
+        </p:txBody>
+      </p:sp>
+      <p:sp>
+        <p:nvSpPr>
+          <p:cNvPr id="4" name="Slide Number Placeholder 3"/>
+          <p:cNvSpPr>
+            <a:spLocks noGrp="1"/>
+          </p:cNvSpPr>
+          <p:nvPr>
+            <p:ph type="sldNum" sz="quarter" idx="5"/>
+          </p:nvPr>
+        </p:nvSpPr>
+        <p:spPr/>
+        <p:txBody>
+          <a:bodyPr/>
+          <a:lstStyle/>
+          <a:p>
+            <a:fld id="{4038C671-21CE-4233-B6C3-80D3964489B7}" type="slidenum">
+              <a:rPr lang="en-US" smtClean="0"/>
+              <a:t>17</a:t>
+            </a:fld>
+            <a:endParaRPr lang="en-US"/>
+          </a:p>
+        </p:txBody>
+      </p:sp>
+    </p:spTree>
+    <p:extLst>
+      <p:ext uri="{BB962C8B-B14F-4D97-AF65-F5344CB8AC3E}">
+        <p14:creationId xmlns:p14="http://schemas.microsoft.com/office/powerpoint/2010/main" val="191794781"/>
+      </p:ext>
+    </p:extLst>
+  </p:cSld>
+  <p:clrMapOvr>
+    <a:masterClrMapping/>
+  </p:clrMapOvr>
+</p:notes>
+</file>
+
+<file path=ppt/notesSlides/notesSlide13.xml><?xml version="1.0" encoding="utf-8"?>
+<p:notes xmlns:a="http://schemas.openxmlformats.org/drawingml/2006/main" xmlns:r="http://schemas.openxmlformats.org/officeDocument/2006/relationships" xmlns:p="http://schemas.openxmlformats.org/presentationml/2006/main">
+  <p:cSld>
+    <p:spTree>
+      <p:nvGrpSpPr>
+        <p:cNvPr id="1" name=""/>
+        <p:cNvGrpSpPr/>
+        <p:nvPr/>
+      </p:nvGrpSpPr>
+      <p:grpSpPr>
+        <a:xfrm>
+          <a:off x="0" y="0"/>
+          <a:ext cx="0" cy="0"/>
+          <a:chOff x="0" y="0"/>
+          <a:chExt cx="0" cy="0"/>
+        </a:xfrm>
+      </p:grpSpPr>
+      <p:sp>
+        <p:nvSpPr>
+          <p:cNvPr id="2" name="Slide Image Placeholder 1"/>
+          <p:cNvSpPr>
+            <a:spLocks noGrp="1" noRot="1" noChangeAspect="1"/>
+          </p:cNvSpPr>
+          <p:nvPr>
+            <p:ph type="sldImg"/>
+          </p:nvPr>
+        </p:nvSpPr>
+        <p:spPr/>
+      </p:sp>
+      <p:sp>
+        <p:nvSpPr>
+          <p:cNvPr id="3" name="Notes Placeholder 2"/>
+          <p:cNvSpPr>
+            <a:spLocks noGrp="1"/>
+          </p:cNvSpPr>
+          <p:nvPr>
+            <p:ph type="body" idx="1"/>
+          </p:nvPr>
+        </p:nvSpPr>
+        <p:spPr/>
+        <p:txBody>
+          <a:bodyPr/>
+          <a:lstStyle/>
+          <a:p>
+            <a:pPr marL="0" marR="0" lvl="0" indent="0" algn="l" defTabSz="914400" rtl="0" eaLnBrk="1" fontAlgn="auto" latinLnBrk="0" hangingPunct="1">
+              <a:lnSpc>
+                <a:spcPct val="100000"/>
+              </a:lnSpc>
+              <a:spcBef>
+                <a:spcPts val="0"/>
+              </a:spcBef>
+              <a:spcAft>
+                <a:spcPts val="0"/>
+              </a:spcAft>
+              <a:buClrTx/>
+              <a:buSzTx/>
+              <a:buFontTx/>
+              <a:buNone/>
+              <a:tabLst/>
+              <a:defRPr/>
+            </a:pPr>
+            <a:r>
+              <a:rPr lang="en-US" dirty="0"/>
+              <a:t>Branching: Branching lets you have different versions of a repository at one time</a:t>
+            </a:r>
+          </a:p>
+          <a:p>
+            <a:pPr marL="0" marR="0" lvl="0" indent="0" algn="l" defTabSz="914400" rtl="0" eaLnBrk="1" fontAlgn="auto" latinLnBrk="0" hangingPunct="1">
+              <a:lnSpc>
+                <a:spcPct val="100000"/>
+              </a:lnSpc>
+              <a:spcBef>
+                <a:spcPts val="0"/>
+              </a:spcBef>
+              <a:spcAft>
+                <a:spcPts val="0"/>
+              </a:spcAft>
+              <a:buClrTx/>
+              <a:buSzTx/>
+              <a:buFontTx/>
+              <a:buNone/>
+              <a:tabLst/>
+              <a:defRPr/>
+            </a:pPr>
+            <a:endParaRPr lang="en-US" dirty="0"/>
+          </a:p>
+          <a:p>
+            <a:pPr marL="0" marR="0" lvl="0" indent="0" algn="l" defTabSz="914400" rtl="0" eaLnBrk="1" fontAlgn="auto" latinLnBrk="0" hangingPunct="1">
+              <a:lnSpc>
+                <a:spcPct val="100000"/>
+              </a:lnSpc>
+              <a:spcBef>
+                <a:spcPts val="0"/>
+              </a:spcBef>
+              <a:spcAft>
+                <a:spcPts val="0"/>
+              </a:spcAft>
+              <a:buClrTx/>
+              <a:buSzTx/>
+              <a:buFontTx/>
+              <a:buNone/>
+              <a:tabLst/>
+              <a:defRPr/>
+            </a:pPr>
+            <a:r>
+              <a:rPr lang="en-US" dirty="0"/>
+              <a:t>One Branch Name: By default, your repository has one branch named “main” that is considered to be the definitive branch</a:t>
+            </a:r>
+          </a:p>
+          <a:p>
+            <a:pPr marL="171450" marR="0" lvl="0" indent="-171450" algn="l" defTabSz="914400" rtl="0" eaLnBrk="1" fontAlgn="auto" latinLnBrk="0" hangingPunct="1">
+              <a:lnSpc>
+                <a:spcPct val="100000"/>
+              </a:lnSpc>
+              <a:spcBef>
+                <a:spcPts val="0"/>
+              </a:spcBef>
+              <a:spcAft>
+                <a:spcPts val="0"/>
+              </a:spcAft>
+              <a:buClrTx/>
+              <a:buSzTx/>
+              <a:buFont typeface="Arial" panose="020B0604020202020204" pitchFamily="34" charset="0"/>
+              <a:buChar char="•"/>
+              <a:tabLst/>
+              <a:defRPr/>
+            </a:pPr>
+            <a:r>
+              <a:rPr lang="en-US" dirty="0"/>
+              <a:t>You can create additional branches off of main in your repository</a:t>
+            </a:r>
+          </a:p>
+          <a:p>
+            <a:pPr marL="171450" marR="0" lvl="0" indent="-171450" algn="l" defTabSz="914400" rtl="0" eaLnBrk="1" fontAlgn="auto" latinLnBrk="0" hangingPunct="1">
+              <a:lnSpc>
+                <a:spcPct val="100000"/>
+              </a:lnSpc>
+              <a:spcBef>
+                <a:spcPts val="0"/>
+              </a:spcBef>
+              <a:spcAft>
+                <a:spcPts val="0"/>
+              </a:spcAft>
+              <a:buClrTx/>
+              <a:buSzTx/>
+              <a:buFont typeface="Arial" panose="020B0604020202020204" pitchFamily="34" charset="0"/>
+              <a:buChar char="•"/>
+              <a:tabLst/>
+              <a:defRPr/>
+            </a:pPr>
+            <a:r>
+              <a:rPr lang="en-US" dirty="0"/>
+              <a:t>You can use branches to have different versions of a project at one time</a:t>
+            </a:r>
+          </a:p>
+          <a:p>
+            <a:pPr marL="171450" marR="0" lvl="0" indent="-171450" algn="l" defTabSz="914400" rtl="0" eaLnBrk="1" fontAlgn="auto" latinLnBrk="0" hangingPunct="1">
+              <a:lnSpc>
+                <a:spcPct val="100000"/>
+              </a:lnSpc>
+              <a:spcBef>
+                <a:spcPts val="0"/>
+              </a:spcBef>
+              <a:spcAft>
+                <a:spcPts val="0"/>
+              </a:spcAft>
+              <a:buClrTx/>
+              <a:buSzTx/>
+              <a:buFont typeface="Arial" panose="020B0604020202020204" pitchFamily="34" charset="0"/>
+              <a:buChar char="•"/>
+              <a:tabLst/>
+              <a:defRPr/>
+            </a:pPr>
+            <a:r>
+              <a:rPr lang="en-US" dirty="0"/>
+              <a:t>Work done on different branches will not show up on the main branch until you merge it</a:t>
+            </a:r>
+          </a:p>
+          <a:p>
+            <a:pPr marL="171450" marR="0" lvl="0" indent="-171450" algn="l" defTabSz="914400" rtl="0" eaLnBrk="1" fontAlgn="auto" latinLnBrk="0" hangingPunct="1">
+              <a:lnSpc>
+                <a:spcPct val="100000"/>
+              </a:lnSpc>
+              <a:spcBef>
+                <a:spcPts val="0"/>
+              </a:spcBef>
+              <a:spcAft>
+                <a:spcPts val="0"/>
+              </a:spcAft>
+              <a:buClrTx/>
+              <a:buSzTx/>
+              <a:buFont typeface="Arial" panose="020B0604020202020204" pitchFamily="34" charset="0"/>
+              <a:buChar char="•"/>
+              <a:tabLst/>
+              <a:defRPr/>
+            </a:pPr>
+            <a:r>
+              <a:rPr lang="en-US" dirty="0"/>
+              <a:t>Use branches to experiment and make edits before committing them to main</a:t>
+            </a:r>
+          </a:p>
+        </p:txBody>
+      </p:sp>
+      <p:sp>
+        <p:nvSpPr>
+          <p:cNvPr id="4" name="Slide Number Placeholder 3"/>
+          <p:cNvSpPr>
+            <a:spLocks noGrp="1"/>
+          </p:cNvSpPr>
+          <p:nvPr>
+            <p:ph type="sldNum" sz="quarter" idx="5"/>
+          </p:nvPr>
+        </p:nvSpPr>
+        <p:spPr/>
+        <p:txBody>
+          <a:bodyPr/>
+          <a:lstStyle/>
+          <a:p>
+            <a:fld id="{4038C671-21CE-4233-B6C3-80D3964489B7}" type="slidenum">
+              <a:rPr lang="en-US" smtClean="0"/>
+              <a:t>19</a:t>
+            </a:fld>
+            <a:endParaRPr lang="en-US"/>
+          </a:p>
+        </p:txBody>
+      </p:sp>
+    </p:spTree>
+    <p:extLst>
+      <p:ext uri="{BB962C8B-B14F-4D97-AF65-F5344CB8AC3E}">
+        <p14:creationId xmlns:p14="http://schemas.microsoft.com/office/powerpoint/2010/main" val="448445924"/>
+      </p:ext>
+    </p:extLst>
+  </p:cSld>
+  <p:clrMapOvr>
+    <a:masterClrMapping/>
+  </p:clrMapOvr>
+</p:notes>
+</file>
+
+<file path=ppt/notesSlides/notesSlide14.xml><?xml version="1.0" encoding="utf-8"?>
+<p:notes xmlns:a="http://schemas.openxmlformats.org/drawingml/2006/main" xmlns:r="http://schemas.openxmlformats.org/officeDocument/2006/relationships" xmlns:p="http://schemas.openxmlformats.org/presentationml/2006/main">
+  <p:cSld>
+    <p:spTree>
+      <p:nvGrpSpPr>
+        <p:cNvPr id="1" name=""/>
+        <p:cNvGrpSpPr/>
+        <p:nvPr/>
+      </p:nvGrpSpPr>
+      <p:grpSpPr>
+        <a:xfrm>
+          <a:off x="0" y="0"/>
+          <a:ext cx="0" cy="0"/>
+          <a:chOff x="0" y="0"/>
+          <a:chExt cx="0" cy="0"/>
+        </a:xfrm>
+      </p:grpSpPr>
+      <p:sp>
+        <p:nvSpPr>
+          <p:cNvPr id="2" name="Slide Image Placeholder 1"/>
+          <p:cNvSpPr>
+            <a:spLocks noGrp="1" noRot="1" noChangeAspect="1"/>
+          </p:cNvSpPr>
+          <p:nvPr>
+            <p:ph type="sldImg"/>
+          </p:nvPr>
+        </p:nvSpPr>
+        <p:spPr/>
+      </p:sp>
+      <p:sp>
+        <p:nvSpPr>
+          <p:cNvPr id="3" name="Notes Placeholder 2"/>
+          <p:cNvSpPr>
+            <a:spLocks noGrp="1"/>
+          </p:cNvSpPr>
+          <p:nvPr>
+            <p:ph type="body" idx="1"/>
+          </p:nvPr>
+        </p:nvSpPr>
+        <p:spPr/>
+        <p:txBody>
+          <a:bodyPr/>
+          <a:lstStyle/>
+          <a:p>
+            <a:r>
+              <a:rPr lang="en-US" dirty="0"/>
+              <a:t>You typically obtain a Git repository in one of two ways:</a:t>
+            </a:r>
+          </a:p>
+          <a:p>
+            <a:endParaRPr lang="en-US" dirty="0"/>
+          </a:p>
+          <a:p>
+            <a:pPr marL="228600" indent="-228600">
+              <a:buFont typeface="+mj-lt"/>
+              <a:buAutoNum type="arabicPeriod"/>
+            </a:pPr>
+            <a:r>
+              <a:rPr lang="en-US" dirty="0"/>
+              <a:t>You can take a local directory that is currently not under version control, and turn it into a Git repository, or</a:t>
+            </a:r>
+          </a:p>
+          <a:p>
+            <a:pPr marL="228600" indent="-228600">
+              <a:buFont typeface="+mj-lt"/>
+              <a:buAutoNum type="arabicPeriod"/>
+            </a:pPr>
+            <a:endParaRPr lang="en-US" dirty="0"/>
+          </a:p>
+          <a:p>
+            <a:pPr marL="228600" indent="-228600">
+              <a:buFont typeface="+mj-lt"/>
+              <a:buAutoNum type="arabicPeriod"/>
+            </a:pPr>
+            <a:r>
+              <a:rPr lang="en-US" dirty="0"/>
+              <a:t>You can clone an existing Git repository from elsewhere.</a:t>
+            </a:r>
+          </a:p>
+          <a:p>
+            <a:endParaRPr lang="en-US" dirty="0"/>
+          </a:p>
+          <a:p>
+            <a:r>
+              <a:rPr lang="en-US" dirty="0"/>
+              <a:t>In either case, you end up with a Git repository on your local machine, ready for work.</a:t>
+            </a:r>
+          </a:p>
+          <a:p>
+            <a:endParaRPr lang="en-US" dirty="0"/>
+          </a:p>
+          <a:p>
+            <a:pPr marL="0" marR="0" lvl="0" indent="0" algn="l" defTabSz="914400" rtl="0" eaLnBrk="1" fontAlgn="auto" latinLnBrk="0" hangingPunct="1">
+              <a:lnSpc>
+                <a:spcPct val="100000"/>
+              </a:lnSpc>
+              <a:spcBef>
+                <a:spcPts val="0"/>
+              </a:spcBef>
+              <a:spcAft>
+                <a:spcPts val="0"/>
+              </a:spcAft>
+              <a:buClrTx/>
+              <a:buSzTx/>
+              <a:buFontTx/>
+              <a:buNone/>
+              <a:tabLst/>
+              <a:defRPr/>
+            </a:pPr>
+            <a:r>
+              <a:rPr lang="en-US" dirty="0"/>
+              <a:t>Initializing in a directory: This creates a new subdirectory named .git that containing all of your necessary repository files — a Git repository skeleton. At this point, nothing in your project is tracked yet.</a:t>
+            </a:r>
+          </a:p>
+          <a:p>
+            <a:pPr marL="0" marR="0" lvl="0" indent="0" algn="l" defTabSz="914400" rtl="0" eaLnBrk="1" fontAlgn="auto" latinLnBrk="0" hangingPunct="1">
+              <a:lnSpc>
+                <a:spcPct val="100000"/>
+              </a:lnSpc>
+              <a:spcBef>
+                <a:spcPts val="0"/>
+              </a:spcBef>
+              <a:spcAft>
+                <a:spcPts val="0"/>
+              </a:spcAft>
+              <a:buClrTx/>
+              <a:buSzTx/>
+              <a:buFontTx/>
+              <a:buNone/>
+              <a:tabLst/>
+              <a:defRPr/>
+            </a:pPr>
+            <a:endParaRPr lang="en-US" dirty="0"/>
+          </a:p>
+          <a:p>
+            <a:pPr marL="0" marR="0" lvl="0" indent="0" algn="l" defTabSz="914400" rtl="0" eaLnBrk="1" fontAlgn="auto" latinLnBrk="0" hangingPunct="1">
+              <a:lnSpc>
+                <a:spcPct val="100000"/>
+              </a:lnSpc>
+              <a:spcBef>
+                <a:spcPts val="0"/>
+              </a:spcBef>
+              <a:spcAft>
+                <a:spcPts val="0"/>
+              </a:spcAft>
+              <a:buClrTx/>
+              <a:buSzTx/>
+              <a:buFontTx/>
+              <a:buNone/>
+              <a:tabLst/>
+              <a:defRPr/>
+            </a:pPr>
+            <a:r>
+              <a:rPr lang="en-US" dirty="0"/>
+              <a:t>Initializing a new directory: This create a new directory named &lt;directory name&gt; and a subdirectory named .git</a:t>
+            </a:r>
+          </a:p>
+          <a:p>
+            <a:pPr marL="0" marR="0" lvl="0" indent="0" algn="l" defTabSz="914400" rtl="0" eaLnBrk="1" fontAlgn="auto" latinLnBrk="0" hangingPunct="1">
+              <a:lnSpc>
+                <a:spcPct val="100000"/>
+              </a:lnSpc>
+              <a:spcBef>
+                <a:spcPts val="0"/>
+              </a:spcBef>
+              <a:spcAft>
+                <a:spcPts val="0"/>
+              </a:spcAft>
+              <a:buClrTx/>
+              <a:buSzTx/>
+              <a:buFontTx/>
+              <a:buNone/>
+              <a:tabLst/>
+              <a:defRPr/>
+            </a:pPr>
+            <a:endParaRPr lang="en-US" dirty="0"/>
+          </a:p>
+          <a:p>
+            <a:pPr marL="0" marR="0" lvl="0" indent="0" algn="l" defTabSz="914400" rtl="0" eaLnBrk="1" fontAlgn="auto" latinLnBrk="0" hangingPunct="1">
+              <a:lnSpc>
+                <a:spcPct val="100000"/>
+              </a:lnSpc>
+              <a:spcBef>
+                <a:spcPts val="0"/>
+              </a:spcBef>
+              <a:spcAft>
+                <a:spcPts val="0"/>
+              </a:spcAft>
+              <a:buClrTx/>
+              <a:buSzTx/>
+              <a:buFontTx/>
+              <a:buNone/>
+              <a:tabLst/>
+              <a:defRPr/>
+            </a:pPr>
+            <a:r>
+              <a:rPr lang="en-US" dirty="0"/>
+              <a:t>Cloning: To get a copy of the existing Git repository.  This will create a directory in you current location named &lt;repo name&gt;</a:t>
+            </a:r>
+          </a:p>
+          <a:p>
+            <a:pPr marL="0" marR="0" lvl="0" indent="0" algn="l" defTabSz="914400" rtl="0" eaLnBrk="1" fontAlgn="auto" latinLnBrk="0" hangingPunct="1">
+              <a:lnSpc>
+                <a:spcPct val="100000"/>
+              </a:lnSpc>
+              <a:spcBef>
+                <a:spcPts val="0"/>
+              </a:spcBef>
+              <a:spcAft>
+                <a:spcPts val="0"/>
+              </a:spcAft>
+              <a:buClrTx/>
+              <a:buSzTx/>
+              <a:buFontTx/>
+              <a:buNone/>
+              <a:tabLst/>
+              <a:defRPr/>
+            </a:pPr>
+            <a:endParaRPr lang="en-US" dirty="0"/>
+          </a:p>
+          <a:p>
+            <a:pPr marL="0" marR="0" lvl="0" indent="0" algn="l" defTabSz="914400" rtl="0" eaLnBrk="1" fontAlgn="auto" latinLnBrk="0" hangingPunct="1">
+              <a:lnSpc>
+                <a:spcPct val="100000"/>
+              </a:lnSpc>
+              <a:spcBef>
+                <a:spcPts val="0"/>
+              </a:spcBef>
+              <a:spcAft>
+                <a:spcPts val="0"/>
+              </a:spcAft>
+              <a:buClrTx/>
+              <a:buSzTx/>
+              <a:buFontTx/>
+              <a:buNone/>
+              <a:tabLst/>
+              <a:defRPr/>
+            </a:pPr>
+            <a:r>
+              <a:rPr lang="en-US" dirty="0"/>
+              <a:t>Branch Naming: To configure the initial branch name to use in all of your new repositories. The just-created branch can be renamed via git branch -m </a:t>
+            </a:r>
+            <a:r>
+              <a:rPr lang="en-US"/>
+              <a:t>&lt;name&gt;</a:t>
+            </a:r>
+            <a:endParaRPr lang="en-US" dirty="0"/>
+          </a:p>
+          <a:p>
+            <a:pPr marL="0" marR="0" lvl="0" indent="0" algn="l" defTabSz="914400" rtl="0" eaLnBrk="1" fontAlgn="auto" latinLnBrk="0" hangingPunct="1">
+              <a:lnSpc>
+                <a:spcPct val="100000"/>
+              </a:lnSpc>
+              <a:spcBef>
+                <a:spcPts val="0"/>
+              </a:spcBef>
+              <a:spcAft>
+                <a:spcPts val="0"/>
+              </a:spcAft>
+              <a:buClrTx/>
+              <a:buSzTx/>
+              <a:buFontTx/>
+              <a:buNone/>
+              <a:tabLst/>
+              <a:defRPr/>
+            </a:pPr>
+            <a:endParaRPr lang="en-US" dirty="0"/>
+          </a:p>
+          <a:p>
+            <a:pPr marL="0" marR="0" lvl="0" indent="0" algn="l" defTabSz="914400" rtl="0" eaLnBrk="1" fontAlgn="auto" latinLnBrk="0" hangingPunct="1">
+              <a:lnSpc>
+                <a:spcPct val="100000"/>
+              </a:lnSpc>
+              <a:spcBef>
+                <a:spcPts val="0"/>
+              </a:spcBef>
+              <a:spcAft>
+                <a:spcPts val="0"/>
+              </a:spcAft>
+              <a:buClrTx/>
+              <a:buSzTx/>
+              <a:buFontTx/>
+              <a:buNone/>
+              <a:tabLst/>
+              <a:defRPr/>
+            </a:pPr>
+            <a:endParaRPr lang="en-US" dirty="0"/>
+          </a:p>
+        </p:txBody>
+      </p:sp>
+      <p:sp>
+        <p:nvSpPr>
+          <p:cNvPr id="4" name="Slide Number Placeholder 3"/>
+          <p:cNvSpPr>
+            <a:spLocks noGrp="1"/>
+          </p:cNvSpPr>
+          <p:nvPr>
+            <p:ph type="sldNum" sz="quarter" idx="5"/>
+          </p:nvPr>
+        </p:nvSpPr>
+        <p:spPr/>
+        <p:txBody>
+          <a:bodyPr/>
+          <a:lstStyle/>
+          <a:p>
+            <a:fld id="{4038C671-21CE-4233-B6C3-80D3964489B7}" type="slidenum">
+              <a:rPr lang="en-US" smtClean="0"/>
+              <a:t>23</a:t>
+            </a:fld>
+            <a:endParaRPr lang="en-US"/>
+          </a:p>
+        </p:txBody>
+      </p:sp>
+    </p:spTree>
+    <p:extLst>
+      <p:ext uri="{BB962C8B-B14F-4D97-AF65-F5344CB8AC3E}">
+        <p14:creationId xmlns:p14="http://schemas.microsoft.com/office/powerpoint/2010/main" val="281456815"/>
       </p:ext>
     </p:extLst>
   </p:cSld>
@@ -1727,6 +2269,45 @@
             </a:endParaRPr>
           </a:p>
           <a:p>
+            <a:pPr marL="0" marR="0" lvl="0" indent="0" algn="l" defTabSz="914400" rtl="0" eaLnBrk="1" fontAlgn="auto" latinLnBrk="0" hangingPunct="1">
+              <a:lnSpc>
+                <a:spcPct val="100000"/>
+              </a:lnSpc>
+              <a:spcBef>
+                <a:spcPts val="0"/>
+              </a:spcBef>
+              <a:spcAft>
+                <a:spcPts val="0"/>
+              </a:spcAft>
+              <a:buClrTx/>
+              <a:buSzTx/>
+              <a:buFontTx/>
+              <a:buNone/>
+              <a:tabLst/>
+              <a:defRPr/>
+            </a:pPr>
+            <a:r>
+              <a:rPr lang="en-US" dirty="0"/>
+              <a:t>a 40-character string composed of hexadecimal characters (0-9 and a-f)</a:t>
+            </a:r>
+            <a:endParaRPr lang="en-US" b="0" i="0" dirty="0">
+              <a:solidFill>
+                <a:srgbClr val="4E443C"/>
+              </a:solidFill>
+              <a:effectLst/>
+              <a:latin typeface="Arial" panose="020B0604020202020204" pitchFamily="34" charset="0"/>
+            </a:endParaRPr>
+          </a:p>
+          <a:p>
+            <a:endParaRPr lang="en-US" b="0" i="0" dirty="0">
+              <a:solidFill>
+                <a:srgbClr val="4E443C"/>
+              </a:solidFill>
+              <a:effectLst/>
+              <a:latin typeface="Arial" panose="020B0604020202020204" pitchFamily="34" charset="0"/>
+            </a:endParaRPr>
+          </a:p>
+          <a:p>
             <a:r>
               <a:rPr lang="en-US" b="0" i="0" dirty="0">
                 <a:solidFill>
@@ -1815,10 +2396,30 @@
             </a:r>
           </a:p>
           <a:p>
+            <a:pPr marL="0" marR="0" lvl="0" indent="0" algn="l" defTabSz="914400" rtl="0" eaLnBrk="1" fontAlgn="auto" latinLnBrk="0" hangingPunct="1">
+              <a:lnSpc>
+                <a:spcPct val="100000"/>
+              </a:lnSpc>
+              <a:spcBef>
+                <a:spcPts val="0"/>
+              </a:spcBef>
+              <a:spcAft>
+                <a:spcPts val="0"/>
+              </a:spcAft>
+              <a:buClrTx/>
+              <a:buSzTx/>
+              <a:buFontTx/>
+              <a:buNone/>
+              <a:tabLst/>
+              <a:defRPr/>
+            </a:pPr>
             <a:r>
               <a:rPr lang="en-US" dirty="0"/>
-              <a:t>Acting like a backup having the full mirrored repository on the server and local machines</a:t>
-            </a:r>
+              <a:t>Acting like a backup having the full mirrored repository on the server and local machines.  This also allows for collaboration working freely on any file at any time.</a:t>
+            </a:r>
+          </a:p>
+          <a:p>
+            <a:endParaRPr lang="en-US" dirty="0"/>
           </a:p>
         </p:txBody>
       </p:sp>
@@ -2079,20 +2680,7 @@
                 <a:effectLst/>
                 <a:latin typeface="Arial" panose="020B0604020202020204" pitchFamily="34" charset="0"/>
               </a:rPr>
-              <a:t>The staging area is a file, generally contained in your Git directory, that stores information about what will go into your next commit. Its technical name in Git parlance is the “index”, but the phrase “staging area” works just as well.</a:t>
-            </a:r>
-          </a:p>
-          <a:p>
-            <a:pPr algn="l"/>
-            <a:r>
-              <a:rPr lang="en-US" b="0" i="0" dirty="0">
-                <a:solidFill>
-                  <a:srgbClr val="4E443C"/>
-                </a:solidFill>
-                <a:effectLst/>
-                <a:latin typeface="Arial" panose="020B0604020202020204" pitchFamily="34" charset="0"/>
-              </a:rPr>
-              <a:t>The Git directory is where Git stores the metadata and object database for your project. This is the most important part of Git, and it is what is copied when you </a:t>
+              <a:t>The staging area is a file, generally contained in your Git directory, that stores information about what will go into your next commit.  The Git directory is where Git stores the metadata and object database for your project. This is the most important part of Git, and it is what is copied when you </a:t>
             </a:r>
             <a:r>
               <a:rPr lang="en-US" b="1" i="0" dirty="0">
@@ -2385,26 +2973,46 @@
           <a:bodyPr/>
           <a:lstStyle/>
           <a:p>
-            <a:pPr marL="0" marR="0" lvl="0" indent="0" algn="l" defTabSz="914400" rtl="0" eaLnBrk="1" fontAlgn="auto" latinLnBrk="0" hangingPunct="1">
-              <a:lnSpc>
-                <a:spcPct val="100000"/>
-              </a:lnSpc>
-              <a:spcBef>
-                <a:spcPts val="0"/>
-              </a:spcBef>
-              <a:spcAft>
-                <a:spcPts val="0"/>
-              </a:spcAft>
-              <a:buClrTx/>
-              <a:buSzTx/>
-              <a:buFontTx/>
-              <a:buNone/>
-              <a:tabLst/>
-              <a:defRPr/>
-            </a:pPr>
             <a:r>
               <a:rPr lang="en-US" dirty="0"/>
-              <a:t>Command tool git config lets you get and set configuration variables that control all aspects of how Git looks and operates</a:t>
+              <a:t>Remember that each file in your working directory can be in one of two states: tracked or untracked. Tracked files are files that were in the last snapshot, as well as any newly staged files; they can be unmodified, modified, or staged.</a:t>
+            </a:r>
+          </a:p>
+          <a:p>
+            <a:endParaRPr lang="en-US" b="1" dirty="0"/>
+          </a:p>
+          <a:p>
+            <a:r>
+              <a:rPr lang="en-US" b="1" dirty="0"/>
+              <a:t>So, tracked files are files that Git knows about</a:t>
+            </a:r>
+            <a:r>
+              <a:rPr lang="en-US" dirty="0"/>
+              <a:t>.  </a:t>
+            </a:r>
+            <a:r>
+              <a:rPr lang="en-US" b="1" dirty="0"/>
+              <a:t>Untracked files are everything else </a:t>
+            </a:r>
+            <a:r>
+              <a:rPr lang="en-US" b="1" dirty="0">
+                <a:sym typeface="Wingdings" panose="05000000000000000000" pitchFamily="2" charset="2"/>
+              </a:rPr>
+              <a:t> </a:t>
+            </a:r>
+            <a:r>
+              <a:rPr lang="en-US" dirty="0"/>
+              <a:t>Any files in your working directory that were not in your last snapshot and are not in your staging area.</a:t>
+            </a:r>
+            <a:endParaRPr lang="en-US" b="1" dirty="0"/>
+          </a:p>
+          <a:p>
+            <a:endParaRPr lang="en-US" b="1" dirty="0"/>
+          </a:p>
+          <a:p>
+            <a:r>
+              <a:rPr lang="en-US" dirty="0"/>
+              <a:t>When you first clone a repository, all of your files will be tracked and unmodified because Git just checked them out and you haven’t edited anything.</a:t>
             </a:r>
           </a:p>
           <a:p>
@@ -2413,143 +3021,8 @@
           <a:p>
             <a:r>
               <a:rPr lang="en-US" dirty="0"/>
-              <a:t>Configuration file ~/.</a:t>
-            </a:r>
-            <a:r>
-              <a:rPr lang="en-US" dirty="0" err="1"/>
-              <a:t>gitconfig</a:t>
-            </a:r>
-            <a:r>
-              <a:rPr lang="en-US" dirty="0"/>
-              <a:t> or ~/.config/git/config: </a:t>
-            </a:r>
-            <a:r>
-              <a:rPr lang="en-US" b="0" i="0" dirty="0">
-                <a:solidFill>
-                  <a:srgbClr val="4E443C"/>
-                </a:solidFill>
-                <a:effectLst/>
-                <a:latin typeface="Arial" panose="020B0604020202020204" pitchFamily="34" charset="0"/>
-              </a:rPr>
-              <a:t>Values specific personally to you, the user. You can make Git read and write to this file specifically by passing the </a:t>
-            </a:r>
-            <a:r>
-              <a:rPr lang="en-US" dirty="0"/>
-              <a:t>--global</a:t>
-            </a:r>
-            <a:r>
-              <a:rPr lang="en-US" b="0" i="0" dirty="0">
-                <a:solidFill>
-                  <a:srgbClr val="4E443C"/>
-                </a:solidFill>
-                <a:effectLst/>
-                <a:latin typeface="Arial" panose="020B0604020202020204" pitchFamily="34" charset="0"/>
-              </a:rPr>
-              <a:t> option, and this affects </a:t>
-            </a:r>
-            <a:r>
-              <a:rPr lang="en-US" b="1" i="0" dirty="0">
-                <a:solidFill>
-                  <a:srgbClr val="4E443C"/>
-                </a:solidFill>
-                <a:effectLst/>
-                <a:latin typeface="Courier"/>
-              </a:rPr>
-              <a:t>all</a:t>
-            </a:r>
-            <a:r>
-              <a:rPr lang="en-US" b="0" i="0" dirty="0">
-                <a:solidFill>
-                  <a:srgbClr val="4E443C"/>
-                </a:solidFill>
-                <a:effectLst/>
-                <a:latin typeface="Arial" panose="020B0604020202020204" pitchFamily="34" charset="0"/>
-              </a:rPr>
-              <a:t> of the repositories you work with on your system</a:t>
-            </a:r>
-          </a:p>
-          <a:p>
-            <a:endParaRPr lang="en-US" b="0" i="0" dirty="0">
-              <a:solidFill>
-                <a:srgbClr val="4E443C"/>
-              </a:solidFill>
-              <a:effectLst/>
-              <a:latin typeface="Arial" panose="020B0604020202020204" pitchFamily="34" charset="0"/>
-            </a:endParaRPr>
-          </a:p>
-          <a:p>
-            <a:r>
-              <a:rPr lang="en-US" b="0" i="0" dirty="0">
-                <a:solidFill>
-                  <a:srgbClr val="4E443C"/>
-                </a:solidFill>
-                <a:effectLst/>
-                <a:latin typeface="Arial" panose="020B0604020202020204" pitchFamily="34" charset="0"/>
-              </a:rPr>
-              <a:t>Config file in the Git directory: Specific to that single repository. You can force Git to read from and write to this file with the </a:t>
-            </a:r>
-            <a:r>
-              <a:rPr lang="en-US" dirty="0"/>
-              <a:t>--local</a:t>
-            </a:r>
-            <a:r>
-              <a:rPr lang="en-US" b="0" i="0" dirty="0">
-                <a:solidFill>
-                  <a:srgbClr val="4E443C"/>
-                </a:solidFill>
-                <a:effectLst/>
-                <a:latin typeface="Arial" panose="020B0604020202020204" pitchFamily="34" charset="0"/>
-              </a:rPr>
-              <a:t> option, which is the default option.</a:t>
-            </a:r>
-          </a:p>
-          <a:p>
-            <a:endParaRPr lang="en-US" b="0" i="0" dirty="0">
-              <a:solidFill>
-                <a:srgbClr val="4E443C"/>
-              </a:solidFill>
-              <a:effectLst/>
-              <a:latin typeface="Arial" panose="020B0604020202020204" pitchFamily="34" charset="0"/>
-            </a:endParaRPr>
-          </a:p>
-          <a:p>
-            <a:r>
-              <a:rPr lang="en-US" b="0" i="0" dirty="0">
-                <a:solidFill>
-                  <a:srgbClr val="4E443C"/>
-                </a:solidFill>
-                <a:effectLst/>
-                <a:latin typeface="Arial" panose="020B0604020202020204" pitchFamily="34" charset="0"/>
-              </a:rPr>
-              <a:t>Identity: The first thing you should do when you install Git is to set your user name and email address. This is important because every Git commit uses this information, and it’s immutably baked into the commits you start creating</a:t>
-            </a:r>
-          </a:p>
-          <a:p>
-            <a:endParaRPr lang="en-US" b="0" i="0" dirty="0">
-              <a:solidFill>
-                <a:srgbClr val="4E443C"/>
-              </a:solidFill>
-              <a:effectLst/>
-              <a:latin typeface="Arial" panose="020B0604020202020204" pitchFamily="34" charset="0"/>
-            </a:endParaRPr>
-          </a:p>
-          <a:p>
-            <a:r>
-              <a:rPr lang="en-US" dirty="0"/>
-              <a:t>Editor:</a:t>
-            </a:r>
-          </a:p>
-          <a:p>
-            <a:endParaRPr lang="en-US" dirty="0"/>
-          </a:p>
-          <a:p>
-            <a:r>
-              <a:rPr lang="en-US" dirty="0"/>
-              <a:t>Checking keys:</a:t>
-            </a:r>
-          </a:p>
-          <a:p>
-            <a:endParaRPr lang="en-US" dirty="0"/>
+              <a:t>As you edit files, Git sees them as modified, because you’ve changed them since your last commit. As you work, you selectively stage these modified files and then commit all those staged changes, and the cycle repeats.</a:t>
+            </a:r>
           </a:p>
         </p:txBody>
       </p:sp>
@@ -2570,7 +3043,7 @@
           <a:p>
             <a:fld id="{4038C671-21CE-4233-B6C3-80D3964489B7}" type="slidenum">
               <a:rPr lang="en-US" smtClean="0"/>
-              <a:t>11</a:t>
+              <a:t>9</a:t>
             </a:fld>
             <a:endParaRPr lang="en-US"/>
           </a:p>
@@ -2579,7 +3052,7 @@
     </p:spTree>
     <p:extLst>
       <p:ext uri="{BB962C8B-B14F-4D97-AF65-F5344CB8AC3E}">
-        <p14:creationId xmlns:p14="http://schemas.microsoft.com/office/powerpoint/2010/main" val="131211325"/>
+        <p14:creationId xmlns:p14="http://schemas.microsoft.com/office/powerpoint/2010/main" val="522610259"/>
       </p:ext>
     </p:extLst>
   </p:cSld>
@@ -2633,6 +3106,170 @@
           <a:bodyPr/>
           <a:lstStyle/>
           <a:p>
+            <a:pPr marL="0" marR="0" lvl="0" indent="0" algn="l" defTabSz="914400" rtl="0" eaLnBrk="1" fontAlgn="auto" latinLnBrk="0" hangingPunct="1">
+              <a:lnSpc>
+                <a:spcPct val="100000"/>
+              </a:lnSpc>
+              <a:spcBef>
+                <a:spcPts val="0"/>
+              </a:spcBef>
+              <a:spcAft>
+                <a:spcPts val="0"/>
+              </a:spcAft>
+              <a:buClrTx/>
+              <a:buSzTx/>
+              <a:buFontTx/>
+              <a:buNone/>
+              <a:tabLst/>
+              <a:defRPr/>
+            </a:pPr>
+            <a:r>
+              <a:rPr lang="en-US" dirty="0"/>
+              <a:t>Command tool git config lets you get and set configuration variables that control all aspects of how Git looks and operates</a:t>
+            </a:r>
+          </a:p>
+          <a:p>
+            <a:endParaRPr lang="en-US" dirty="0"/>
+          </a:p>
+          <a:p>
+            <a:r>
+              <a:rPr lang="en-US" dirty="0"/>
+              <a:t>Configuration file ~/.</a:t>
+            </a:r>
+            <a:r>
+              <a:rPr lang="en-US" dirty="0" err="1"/>
+              <a:t>gitconfig</a:t>
+            </a:r>
+            <a:r>
+              <a:rPr lang="en-US" dirty="0"/>
+              <a:t> or ~/.config/git/config: </a:t>
+            </a:r>
+            <a:r>
+              <a:rPr lang="en-US" b="0" i="0" dirty="0">
+                <a:solidFill>
+                  <a:srgbClr val="4E443C"/>
+                </a:solidFill>
+                <a:effectLst/>
+                <a:latin typeface="Arial" panose="020B0604020202020204" pitchFamily="34" charset="0"/>
+              </a:rPr>
+              <a:t>Values specific personally to you, the user. You can make Git read and write to this file specifically by passing the </a:t>
+            </a:r>
+            <a:r>
+              <a:rPr lang="en-US" dirty="0"/>
+              <a:t>--global</a:t>
+            </a:r>
+            <a:r>
+              <a:rPr lang="en-US" b="0" i="0" dirty="0">
+                <a:solidFill>
+                  <a:srgbClr val="4E443C"/>
+                </a:solidFill>
+                <a:effectLst/>
+                <a:latin typeface="Arial" panose="020B0604020202020204" pitchFamily="34" charset="0"/>
+              </a:rPr>
+              <a:t> option, and this affects </a:t>
+            </a:r>
+            <a:r>
+              <a:rPr lang="en-US" b="1" i="0" dirty="0">
+                <a:solidFill>
+                  <a:srgbClr val="4E443C"/>
+                </a:solidFill>
+                <a:effectLst/>
+                <a:latin typeface="Courier"/>
+              </a:rPr>
+              <a:t>all</a:t>
+            </a:r>
+            <a:r>
+              <a:rPr lang="en-US" b="0" i="0" dirty="0">
+                <a:solidFill>
+                  <a:srgbClr val="4E443C"/>
+                </a:solidFill>
+                <a:effectLst/>
+                <a:latin typeface="Arial" panose="020B0604020202020204" pitchFamily="34" charset="0"/>
+              </a:rPr>
+              <a:t> of the repositories you work with on your system</a:t>
+            </a:r>
+          </a:p>
+          <a:p>
+            <a:endParaRPr lang="en-US" b="0" i="0" dirty="0">
+              <a:solidFill>
+                <a:srgbClr val="4E443C"/>
+              </a:solidFill>
+              <a:effectLst/>
+              <a:latin typeface="Arial" panose="020B0604020202020204" pitchFamily="34" charset="0"/>
+            </a:endParaRPr>
+          </a:p>
+          <a:p>
+            <a:r>
+              <a:rPr lang="en-US" b="0" i="0" dirty="0">
+                <a:solidFill>
+                  <a:srgbClr val="4E443C"/>
+                </a:solidFill>
+                <a:effectLst/>
+                <a:latin typeface="Arial" panose="020B0604020202020204" pitchFamily="34" charset="0"/>
+              </a:rPr>
+              <a:t>Config file in the Git directory: Specific to that single repository. You can force Git to read from and write to this file with the </a:t>
+            </a:r>
+            <a:r>
+              <a:rPr lang="en-US" dirty="0"/>
+              <a:t>--local</a:t>
+            </a:r>
+            <a:r>
+              <a:rPr lang="en-US" b="0" i="0" dirty="0">
+                <a:solidFill>
+                  <a:srgbClr val="4E443C"/>
+                </a:solidFill>
+                <a:effectLst/>
+                <a:latin typeface="Arial" panose="020B0604020202020204" pitchFamily="34" charset="0"/>
+              </a:rPr>
+              <a:t> option, which is the default option.</a:t>
+            </a:r>
+          </a:p>
+          <a:p>
+            <a:endParaRPr lang="en-US" b="0" i="0" dirty="0">
+              <a:solidFill>
+                <a:srgbClr val="4E443C"/>
+              </a:solidFill>
+              <a:effectLst/>
+              <a:latin typeface="Arial" panose="020B0604020202020204" pitchFamily="34" charset="0"/>
+            </a:endParaRPr>
+          </a:p>
+          <a:p>
+            <a:r>
+              <a:rPr lang="en-US" b="0" i="0" dirty="0">
+                <a:solidFill>
+                  <a:srgbClr val="4E443C"/>
+                </a:solidFill>
+                <a:effectLst/>
+                <a:latin typeface="Arial" panose="020B0604020202020204" pitchFamily="34" charset="0"/>
+              </a:rPr>
+              <a:t>Identity: The first thing you should do when you install Git is to set your user name and email address. This is important because every Git commit uses this information, and it’s immutably baked into the commits you start creating</a:t>
+            </a:r>
+          </a:p>
+          <a:p>
+            <a:endParaRPr lang="en-US" b="0" i="0" dirty="0">
+              <a:solidFill>
+                <a:srgbClr val="4E443C"/>
+              </a:solidFill>
+              <a:effectLst/>
+              <a:latin typeface="Arial" panose="020B0604020202020204" pitchFamily="34" charset="0"/>
+            </a:endParaRPr>
+          </a:p>
+          <a:p>
+            <a:r>
+              <a:rPr lang="en-US" dirty="0"/>
+              <a:t>Editor:</a:t>
+            </a:r>
+          </a:p>
+          <a:p>
+            <a:endParaRPr lang="en-US" dirty="0"/>
+          </a:p>
+          <a:p>
+            <a:r>
+              <a:rPr lang="en-US" dirty="0"/>
+              <a:t>Checking keys:</a:t>
+            </a:r>
+          </a:p>
+          <a:p>
             <a:endParaRPr lang="en-US" dirty="0"/>
           </a:p>
         </p:txBody>
@@ -2654,7 +3291,7 @@
           <a:p>
             <a:fld id="{4038C671-21CE-4233-B6C3-80D3964489B7}" type="slidenum">
               <a:rPr lang="en-US" smtClean="0"/>
-              <a:t>12</a:t>
+              <a:t>13</a:t>
             </a:fld>
             <a:endParaRPr lang="en-US"/>
           </a:p>
@@ -2663,7 +3300,7 @@
     </p:spTree>
     <p:extLst>
       <p:ext uri="{BB962C8B-B14F-4D97-AF65-F5344CB8AC3E}">
-        <p14:creationId xmlns:p14="http://schemas.microsoft.com/office/powerpoint/2010/main" val="2139124235"/>
+        <p14:creationId xmlns:p14="http://schemas.microsoft.com/office/powerpoint/2010/main" val="131211325"/>
       </p:ext>
     </p:extLst>
   </p:cSld>
@@ -2738,7 +3375,7 @@
           <a:p>
             <a:fld id="{4038C671-21CE-4233-B6C3-80D3964489B7}" type="slidenum">
               <a:rPr lang="en-US" smtClean="0"/>
-              <a:t>13</a:t>
+              <a:t>14</a:t>
             </a:fld>
             <a:endParaRPr lang="en-US"/>
           </a:p>
@@ -2747,7 +3384,7 @@
     </p:spTree>
     <p:extLst>
       <p:ext uri="{BB962C8B-B14F-4D97-AF65-F5344CB8AC3E}">
-        <p14:creationId xmlns:p14="http://schemas.microsoft.com/office/powerpoint/2010/main" val="4092675692"/>
+        <p14:creationId xmlns:p14="http://schemas.microsoft.com/office/powerpoint/2010/main" val="2139124235"/>
       </p:ext>
     </p:extLst>
   </p:cSld>
@@ -9137,6 +9774,581 @@
           <p:cNvPr id="2" name="Title 1">
             <a:extLst>
               <a:ext uri="{FF2B5EF4-FFF2-40B4-BE49-F238E27FC236}">
+                <a16:creationId xmlns:a16="http://schemas.microsoft.com/office/drawing/2014/main" id="{3A6D4AC4-AD85-0CE3-EE76-0CAAD0E609FF}"/>
+              </a:ext>
+            </a:extLst>
+          </p:cNvPr>
+          <p:cNvSpPr>
+            <a:spLocks noGrp="1"/>
+          </p:cNvSpPr>
+          <p:nvPr>
+            <p:ph type="title"/>
+          </p:nvPr>
+        </p:nvSpPr>
+        <p:spPr/>
+        <p:txBody>
+          <a:bodyPr/>
+          <a:lstStyle/>
+          <a:p>
+            <a:r>
+              <a:rPr lang="en-US" dirty="0"/>
+              <a:t>Git Basic Commands</a:t>
+            </a:r>
+          </a:p>
+        </p:txBody>
+      </p:sp>
+      <p:sp>
+        <p:nvSpPr>
+          <p:cNvPr id="3" name="Content Placeholder 2">
+            <a:extLst>
+              <a:ext uri="{FF2B5EF4-FFF2-40B4-BE49-F238E27FC236}">
+                <a16:creationId xmlns:a16="http://schemas.microsoft.com/office/drawing/2014/main" id="{1557FA69-E873-5DAB-9688-087F44F8172F}"/>
+              </a:ext>
+            </a:extLst>
+          </p:cNvPr>
+          <p:cNvSpPr>
+            <a:spLocks noGrp="1"/>
+          </p:cNvSpPr>
+          <p:nvPr>
+            <p:ph sz="half" idx="1"/>
+          </p:nvPr>
+        </p:nvSpPr>
+        <p:spPr>
+          <a:xfrm>
+            <a:off x="838200" y="1500494"/>
+            <a:ext cx="5636172" cy="5182575"/>
+          </a:xfrm>
+        </p:spPr>
+        <p:txBody>
+          <a:bodyPr>
+            <a:normAutofit lnSpcReduction="10000"/>
+          </a:bodyPr>
+          <a:lstStyle/>
+          <a:p>
+            <a:pPr>
+              <a:buFont typeface="Calibri" panose="020F0502020204030204" pitchFamily="34" charset="0"/>
+              <a:buChar char="$"/>
+            </a:pPr>
+            <a:r>
+              <a:rPr lang="en-US" dirty="0"/>
+              <a:t>Getting Help</a:t>
+            </a:r>
+          </a:p>
+          <a:p>
+            <a:pPr lvl="1">
+              <a:buFont typeface="Calibri" panose="020F0502020204030204" pitchFamily="34" charset="0"/>
+              <a:buChar char="$"/>
+            </a:pPr>
+            <a:r>
+              <a:rPr lang="en-US" dirty="0"/>
+              <a:t>git help &lt;verb&gt;</a:t>
+            </a:r>
+          </a:p>
+          <a:p>
+            <a:pPr lvl="1">
+              <a:buFont typeface="Calibri" panose="020F0502020204030204" pitchFamily="34" charset="0"/>
+              <a:buChar char="$"/>
+            </a:pPr>
+            <a:r>
+              <a:rPr lang="en-US" dirty="0">
+                <a:solidFill>
+                  <a:schemeClr val="accent5"/>
+                </a:solidFill>
+              </a:rPr>
+              <a:t>git &lt;verb&gt; -h</a:t>
+            </a:r>
+          </a:p>
+          <a:p>
+            <a:pPr lvl="1">
+              <a:buFont typeface="Calibri" panose="020F0502020204030204" pitchFamily="34" charset="0"/>
+              <a:buChar char="$"/>
+            </a:pPr>
+            <a:r>
+              <a:rPr lang="en-US" dirty="0"/>
+              <a:t>man git-&lt;verb&gt;</a:t>
+            </a:r>
+          </a:p>
+          <a:p>
+            <a:pPr>
+              <a:buFont typeface="Calibri" panose="020F0502020204030204" pitchFamily="34" charset="0"/>
+              <a:buChar char="$"/>
+            </a:pPr>
+            <a:r>
+              <a:rPr lang="en-US" dirty="0"/>
+              <a:t>git config</a:t>
+            </a:r>
+          </a:p>
+          <a:p>
+            <a:pPr lvl="1">
+              <a:buFont typeface="Calibri" panose="020F0502020204030204" pitchFamily="34" charset="0"/>
+              <a:buChar char="$"/>
+            </a:pPr>
+            <a:r>
+              <a:rPr lang="en-US" dirty="0"/>
+              <a:t>git config --global user.name “name”</a:t>
+            </a:r>
+          </a:p>
+          <a:p>
+            <a:pPr lvl="1">
+              <a:buFont typeface="Calibri" panose="020F0502020204030204" pitchFamily="34" charset="0"/>
+              <a:buChar char="$"/>
+            </a:pPr>
+            <a:r>
+              <a:rPr lang="en-US" dirty="0"/>
+              <a:t>git config --global </a:t>
+            </a:r>
+            <a:r>
+              <a:rPr lang="en-US" dirty="0" err="1"/>
+              <a:t>user.email</a:t>
+            </a:r>
+            <a:r>
+              <a:rPr lang="en-US" dirty="0"/>
+              <a:t> “name@example.com</a:t>
+            </a:r>
+          </a:p>
+          <a:p>
+            <a:pPr lvl="1">
+              <a:buFont typeface="Calibri" panose="020F0502020204030204" pitchFamily="34" charset="0"/>
+              <a:buChar char="$"/>
+            </a:pPr>
+            <a:r>
+              <a:rPr lang="en-US" dirty="0"/>
+              <a:t>git config --global </a:t>
+            </a:r>
+            <a:r>
+              <a:rPr lang="en-US" dirty="0" err="1"/>
+              <a:t>init.defaultBranch</a:t>
+            </a:r>
+            <a:r>
+              <a:rPr lang="en-US" dirty="0"/>
+              <a:t> main</a:t>
+            </a:r>
+          </a:p>
+          <a:p>
+            <a:pPr lvl="1">
+              <a:buFont typeface="Calibri" panose="020F0502020204030204" pitchFamily="34" charset="0"/>
+              <a:buChar char="$"/>
+            </a:pPr>
+            <a:r>
+              <a:rPr lang="en-US" dirty="0"/>
+              <a:t>git config --list [--show-origin]</a:t>
+            </a:r>
+          </a:p>
+          <a:p>
+            <a:pPr>
+              <a:buFont typeface="Calibri" panose="020F0502020204030204" pitchFamily="34" charset="0"/>
+              <a:buChar char="$"/>
+            </a:pPr>
+            <a:r>
+              <a:rPr lang="en-US" dirty="0"/>
+              <a:t>git </a:t>
+            </a:r>
+            <a:r>
+              <a:rPr lang="en-US" dirty="0" err="1"/>
+              <a:t>init</a:t>
+            </a:r>
+            <a:r>
+              <a:rPr lang="en-US" dirty="0"/>
+              <a:t> [directory]</a:t>
+            </a:r>
+          </a:p>
+          <a:p>
+            <a:pPr>
+              <a:buFont typeface="Calibri" panose="020F0502020204030204" pitchFamily="34" charset="0"/>
+              <a:buChar char="$"/>
+            </a:pPr>
+            <a:r>
+              <a:rPr lang="en-US" dirty="0"/>
+              <a:t>git clone &lt;</a:t>
+            </a:r>
+            <a:r>
+              <a:rPr lang="en-US" dirty="0" err="1"/>
+              <a:t>url</a:t>
+            </a:r>
+            <a:r>
+              <a:rPr lang="en-US" dirty="0"/>
+              <a:t>&gt; [target directory]</a:t>
+            </a:r>
+          </a:p>
+          <a:p>
+            <a:pPr>
+              <a:buFont typeface="Calibri" panose="020F0502020204030204" pitchFamily="34" charset="0"/>
+              <a:buChar char="$"/>
+            </a:pPr>
+            <a:r>
+              <a:rPr lang="en-US" dirty="0"/>
+              <a:t>git add &lt;</a:t>
+            </a:r>
+            <a:r>
+              <a:rPr lang="en-US" dirty="0" err="1"/>
+              <a:t>pathspec</a:t>
+            </a:r>
+            <a:r>
+              <a:rPr lang="en-US" dirty="0"/>
+              <a:t>&gt;</a:t>
+            </a:r>
+          </a:p>
+          <a:p>
+            <a:pPr lvl="1">
+              <a:buFont typeface="Calibri" panose="020F0502020204030204" pitchFamily="34" charset="0"/>
+              <a:buChar char="$"/>
+            </a:pPr>
+            <a:r>
+              <a:rPr lang="en-US" dirty="0"/>
+              <a:t>git add .</a:t>
+            </a:r>
+          </a:p>
+          <a:p>
+            <a:pPr lvl="1">
+              <a:buFont typeface="Calibri" panose="020F0502020204030204" pitchFamily="34" charset="0"/>
+              <a:buChar char="$"/>
+            </a:pPr>
+            <a:r>
+              <a:rPr lang="en-US" dirty="0"/>
+              <a:t>git add -A</a:t>
+            </a:r>
+          </a:p>
+          <a:p>
+            <a:pPr>
+              <a:buFont typeface="Calibri" panose="020F0502020204030204" pitchFamily="34" charset="0"/>
+              <a:buChar char="$"/>
+            </a:pPr>
+            <a:r>
+              <a:rPr lang="en-US" dirty="0"/>
+              <a:t>git status</a:t>
+            </a:r>
+          </a:p>
+          <a:p>
+            <a:pPr lvl="1">
+              <a:buFont typeface="Calibri" panose="020F0502020204030204" pitchFamily="34" charset="0"/>
+              <a:buChar char="$"/>
+            </a:pPr>
+            <a:r>
+              <a:rPr lang="en-US" dirty="0"/>
+              <a:t>git status -s</a:t>
+            </a:r>
+          </a:p>
+          <a:p>
+            <a:pPr>
+              <a:buFont typeface="Calibri" panose="020F0502020204030204" pitchFamily="34" charset="0"/>
+              <a:buChar char="$"/>
+            </a:pPr>
+            <a:endParaRPr lang="en-US" dirty="0"/>
+          </a:p>
+        </p:txBody>
+      </p:sp>
+      <p:sp>
+        <p:nvSpPr>
+          <p:cNvPr id="4" name="Content Placeholder 3">
+            <a:extLst>
+              <a:ext uri="{FF2B5EF4-FFF2-40B4-BE49-F238E27FC236}">
+                <a16:creationId xmlns:a16="http://schemas.microsoft.com/office/drawing/2014/main" id="{81F75C5E-4E2A-F55F-8D04-65E469C601CC}"/>
+              </a:ext>
+            </a:extLst>
+          </p:cNvPr>
+          <p:cNvSpPr>
+            <a:spLocks noGrp="1"/>
+          </p:cNvSpPr>
+          <p:nvPr>
+            <p:ph sz="half" idx="2"/>
+          </p:nvPr>
+        </p:nvSpPr>
+        <p:spPr>
+          <a:xfrm>
+            <a:off x="6674068" y="1500494"/>
+            <a:ext cx="4679731" cy="5182575"/>
+          </a:xfrm>
+        </p:spPr>
+        <p:txBody>
+          <a:bodyPr>
+            <a:normAutofit lnSpcReduction="10000"/>
+          </a:bodyPr>
+          <a:lstStyle/>
+          <a:p>
+            <a:pPr>
+              <a:buFont typeface="Calibri" panose="020F0502020204030204" pitchFamily="34" charset="0"/>
+              <a:buChar char="$"/>
+            </a:pPr>
+            <a:r>
+              <a:rPr lang="en-US" dirty="0"/>
+              <a:t>git commit</a:t>
+            </a:r>
+          </a:p>
+          <a:p>
+            <a:pPr lvl="1">
+              <a:buFont typeface="Calibri" panose="020F0502020204030204" pitchFamily="34" charset="0"/>
+              <a:buChar char="$"/>
+            </a:pPr>
+            <a:r>
+              <a:rPr lang="en-US" dirty="0"/>
+              <a:t>git commit -m “message”</a:t>
+            </a:r>
+          </a:p>
+          <a:p>
+            <a:pPr lvl="1">
+              <a:buFont typeface="Calibri" panose="020F0502020204030204" pitchFamily="34" charset="0"/>
+              <a:buChar char="$"/>
+            </a:pPr>
+            <a:r>
+              <a:rPr lang="en-US" dirty="0"/>
+              <a:t>git commit -a</a:t>
+            </a:r>
+          </a:p>
+          <a:p>
+            <a:pPr>
+              <a:buFont typeface="Calibri" panose="020F0502020204030204" pitchFamily="34" charset="0"/>
+              <a:buChar char="$"/>
+            </a:pPr>
+            <a:r>
+              <a:rPr lang="en-US" dirty="0"/>
+              <a:t>git log</a:t>
+            </a:r>
+          </a:p>
+          <a:p>
+            <a:pPr lvl="1">
+              <a:buFont typeface="Calibri" panose="020F0502020204030204" pitchFamily="34" charset="0"/>
+              <a:buChar char="$"/>
+            </a:pPr>
+            <a:r>
+              <a:rPr lang="en-US" dirty="0"/>
+              <a:t>git log --</a:t>
+            </a:r>
+            <a:r>
+              <a:rPr lang="en-US" dirty="0" err="1"/>
+              <a:t>oneline</a:t>
+            </a:r>
+            <a:r>
+              <a:rPr lang="en-US" dirty="0"/>
+              <a:t> --graph</a:t>
+            </a:r>
+          </a:p>
+          <a:p>
+            <a:pPr>
+              <a:buFont typeface="Calibri" panose="020F0502020204030204" pitchFamily="34" charset="0"/>
+              <a:buChar char="$"/>
+            </a:pPr>
+            <a:r>
+              <a:rPr lang="en-US" dirty="0"/>
+              <a:t>git rm</a:t>
+            </a:r>
+          </a:p>
+          <a:p>
+            <a:pPr lvl="1">
+              <a:buFont typeface="Calibri" panose="020F0502020204030204" pitchFamily="34" charset="0"/>
+              <a:buChar char="$"/>
+            </a:pPr>
+            <a:r>
+              <a:rPr lang="en-US" dirty="0"/>
+              <a:t>git rm --cached &lt; </a:t>
+            </a:r>
+            <a:r>
+              <a:rPr lang="en-US" dirty="0" err="1"/>
+              <a:t>pathspec</a:t>
+            </a:r>
+            <a:r>
+              <a:rPr lang="en-US" dirty="0"/>
+              <a:t> &gt;</a:t>
+            </a:r>
+          </a:p>
+          <a:p>
+            <a:pPr>
+              <a:buFont typeface="Calibri" panose="020F0502020204030204" pitchFamily="34" charset="0"/>
+              <a:buChar char="$"/>
+            </a:pPr>
+            <a:r>
+              <a:rPr lang="en-US" dirty="0"/>
+              <a:t>git mv &lt;source&gt; &lt;destination&gt;</a:t>
+            </a:r>
+          </a:p>
+          <a:p>
+            <a:pPr>
+              <a:buFont typeface="Calibri" panose="020F0502020204030204" pitchFamily="34" charset="0"/>
+              <a:buChar char="$"/>
+            </a:pPr>
+            <a:r>
+              <a:rPr lang="en-US" dirty="0"/>
+              <a:t>git pull [&lt;repository&gt; [&lt;</a:t>
+            </a:r>
+            <a:r>
+              <a:rPr lang="en-US" dirty="0" err="1"/>
+              <a:t>refspec</a:t>
+            </a:r>
+            <a:r>
+              <a:rPr lang="en-US" dirty="0"/>
+              <a:t>&gt;...]]</a:t>
+            </a:r>
+          </a:p>
+          <a:p>
+            <a:pPr>
+              <a:buFont typeface="Calibri" panose="020F0502020204030204" pitchFamily="34" charset="0"/>
+              <a:buChar char="$"/>
+            </a:pPr>
+            <a:r>
+              <a:rPr lang="en-US" dirty="0"/>
+              <a:t>git push [&lt;repository&gt; [&lt;</a:t>
+            </a:r>
+            <a:r>
+              <a:rPr lang="en-US" dirty="0" err="1"/>
+              <a:t>refspec</a:t>
+            </a:r>
+            <a:r>
+              <a:rPr lang="en-US" dirty="0"/>
+              <a:t>&gt;...]]</a:t>
+            </a:r>
+          </a:p>
+          <a:p>
+            <a:pPr>
+              <a:buFont typeface="Calibri" panose="020F0502020204030204" pitchFamily="34" charset="0"/>
+              <a:buChar char="$"/>
+            </a:pPr>
+            <a:r>
+              <a:rPr lang="en-US" dirty="0"/>
+              <a:t>git branch</a:t>
+            </a:r>
+          </a:p>
+          <a:p>
+            <a:pPr>
+              <a:buFont typeface="Calibri" panose="020F0502020204030204" pitchFamily="34" charset="0"/>
+              <a:buChar char="$"/>
+            </a:pPr>
+            <a:r>
+              <a:rPr lang="en-US" dirty="0"/>
+              <a:t>git checkout</a:t>
+            </a:r>
+          </a:p>
+          <a:p>
+            <a:pPr>
+              <a:buFont typeface="Calibri" panose="020F0502020204030204" pitchFamily="34" charset="0"/>
+              <a:buChar char="$"/>
+            </a:pPr>
+            <a:r>
+              <a:rPr lang="en-US" dirty="0"/>
+              <a:t>git remote</a:t>
+            </a:r>
+          </a:p>
+        </p:txBody>
+      </p:sp>
+    </p:spTree>
+    <p:extLst>
+      <p:ext uri="{BB962C8B-B14F-4D97-AF65-F5344CB8AC3E}">
+        <p14:creationId xmlns:p14="http://schemas.microsoft.com/office/powerpoint/2010/main" val="1888934360"/>
+      </p:ext>
+    </p:extLst>
+  </p:cSld>
+  <p:clrMapOvr>
+    <a:masterClrMapping/>
+  </p:clrMapOvr>
+</p:sld>
+</file>
+
+<file path=ppt/slides/slide11.xml><?xml version="1.0" encoding="utf-8"?>
+<p:sld xmlns:a="http://schemas.openxmlformats.org/drawingml/2006/main" xmlns:r="http://schemas.openxmlformats.org/officeDocument/2006/relationships" xmlns:p="http://schemas.openxmlformats.org/presentationml/2006/main">
+  <p:cSld>
+    <p:spTree>
+      <p:nvGrpSpPr>
+        <p:cNvPr id="1" name=""/>
+        <p:cNvGrpSpPr/>
+        <p:nvPr/>
+      </p:nvGrpSpPr>
+      <p:grpSpPr>
+        <a:xfrm>
+          <a:off x="0" y="0"/>
+          <a:ext cx="0" cy="0"/>
+          <a:chOff x="0" y="0"/>
+          <a:chExt cx="0" cy="0"/>
+        </a:xfrm>
+      </p:grpSpPr>
+      <p:sp>
+        <p:nvSpPr>
+          <p:cNvPr id="2" name="Title 1">
+            <a:extLst>
+              <a:ext uri="{FF2B5EF4-FFF2-40B4-BE49-F238E27FC236}">
+                <a16:creationId xmlns:a16="http://schemas.microsoft.com/office/drawing/2014/main" id="{B345AB23-982E-B1A0-7B34-DAAD31E00549}"/>
+              </a:ext>
+            </a:extLst>
+          </p:cNvPr>
+          <p:cNvSpPr>
+            <a:spLocks noGrp="1"/>
+          </p:cNvSpPr>
+          <p:nvPr>
+            <p:ph type="title"/>
+          </p:nvPr>
+        </p:nvSpPr>
+        <p:spPr/>
+        <p:txBody>
+          <a:bodyPr/>
+          <a:lstStyle/>
+          <a:p>
+            <a:r>
+              <a:rPr lang="en-US" dirty="0"/>
+              <a:t>Git Installation and Setup</a:t>
+            </a:r>
+          </a:p>
+        </p:txBody>
+      </p:sp>
+      <p:sp>
+        <p:nvSpPr>
+          <p:cNvPr id="3" name="Text Placeholder 2">
+            <a:extLst>
+              <a:ext uri="{FF2B5EF4-FFF2-40B4-BE49-F238E27FC236}">
+                <a16:creationId xmlns:a16="http://schemas.microsoft.com/office/drawing/2014/main" id="{B08B4BBB-84A9-0896-6819-7EC27DE9A524}"/>
+              </a:ext>
+            </a:extLst>
+          </p:cNvPr>
+          <p:cNvSpPr>
+            <a:spLocks noGrp="1"/>
+          </p:cNvSpPr>
+          <p:nvPr>
+            <p:ph type="body" idx="1"/>
+          </p:nvPr>
+        </p:nvSpPr>
+        <p:spPr/>
+        <p:txBody>
+          <a:bodyPr/>
+          <a:lstStyle/>
+          <a:p>
+            <a:r>
+              <a:rPr lang="en-US" dirty="0"/>
+              <a:t>Installation on Windows, VS Code and first-time setup</a:t>
+            </a:r>
+          </a:p>
+        </p:txBody>
+      </p:sp>
+    </p:spTree>
+    <p:extLst>
+      <p:ext uri="{BB962C8B-B14F-4D97-AF65-F5344CB8AC3E}">
+        <p14:creationId xmlns:p14="http://schemas.microsoft.com/office/powerpoint/2010/main" val="3598453358"/>
+      </p:ext>
+    </p:extLst>
+  </p:cSld>
+  <p:clrMapOvr>
+    <a:masterClrMapping/>
+  </p:clrMapOvr>
+</p:sld>
+</file>
+
+<file path=ppt/slides/slide12.xml><?xml version="1.0" encoding="utf-8"?>
+<p:sld xmlns:a="http://schemas.openxmlformats.org/drawingml/2006/main" xmlns:r="http://schemas.openxmlformats.org/officeDocument/2006/relationships" xmlns:p="http://schemas.openxmlformats.org/presentationml/2006/main">
+  <p:cSld>
+    <p:spTree>
+      <p:nvGrpSpPr>
+        <p:cNvPr id="1" name=""/>
+        <p:cNvGrpSpPr/>
+        <p:nvPr/>
+      </p:nvGrpSpPr>
+      <p:grpSpPr>
+        <a:xfrm>
+          <a:off x="0" y="0"/>
+          <a:ext cx="0" cy="0"/>
+          <a:chOff x="0" y="0"/>
+          <a:chExt cx="0" cy="0"/>
+        </a:xfrm>
+      </p:grpSpPr>
+      <p:sp>
+        <p:nvSpPr>
+          <p:cNvPr id="2" name="Title 1">
+            <a:extLst>
+              <a:ext uri="{FF2B5EF4-FFF2-40B4-BE49-F238E27FC236}">
                 <a16:creationId xmlns:a16="http://schemas.microsoft.com/office/drawing/2014/main" id="{C5256CAF-2AEC-014B-ABF9-710026D521DE}"/>
               </a:ext>
             </a:extLst>
@@ -9178,80 +10390,82 @@
         </p:nvSpPr>
         <p:spPr/>
         <p:txBody>
-          <a:bodyPr/>
+          <a:bodyPr>
+            <a:normAutofit/>
+          </a:bodyPr>
           <a:lstStyle/>
           <a:p>
             <a:r>
-              <a:rPr lang="en-US" dirty="0">
+              <a:rPr lang="en-US" sz="2800" dirty="0">
                 <a:hlinkClick r:id="rId2"/>
               </a:rPr>
               <a:t>https://www.git-scm.com/download/win</a:t>
             </a:r>
-            <a:endParaRPr lang="en-US" dirty="0"/>
+            <a:endParaRPr lang="en-US" sz="2800" dirty="0"/>
           </a:p>
           <a:p>
             <a:pPr lvl="1"/>
             <a:r>
-              <a:rPr lang="en-US" dirty="0"/>
+              <a:rPr lang="en-US" sz="2400" dirty="0"/>
               <a:t>32-bit or 64-bit Git for Windows </a:t>
             </a:r>
             <a:r>
-              <a:rPr lang="en-US" b="1" dirty="0"/>
+              <a:rPr lang="en-US" sz="2400" b="1" dirty="0"/>
               <a:t>Portable</a:t>
             </a:r>
           </a:p>
           <a:p>
             <a:pPr lvl="1"/>
             <a:r>
-              <a:rPr lang="en-US" dirty="0"/>
+              <a:rPr lang="en-US" sz="2400" dirty="0"/>
               <a:t>Save as… | remove “exe” | Save as type “All files (*.*)”</a:t>
             </a:r>
           </a:p>
           <a:p>
             <a:pPr lvl="1"/>
             <a:r>
-              <a:rPr lang="en-US" dirty="0"/>
+              <a:rPr lang="en-US" sz="2400" dirty="0"/>
               <a:t>Extract 7z file content (C:\apps\Git\)</a:t>
             </a:r>
           </a:p>
           <a:p>
             <a:r>
-              <a:rPr lang="en-US" dirty="0"/>
+              <a:rPr lang="en-US" sz="2800" dirty="0"/>
               <a:t>Setup Git for CMD</a:t>
             </a:r>
           </a:p>
           <a:p>
             <a:pPr lvl="1"/>
             <a:r>
-              <a:rPr lang="en-US" dirty="0"/>
+              <a:rPr lang="en-US" sz="2400" dirty="0"/>
               <a:t>Go to “Edit environment variables for your account”</a:t>
             </a:r>
           </a:p>
           <a:p>
             <a:pPr lvl="1"/>
             <a:r>
-              <a:rPr lang="en-US" dirty="0"/>
+              <a:rPr lang="en-US" sz="2400" dirty="0"/>
               <a:t>Add C:\git\path\to\bin to “Path”</a:t>
             </a:r>
           </a:p>
           <a:p>
             <a:pPr lvl="1"/>
             <a:r>
-              <a:rPr lang="en-US" dirty="0"/>
+              <a:rPr lang="en-US" sz="2400" dirty="0"/>
               <a:t>Open command prompt testing at the prompt</a:t>
             </a:r>
           </a:p>
           <a:p>
             <a:pPr lvl="2"/>
             <a:r>
-              <a:rPr lang="en-US" dirty="0"/>
+              <a:rPr lang="en-US" sz="1800" dirty="0"/>
               <a:t>git version</a:t>
             </a:r>
           </a:p>
           <a:p>
             <a:pPr lvl="2"/>
             <a:r>
-              <a:rPr lang="en-US" dirty="0"/>
+              <a:rPr lang="en-US" sz="1800" dirty="0"/>
               <a:t>where git</a:t>
             </a:r>
           </a:p>
@@ -9270,7 +10484,7 @@
 </p:sld>
 </file>
 
-<file path=ppt/slides/slide11.xml><?xml version="1.0" encoding="utf-8"?>
+<file path=ppt/slides/slide13.xml><?xml version="1.0" encoding="utf-8"?>
 <p:sld xmlns:a="http://schemas.openxmlformats.org/drawingml/2006/main" xmlns:r="http://schemas.openxmlformats.org/officeDocument/2006/relationships" xmlns:p="http://schemas.openxmlformats.org/presentationml/2006/main">
   <p:cSld>
     <p:spTree>
@@ -9750,7 +10964,7 @@
 </p:sld>
 </file>
 
-<file path=ppt/slides/slide12.xml><?xml version="1.0" encoding="utf-8"?>
+<file path=ppt/slides/slide14.xml><?xml version="1.0" encoding="utf-8"?>
 <p:sld xmlns:a="http://schemas.openxmlformats.org/drawingml/2006/main" xmlns:r="http://schemas.openxmlformats.org/officeDocument/2006/relationships" xmlns:p="http://schemas.openxmlformats.org/presentationml/2006/main">
   <p:cSld>
     <p:spTree>
@@ -10291,7 +11505,7 @@
 </p:sld>
 </file>
 
-<file path=ppt/slides/slide13.xml><?xml version="1.0" encoding="utf-8"?>
+<file path=ppt/slides/slide15.xml><?xml version="1.0" encoding="utf-8"?>
 <p:sld xmlns:a="http://schemas.openxmlformats.org/drawingml/2006/main" xmlns:r="http://schemas.openxmlformats.org/officeDocument/2006/relationships" xmlns:p="http://schemas.openxmlformats.org/presentationml/2006/main">
   <p:cSld>
     <p:spTree>
@@ -10331,7 +11545,7 @@
           <a:p>
             <a:r>
               <a:rPr lang="en-US" dirty="0"/>
-              <a:t>Get Started with Git</a:t>
+              <a:t>Get Started with Git and GitHub</a:t>
             </a:r>
           </a:p>
         </p:txBody>
@@ -10357,7 +11571,10 @@
           <a:bodyPr/>
           <a:lstStyle/>
           <a:p>
-            <a:endParaRPr lang="en-US" dirty="0"/>
+            <a:r>
+              <a:rPr lang="en-US" dirty="0"/>
+              <a:t>Hello World Exercise</a:t>
+            </a:r>
           </a:p>
         </p:txBody>
       </p:sp>
@@ -10374,8 +11591,1301 @@
 </p:sld>
 </file>
 
-<file path=ppt/slides/slide14.xml><?xml version="1.0" encoding="utf-8"?>
+<file path=ppt/slides/slide16.xml><?xml version="1.0" encoding="utf-8"?>
 <p:sld xmlns:a="http://schemas.openxmlformats.org/drawingml/2006/main" xmlns:r="http://schemas.openxmlformats.org/officeDocument/2006/relationships" xmlns:p="http://schemas.openxmlformats.org/presentationml/2006/main">
+  <p:cSld>
+    <p:spTree>
+      <p:nvGrpSpPr>
+        <p:cNvPr id="1" name=""/>
+        <p:cNvGrpSpPr/>
+        <p:nvPr/>
+      </p:nvGrpSpPr>
+      <p:grpSpPr>
+        <a:xfrm>
+          <a:off x="0" y="0"/>
+          <a:ext cx="0" cy="0"/>
+          <a:chOff x="0" y="0"/>
+          <a:chExt cx="0" cy="0"/>
+        </a:xfrm>
+      </p:grpSpPr>
+      <p:sp>
+        <p:nvSpPr>
+          <p:cNvPr id="5" name="Title 4">
+            <a:extLst>
+              <a:ext uri="{FF2B5EF4-FFF2-40B4-BE49-F238E27FC236}">
+                <a16:creationId xmlns:a16="http://schemas.microsoft.com/office/drawing/2014/main" id="{8D8054B6-9901-1841-1F82-E7A2C4C05970}"/>
+              </a:ext>
+            </a:extLst>
+          </p:cNvPr>
+          <p:cNvSpPr>
+            <a:spLocks noGrp="1"/>
+          </p:cNvSpPr>
+          <p:nvPr>
+            <p:ph type="title"/>
+          </p:nvPr>
+        </p:nvSpPr>
+        <p:spPr/>
+        <p:txBody>
+          <a:bodyPr/>
+          <a:lstStyle/>
+          <a:p>
+            <a:r>
+              <a:rPr lang="en-US" dirty="0"/>
+              <a:t>GitHub: Hello World</a:t>
+            </a:r>
+          </a:p>
+        </p:txBody>
+      </p:sp>
+      <p:sp>
+        <p:nvSpPr>
+          <p:cNvPr id="6" name="Content Placeholder 5">
+            <a:extLst>
+              <a:ext uri="{FF2B5EF4-FFF2-40B4-BE49-F238E27FC236}">
+                <a16:creationId xmlns:a16="http://schemas.microsoft.com/office/drawing/2014/main" id="{BE9DD09A-A44C-8595-DB12-438032A9A2D5}"/>
+              </a:ext>
+            </a:extLst>
+          </p:cNvPr>
+          <p:cNvSpPr>
+            <a:spLocks noGrp="1"/>
+          </p:cNvSpPr>
+          <p:nvPr>
+            <p:ph sz="half" idx="1"/>
+          </p:nvPr>
+        </p:nvSpPr>
+        <p:spPr>
+          <a:xfrm>
+            <a:off x="838200" y="1825625"/>
+            <a:ext cx="5181600" cy="4431484"/>
+          </a:xfrm>
+        </p:spPr>
+        <p:txBody>
+          <a:bodyPr>
+            <a:normAutofit/>
+          </a:bodyPr>
+          <a:lstStyle/>
+          <a:p>
+            <a:r>
+              <a:rPr lang="en-US" dirty="0"/>
+              <a:t>Code hosting platform for version control and collaboration</a:t>
+            </a:r>
+          </a:p>
+          <a:p>
+            <a:r>
+              <a:rPr lang="en-US" dirty="0"/>
+              <a:t>Create a Hello World Repository</a:t>
+            </a:r>
+          </a:p>
+          <a:p>
+            <a:r>
+              <a:rPr lang="en-US" dirty="0"/>
+              <a:t>README file</a:t>
+            </a:r>
+          </a:p>
+          <a:p>
+            <a:r>
+              <a:rPr lang="en-US" dirty="0">
+                <a:hlinkClick r:id="rId3"/>
+              </a:rPr>
+              <a:t>https://www.markdownguide.org/cheat-sheet/</a:t>
+            </a:r>
+            <a:endParaRPr lang="en-US" dirty="0"/>
+          </a:p>
+          <a:p>
+            <a:endParaRPr lang="en-US" dirty="0"/>
+          </a:p>
+        </p:txBody>
+      </p:sp>
+      <p:sp>
+        <p:nvSpPr>
+          <p:cNvPr id="7" name="Content Placeholder 6">
+            <a:extLst>
+              <a:ext uri="{FF2B5EF4-FFF2-40B4-BE49-F238E27FC236}">
+                <a16:creationId xmlns:a16="http://schemas.microsoft.com/office/drawing/2014/main" id="{9190AAB3-F69A-189F-0912-E2C5A659A02D}"/>
+              </a:ext>
+            </a:extLst>
+          </p:cNvPr>
+          <p:cNvSpPr>
+            <a:spLocks noGrp="1"/>
+          </p:cNvSpPr>
+          <p:nvPr>
+            <p:ph sz="half" idx="2"/>
+          </p:nvPr>
+        </p:nvSpPr>
+        <p:spPr>
+          <a:xfrm>
+            <a:off x="6190734" y="1825625"/>
+            <a:ext cx="5163065" cy="2289175"/>
+          </a:xfrm>
+        </p:spPr>
+        <p:txBody>
+          <a:bodyPr>
+            <a:normAutofit/>
+          </a:bodyPr>
+          <a:lstStyle/>
+          <a:p>
+            <a:r>
+              <a:rPr lang="en-US" dirty="0"/>
+              <a:t>Create and use a repository</a:t>
+            </a:r>
+          </a:p>
+          <a:p>
+            <a:r>
+              <a:rPr lang="en-US" dirty="0"/>
+              <a:t>Start and manage a new branch</a:t>
+            </a:r>
+          </a:p>
+          <a:p>
+            <a:r>
+              <a:rPr lang="en-US" dirty="0"/>
+              <a:t>Make changes to a file and push them to GitHub as commits</a:t>
+            </a:r>
+          </a:p>
+          <a:p>
+            <a:r>
+              <a:rPr lang="en-US" dirty="0"/>
+              <a:t>Open and merge a pull request</a:t>
+            </a:r>
+          </a:p>
+        </p:txBody>
+      </p:sp>
+    </p:spTree>
+    <p:extLst>
+      <p:ext uri="{BB962C8B-B14F-4D97-AF65-F5344CB8AC3E}">
+        <p14:creationId xmlns:p14="http://schemas.microsoft.com/office/powerpoint/2010/main" val="1908871260"/>
+      </p:ext>
+    </p:extLst>
+  </p:cSld>
+  <p:clrMapOvr>
+    <a:masterClrMapping/>
+  </p:clrMapOvr>
+</p:sld>
+</file>
+
+<file path=ppt/slides/slide17.xml><?xml version="1.0" encoding="utf-8"?>
+<p:sld xmlns:a="http://schemas.openxmlformats.org/drawingml/2006/main" xmlns:r="http://schemas.openxmlformats.org/officeDocument/2006/relationships" xmlns:p="http://schemas.openxmlformats.org/presentationml/2006/main">
+  <p:cSld>
+    <p:spTree>
+      <p:nvGrpSpPr>
+        <p:cNvPr id="1" name=""/>
+        <p:cNvGrpSpPr/>
+        <p:nvPr/>
+      </p:nvGrpSpPr>
+      <p:grpSpPr>
+        <a:xfrm>
+          <a:off x="0" y="0"/>
+          <a:ext cx="0" cy="0"/>
+          <a:chOff x="0" y="0"/>
+          <a:chExt cx="0" cy="0"/>
+        </a:xfrm>
+      </p:grpSpPr>
+      <p:sp>
+        <p:nvSpPr>
+          <p:cNvPr id="2" name="Title 1">
+            <a:extLst>
+              <a:ext uri="{FF2B5EF4-FFF2-40B4-BE49-F238E27FC236}">
+                <a16:creationId xmlns:a16="http://schemas.microsoft.com/office/drawing/2014/main" id="{926ED496-B82A-22FE-68A2-2C902B88E326}"/>
+              </a:ext>
+            </a:extLst>
+          </p:cNvPr>
+          <p:cNvSpPr>
+            <a:spLocks noGrp="1"/>
+          </p:cNvSpPr>
+          <p:nvPr>
+            <p:ph type="title"/>
+          </p:nvPr>
+        </p:nvSpPr>
+        <p:spPr/>
+        <p:txBody>
+          <a:bodyPr/>
+          <a:lstStyle/>
+          <a:p>
+            <a:r>
+              <a:rPr lang="en-US" dirty="0"/>
+              <a:t>Creating a Repository</a:t>
+            </a:r>
+          </a:p>
+        </p:txBody>
+      </p:sp>
+      <p:sp>
+        <p:nvSpPr>
+          <p:cNvPr id="4" name="Content Placeholder 3">
+            <a:extLst>
+              <a:ext uri="{FF2B5EF4-FFF2-40B4-BE49-F238E27FC236}">
+                <a16:creationId xmlns:a16="http://schemas.microsoft.com/office/drawing/2014/main" id="{982322D9-44AE-1BA3-B805-78B569637BAB}"/>
+              </a:ext>
+            </a:extLst>
+          </p:cNvPr>
+          <p:cNvSpPr>
+            <a:spLocks noGrp="1"/>
+          </p:cNvSpPr>
+          <p:nvPr>
+            <p:ph idx="1"/>
+          </p:nvPr>
+        </p:nvSpPr>
+        <p:spPr>
+          <a:xfrm>
+            <a:off x="838200" y="1825625"/>
+            <a:ext cx="4987834" cy="4351338"/>
+          </a:xfrm>
+        </p:spPr>
+        <p:txBody>
+          <a:bodyPr/>
+          <a:lstStyle/>
+          <a:p>
+            <a:r>
+              <a:rPr lang="en-US" dirty="0"/>
+              <a:t>In the upper-right corner of any page, use the  drop-down menu, and select New repository</a:t>
+            </a:r>
+          </a:p>
+          <a:p>
+            <a:r>
+              <a:rPr lang="en-US" dirty="0"/>
+              <a:t>In the "Repository name" box, type hello-world</a:t>
+            </a:r>
+          </a:p>
+          <a:p>
+            <a:r>
+              <a:rPr lang="en-US" b="0" i="0" dirty="0">
+                <a:solidFill>
+                  <a:srgbClr val="1F2328"/>
+                </a:solidFill>
+                <a:effectLst/>
+                <a:latin typeface="-apple-system"/>
+              </a:rPr>
+              <a:t>In the "Description" box, type a short description</a:t>
+            </a:r>
+          </a:p>
+          <a:p>
+            <a:r>
+              <a:rPr lang="en-US" b="0" i="0" dirty="0">
+                <a:solidFill>
+                  <a:srgbClr val="1F2328"/>
+                </a:solidFill>
+                <a:effectLst/>
+                <a:latin typeface="-apple-system"/>
+              </a:rPr>
+              <a:t>Select whether your repository will be </a:t>
+            </a:r>
+            <a:r>
+              <a:rPr lang="en-US" b="1" i="0" dirty="0">
+                <a:solidFill>
+                  <a:srgbClr val="1F2328"/>
+                </a:solidFill>
+                <a:effectLst/>
+                <a:latin typeface="-apple-system"/>
+              </a:rPr>
+              <a:t>Public</a:t>
+            </a:r>
+            <a:r>
+              <a:rPr lang="en-US" b="0" i="0" dirty="0">
+                <a:solidFill>
+                  <a:srgbClr val="1F2328"/>
+                </a:solidFill>
+                <a:effectLst/>
+                <a:latin typeface="-apple-system"/>
+              </a:rPr>
+              <a:t> or </a:t>
+            </a:r>
+            <a:r>
+              <a:rPr lang="en-US" b="1" i="0" dirty="0">
+                <a:solidFill>
+                  <a:srgbClr val="1F2328"/>
+                </a:solidFill>
+                <a:effectLst/>
+                <a:latin typeface="-apple-system"/>
+              </a:rPr>
+              <a:t>Private</a:t>
+            </a:r>
+          </a:p>
+          <a:p>
+            <a:r>
+              <a:rPr lang="en-US" b="0" i="0" dirty="0">
+                <a:solidFill>
+                  <a:srgbClr val="1F2328"/>
+                </a:solidFill>
+                <a:effectLst/>
+                <a:latin typeface="-apple-system"/>
+              </a:rPr>
+              <a:t>Select </a:t>
+            </a:r>
+            <a:r>
+              <a:rPr lang="en-US" b="1" i="0" dirty="0">
+                <a:solidFill>
+                  <a:srgbClr val="1F2328"/>
+                </a:solidFill>
+                <a:effectLst/>
+                <a:latin typeface="-apple-system"/>
+              </a:rPr>
+              <a:t>Add a README file</a:t>
+            </a:r>
+          </a:p>
+          <a:p>
+            <a:r>
+              <a:rPr lang="en-US" b="0" i="0" dirty="0">
+                <a:solidFill>
+                  <a:srgbClr val="1F2328"/>
+                </a:solidFill>
+                <a:effectLst/>
+                <a:latin typeface="-apple-system"/>
+              </a:rPr>
+              <a:t>Click </a:t>
+            </a:r>
+            <a:r>
+              <a:rPr lang="en-US" b="1" i="0" dirty="0">
+                <a:solidFill>
+                  <a:srgbClr val="1F2328"/>
+                </a:solidFill>
+                <a:effectLst/>
+                <a:latin typeface="-apple-system"/>
+              </a:rPr>
+              <a:t>Create repository</a:t>
+            </a:r>
+            <a:endParaRPr lang="en-US" dirty="0"/>
+          </a:p>
+        </p:txBody>
+      </p:sp>
+      <p:pic>
+        <p:nvPicPr>
+          <p:cNvPr id="8" name="Picture 7">
+            <a:extLst>
+              <a:ext uri="{FF2B5EF4-FFF2-40B4-BE49-F238E27FC236}">
+                <a16:creationId xmlns:a16="http://schemas.microsoft.com/office/drawing/2014/main" id="{FD6C89E5-660F-18B4-1532-FEDFC64C79FF}"/>
+              </a:ext>
+            </a:extLst>
+          </p:cNvPr>
+          <p:cNvPicPr>
+            <a:picLocks noChangeAspect="1"/>
+          </p:cNvPicPr>
+          <p:nvPr/>
+        </p:nvPicPr>
+        <p:blipFill>
+          <a:blip r:embed="rId3"/>
+          <a:stretch>
+            <a:fillRect/>
+          </a:stretch>
+        </p:blipFill>
+        <p:spPr>
+          <a:xfrm>
+            <a:off x="7114903" y="1522938"/>
+            <a:ext cx="3837651" cy="3812123"/>
+          </a:xfrm>
+          <a:prstGeom prst="rect">
+            <a:avLst/>
+          </a:prstGeom>
+        </p:spPr>
+      </p:pic>
+    </p:spTree>
+    <p:extLst>
+      <p:ext uri="{BB962C8B-B14F-4D97-AF65-F5344CB8AC3E}">
+        <p14:creationId xmlns:p14="http://schemas.microsoft.com/office/powerpoint/2010/main" val="4100825873"/>
+      </p:ext>
+    </p:extLst>
+  </p:cSld>
+  <p:clrMapOvr>
+    <a:masterClrMapping/>
+  </p:clrMapOvr>
+</p:sld>
+</file>
+
+<file path=ppt/slides/slide18.xml><?xml version="1.0" encoding="utf-8"?>
+<p:sld xmlns:a="http://schemas.openxmlformats.org/drawingml/2006/main" xmlns:r="http://schemas.openxmlformats.org/officeDocument/2006/relationships" xmlns:p="http://schemas.openxmlformats.org/presentationml/2006/main">
+  <p:cSld>
+    <p:spTree>
+      <p:nvGrpSpPr>
+        <p:cNvPr id="1" name=""/>
+        <p:cNvGrpSpPr/>
+        <p:nvPr/>
+      </p:nvGrpSpPr>
+      <p:grpSpPr>
+        <a:xfrm>
+          <a:off x="0" y="0"/>
+          <a:ext cx="0" cy="0"/>
+          <a:chOff x="0" y="0"/>
+          <a:chExt cx="0" cy="0"/>
+        </a:xfrm>
+      </p:grpSpPr>
+      <p:sp>
+        <p:nvSpPr>
+          <p:cNvPr id="2" name="Title 1">
+            <a:extLst>
+              <a:ext uri="{FF2B5EF4-FFF2-40B4-BE49-F238E27FC236}">
+                <a16:creationId xmlns:a16="http://schemas.microsoft.com/office/drawing/2014/main" id="{84E9431E-7FA6-8A89-23EB-2082DE5810EE}"/>
+              </a:ext>
+            </a:extLst>
+          </p:cNvPr>
+          <p:cNvSpPr>
+            <a:spLocks noGrp="1"/>
+          </p:cNvSpPr>
+          <p:nvPr>
+            <p:ph type="title"/>
+          </p:nvPr>
+        </p:nvSpPr>
+        <p:spPr/>
+        <p:txBody>
+          <a:bodyPr/>
+          <a:lstStyle/>
+          <a:p>
+            <a:r>
+              <a:rPr lang="en-US" dirty="0"/>
+              <a:t>Cloning a Repository</a:t>
+            </a:r>
+          </a:p>
+        </p:txBody>
+      </p:sp>
+      <p:sp>
+        <p:nvSpPr>
+          <p:cNvPr id="4" name="Content Placeholder 3">
+            <a:extLst>
+              <a:ext uri="{FF2B5EF4-FFF2-40B4-BE49-F238E27FC236}">
+                <a16:creationId xmlns:a16="http://schemas.microsoft.com/office/drawing/2014/main" id="{F1961C14-A7B6-52DA-558B-5CE3610F4DD5}"/>
+              </a:ext>
+            </a:extLst>
+          </p:cNvPr>
+          <p:cNvSpPr>
+            <a:spLocks noGrp="1"/>
+          </p:cNvSpPr>
+          <p:nvPr>
+            <p:ph sz="half" idx="1"/>
+          </p:nvPr>
+        </p:nvSpPr>
+        <p:spPr>
+          <a:xfrm>
+            <a:off x="838200" y="1825625"/>
+            <a:ext cx="4325471" cy="4351338"/>
+          </a:xfrm>
+        </p:spPr>
+        <p:txBody>
+          <a:bodyPr/>
+          <a:lstStyle/>
+          <a:p>
+            <a:r>
+              <a:rPr lang="en-US" dirty="0"/>
+              <a:t>Select “Code”</a:t>
+            </a:r>
+          </a:p>
+          <a:p>
+            <a:r>
+              <a:rPr lang="en-US" dirty="0"/>
+              <a:t>Select HTTPS</a:t>
+            </a:r>
+          </a:p>
+          <a:p>
+            <a:r>
+              <a:rPr lang="en-US" dirty="0"/>
+              <a:t>Copy the </a:t>
+            </a:r>
+            <a:r>
+              <a:rPr lang="en-US" dirty="0" err="1"/>
+              <a:t>url</a:t>
+            </a:r>
+            <a:endParaRPr lang="en-US" dirty="0"/>
+          </a:p>
+          <a:p>
+            <a:r>
+              <a:rPr lang="en-US" dirty="0"/>
+              <a:t>On a command line</a:t>
+            </a:r>
+          </a:p>
+          <a:p>
+            <a:pPr lvl="1"/>
+            <a:r>
+              <a:rPr lang="en-US" dirty="0"/>
+              <a:t>git clone &lt;</a:t>
+            </a:r>
+            <a:r>
+              <a:rPr lang="en-US" dirty="0" err="1"/>
+              <a:t>url</a:t>
+            </a:r>
+            <a:r>
+              <a:rPr lang="en-US" dirty="0"/>
+              <a:t>&gt;</a:t>
+            </a:r>
+          </a:p>
+          <a:p>
+            <a:r>
+              <a:rPr lang="en-US" dirty="0"/>
+              <a:t>Paste the URL</a:t>
+            </a:r>
+          </a:p>
+          <a:p>
+            <a:r>
+              <a:rPr lang="en-US" dirty="0"/>
+              <a:t>The repository will default to the “main” branch</a:t>
+            </a:r>
+          </a:p>
+        </p:txBody>
+      </p:sp>
+      <p:pic>
+        <p:nvPicPr>
+          <p:cNvPr id="7" name="Picture 6">
+            <a:extLst>
+              <a:ext uri="{FF2B5EF4-FFF2-40B4-BE49-F238E27FC236}">
+                <a16:creationId xmlns:a16="http://schemas.microsoft.com/office/drawing/2014/main" id="{2CDC3269-050B-1023-29C6-EDE665A29CC0}"/>
+              </a:ext>
+            </a:extLst>
+          </p:cNvPr>
+          <p:cNvPicPr>
+            <a:picLocks noChangeAspect="1"/>
+          </p:cNvPicPr>
+          <p:nvPr/>
+        </p:nvPicPr>
+        <p:blipFill>
+          <a:blip r:embed="rId2"/>
+          <a:stretch>
+            <a:fillRect/>
+          </a:stretch>
+        </p:blipFill>
+        <p:spPr>
+          <a:xfrm>
+            <a:off x="6361562" y="1000278"/>
+            <a:ext cx="5312499" cy="4857444"/>
+          </a:xfrm>
+          <a:prstGeom prst="rect">
+            <a:avLst/>
+          </a:prstGeom>
+          <a:ln>
+            <a:solidFill>
+              <a:schemeClr val="tx1"/>
+            </a:solidFill>
+          </a:ln>
+        </p:spPr>
+      </p:pic>
+      <p:pic>
+        <p:nvPicPr>
+          <p:cNvPr id="8" name="Picture 7">
+            <a:extLst>
+              <a:ext uri="{FF2B5EF4-FFF2-40B4-BE49-F238E27FC236}">
+                <a16:creationId xmlns:a16="http://schemas.microsoft.com/office/drawing/2014/main" id="{5A1EFA78-FF58-3EB6-E9DA-28694B7AFE90}"/>
+              </a:ext>
+            </a:extLst>
+          </p:cNvPr>
+          <p:cNvPicPr>
+            <a:picLocks noChangeAspect="1"/>
+          </p:cNvPicPr>
+          <p:nvPr/>
+        </p:nvPicPr>
+        <p:blipFill rotWithShape="1">
+          <a:blip r:embed="rId2"/>
+          <a:srcRect l="83867" t="49498" r="4278" b="41858"/>
+          <a:stretch/>
+        </p:blipFill>
+        <p:spPr>
+          <a:xfrm>
+            <a:off x="3000935" y="2541494"/>
+            <a:ext cx="726142" cy="484094"/>
+          </a:xfrm>
+          <a:prstGeom prst="rect">
+            <a:avLst/>
+          </a:prstGeom>
+          <a:ln>
+            <a:solidFill>
+              <a:schemeClr val="tx1"/>
+            </a:solidFill>
+          </a:ln>
+        </p:spPr>
+      </p:pic>
+    </p:spTree>
+    <p:extLst>
+      <p:ext uri="{BB962C8B-B14F-4D97-AF65-F5344CB8AC3E}">
+        <p14:creationId xmlns:p14="http://schemas.microsoft.com/office/powerpoint/2010/main" val="2875480315"/>
+      </p:ext>
+    </p:extLst>
+  </p:cSld>
+  <p:clrMapOvr>
+    <a:masterClrMapping/>
+  </p:clrMapOvr>
+</p:sld>
+</file>
+
+<file path=ppt/slides/slide19.xml><?xml version="1.0" encoding="utf-8"?>
+<p:sld xmlns:a="http://schemas.openxmlformats.org/drawingml/2006/main" xmlns:r="http://schemas.openxmlformats.org/officeDocument/2006/relationships" xmlns:p="http://schemas.openxmlformats.org/presentationml/2006/main">
+  <p:cSld>
+    <p:spTree>
+      <p:nvGrpSpPr>
+        <p:cNvPr id="1" name=""/>
+        <p:cNvGrpSpPr/>
+        <p:nvPr/>
+      </p:nvGrpSpPr>
+      <p:grpSpPr>
+        <a:xfrm>
+          <a:off x="0" y="0"/>
+          <a:ext cx="0" cy="0"/>
+          <a:chOff x="0" y="0"/>
+          <a:chExt cx="0" cy="0"/>
+        </a:xfrm>
+      </p:grpSpPr>
+      <p:sp>
+        <p:nvSpPr>
+          <p:cNvPr id="2" name="Title 1">
+            <a:extLst>
+              <a:ext uri="{FF2B5EF4-FFF2-40B4-BE49-F238E27FC236}">
+                <a16:creationId xmlns:a16="http://schemas.microsoft.com/office/drawing/2014/main" id="{7A728B63-8F13-CC62-89E8-3EA9F7DED876}"/>
+              </a:ext>
+            </a:extLst>
+          </p:cNvPr>
+          <p:cNvSpPr>
+            <a:spLocks noGrp="1"/>
+          </p:cNvSpPr>
+          <p:nvPr>
+            <p:ph type="title"/>
+          </p:nvPr>
+        </p:nvSpPr>
+        <p:spPr/>
+        <p:txBody>
+          <a:bodyPr/>
+          <a:lstStyle/>
+          <a:p>
+            <a:r>
+              <a:rPr lang="en-US" dirty="0"/>
+              <a:t>Create a Branch</a:t>
+            </a:r>
+          </a:p>
+        </p:txBody>
+      </p:sp>
+      <p:sp>
+        <p:nvSpPr>
+          <p:cNvPr id="3" name="Content Placeholder 2">
+            <a:extLst>
+              <a:ext uri="{FF2B5EF4-FFF2-40B4-BE49-F238E27FC236}">
+                <a16:creationId xmlns:a16="http://schemas.microsoft.com/office/drawing/2014/main" id="{2BA2E634-80BC-D72F-99B9-374B76765C1B}"/>
+              </a:ext>
+            </a:extLst>
+          </p:cNvPr>
+          <p:cNvSpPr>
+            <a:spLocks noGrp="1"/>
+          </p:cNvSpPr>
+          <p:nvPr>
+            <p:ph sz="half" idx="1"/>
+          </p:nvPr>
+        </p:nvSpPr>
+        <p:spPr>
+          <a:xfrm>
+            <a:off x="838200" y="1825625"/>
+            <a:ext cx="5181600" cy="2894293"/>
+          </a:xfrm>
+        </p:spPr>
+        <p:txBody>
+          <a:bodyPr/>
+          <a:lstStyle/>
+          <a:p>
+            <a:r>
+              <a:rPr lang="en-US" dirty="0"/>
+              <a:t>Make sure to be in the “hello-world” directory</a:t>
+            </a:r>
+          </a:p>
+          <a:p>
+            <a:r>
+              <a:rPr lang="en-US" dirty="0"/>
+              <a:t>On the command line, “git branch” to list available branches</a:t>
+            </a:r>
+          </a:p>
+          <a:p>
+            <a:r>
+              <a:rPr lang="en-US" dirty="0"/>
+              <a:t>On the command line, “git checkout -b </a:t>
+            </a:r>
+            <a:r>
+              <a:rPr lang="en-US" b="0" i="0" dirty="0">
+                <a:solidFill>
+                  <a:srgbClr val="1F2328"/>
+                </a:solidFill>
+                <a:effectLst/>
+                <a:latin typeface="ui-monospace"/>
+              </a:rPr>
+              <a:t>readme-edits” to create a new branch named “readme-edits” and switches to it</a:t>
+            </a:r>
+          </a:p>
+          <a:p>
+            <a:endParaRPr lang="en-US" dirty="0"/>
+          </a:p>
+        </p:txBody>
+      </p:sp>
+      <p:sp>
+        <p:nvSpPr>
+          <p:cNvPr id="5" name="Content Placeholder 4">
+            <a:extLst>
+              <a:ext uri="{FF2B5EF4-FFF2-40B4-BE49-F238E27FC236}">
+                <a16:creationId xmlns:a16="http://schemas.microsoft.com/office/drawing/2014/main" id="{D0745D02-D873-DA46-A2EA-7E9A355253DE}"/>
+              </a:ext>
+            </a:extLst>
+          </p:cNvPr>
+          <p:cNvSpPr>
+            <a:spLocks noGrp="1"/>
+          </p:cNvSpPr>
+          <p:nvPr>
+            <p:ph sz="half" idx="2"/>
+          </p:nvPr>
+        </p:nvSpPr>
+        <p:spPr/>
+        <p:txBody>
+          <a:bodyPr/>
+          <a:lstStyle/>
+          <a:p>
+            <a:r>
+              <a:rPr lang="en-US" dirty="0"/>
+              <a:t>Branching - different versions of a repository at one time</a:t>
+            </a:r>
+          </a:p>
+          <a:p>
+            <a:r>
+              <a:rPr lang="en-US" dirty="0"/>
+              <a:t>By default, your repository has one branch named “main”, the definitive branch</a:t>
+            </a:r>
+          </a:p>
+        </p:txBody>
+      </p:sp>
+    </p:spTree>
+    <p:extLst>
+      <p:ext uri="{BB962C8B-B14F-4D97-AF65-F5344CB8AC3E}">
+        <p14:creationId xmlns:p14="http://schemas.microsoft.com/office/powerpoint/2010/main" val="3217684847"/>
+      </p:ext>
+    </p:extLst>
+  </p:cSld>
+  <p:clrMapOvr>
+    <a:masterClrMapping/>
+  </p:clrMapOvr>
+</p:sld>
+</file>
+
+<file path=ppt/slides/slide2.xml><?xml version="1.0" encoding="utf-8"?>
+<p:sld xmlns:a="http://schemas.openxmlformats.org/drawingml/2006/main" xmlns:r="http://schemas.openxmlformats.org/officeDocument/2006/relationships" xmlns:p="http://schemas.openxmlformats.org/presentationml/2006/main">
+  <p:cSld>
+    <p:spTree>
+      <p:nvGrpSpPr>
+        <p:cNvPr id="1" name=""/>
+        <p:cNvGrpSpPr/>
+        <p:nvPr/>
+      </p:nvGrpSpPr>
+      <p:grpSpPr>
+        <a:xfrm>
+          <a:off x="0" y="0"/>
+          <a:ext cx="0" cy="0"/>
+          <a:chOff x="0" y="0"/>
+          <a:chExt cx="0" cy="0"/>
+        </a:xfrm>
+      </p:grpSpPr>
+      <p:sp>
+        <p:nvSpPr>
+          <p:cNvPr id="4" name="Title 3">
+            <a:extLst>
+              <a:ext uri="{FF2B5EF4-FFF2-40B4-BE49-F238E27FC236}">
+                <a16:creationId xmlns:a16="http://schemas.microsoft.com/office/drawing/2014/main" id="{038E078A-2A1E-61FD-A7EB-BEF3E8F01849}"/>
+              </a:ext>
+            </a:extLst>
+          </p:cNvPr>
+          <p:cNvSpPr>
+            <a:spLocks noGrp="1"/>
+          </p:cNvSpPr>
+          <p:nvPr>
+            <p:ph type="title"/>
+          </p:nvPr>
+        </p:nvSpPr>
+        <p:spPr/>
+        <p:txBody>
+          <a:bodyPr/>
+          <a:lstStyle/>
+          <a:p>
+            <a:r>
+              <a:rPr lang="en-US" dirty="0"/>
+              <a:t>Git Basics</a:t>
+            </a:r>
+          </a:p>
+        </p:txBody>
+      </p:sp>
+      <p:sp>
+        <p:nvSpPr>
+          <p:cNvPr id="5" name="Text Placeholder 4">
+            <a:extLst>
+              <a:ext uri="{FF2B5EF4-FFF2-40B4-BE49-F238E27FC236}">
+                <a16:creationId xmlns:a16="http://schemas.microsoft.com/office/drawing/2014/main" id="{48C13A2D-FFD2-C5D1-AE63-150CED8B3E03}"/>
+              </a:ext>
+            </a:extLst>
+          </p:cNvPr>
+          <p:cNvSpPr>
+            <a:spLocks noGrp="1"/>
+          </p:cNvSpPr>
+          <p:nvPr>
+            <p:ph type="body" idx="1"/>
+          </p:nvPr>
+        </p:nvSpPr>
+        <p:spPr/>
+        <p:txBody>
+          <a:bodyPr/>
+          <a:lstStyle/>
+          <a:p>
+            <a:endParaRPr lang="en-US" dirty="0"/>
+          </a:p>
+        </p:txBody>
+      </p:sp>
+    </p:spTree>
+    <p:extLst>
+      <p:ext uri="{BB962C8B-B14F-4D97-AF65-F5344CB8AC3E}">
+        <p14:creationId xmlns:p14="http://schemas.microsoft.com/office/powerpoint/2010/main" val="3121781869"/>
+      </p:ext>
+    </p:extLst>
+  </p:cSld>
+  <p:clrMapOvr>
+    <a:masterClrMapping/>
+  </p:clrMapOvr>
+</p:sld>
+</file>
+
+<file path=ppt/slides/slide20.xml><?xml version="1.0" encoding="utf-8"?>
+<p:sld xmlns:a="http://schemas.openxmlformats.org/drawingml/2006/main" xmlns:r="http://schemas.openxmlformats.org/officeDocument/2006/relationships" xmlns:p="http://schemas.openxmlformats.org/presentationml/2006/main">
+  <p:cSld>
+    <p:spTree>
+      <p:nvGrpSpPr>
+        <p:cNvPr id="1" name=""/>
+        <p:cNvGrpSpPr/>
+        <p:nvPr/>
+      </p:nvGrpSpPr>
+      <p:grpSpPr>
+        <a:xfrm>
+          <a:off x="0" y="0"/>
+          <a:ext cx="0" cy="0"/>
+          <a:chOff x="0" y="0"/>
+          <a:chExt cx="0" cy="0"/>
+        </a:xfrm>
+      </p:grpSpPr>
+      <p:sp>
+        <p:nvSpPr>
+          <p:cNvPr id="2" name="Title 1">
+            <a:extLst>
+              <a:ext uri="{FF2B5EF4-FFF2-40B4-BE49-F238E27FC236}">
+                <a16:creationId xmlns:a16="http://schemas.microsoft.com/office/drawing/2014/main" id="{2AA68A83-5133-7215-C928-7E298B92D16C}"/>
+              </a:ext>
+            </a:extLst>
+          </p:cNvPr>
+          <p:cNvSpPr>
+            <a:spLocks noGrp="1"/>
+          </p:cNvSpPr>
+          <p:nvPr>
+            <p:ph type="title"/>
+          </p:nvPr>
+        </p:nvSpPr>
+        <p:spPr/>
+        <p:txBody>
+          <a:bodyPr/>
+          <a:lstStyle/>
+          <a:p>
+            <a:r>
+              <a:rPr lang="en-US" dirty="0"/>
+              <a:t>Making and Committing Changes</a:t>
+            </a:r>
+          </a:p>
+        </p:txBody>
+      </p:sp>
+      <p:sp>
+        <p:nvSpPr>
+          <p:cNvPr id="3" name="Content Placeholder 2">
+            <a:extLst>
+              <a:ext uri="{FF2B5EF4-FFF2-40B4-BE49-F238E27FC236}">
+                <a16:creationId xmlns:a16="http://schemas.microsoft.com/office/drawing/2014/main" id="{BB9C6489-8B20-BA9C-0606-063D3E41301A}"/>
+              </a:ext>
+            </a:extLst>
+          </p:cNvPr>
+          <p:cNvSpPr>
+            <a:spLocks noGrp="1"/>
+          </p:cNvSpPr>
+          <p:nvPr>
+            <p:ph idx="1"/>
+          </p:nvPr>
+        </p:nvSpPr>
+        <p:spPr/>
+        <p:txBody>
+          <a:bodyPr/>
+          <a:lstStyle/>
+          <a:p>
+            <a:r>
+              <a:rPr lang="en-US" dirty="0"/>
+              <a:t>Under the readme-edits branch you created, edit the README file using VS Code</a:t>
+            </a:r>
+          </a:p>
+          <a:p>
+            <a:r>
+              <a:rPr lang="en-US" dirty="0"/>
+              <a:t>Update the README file with plain text and/or Markdown elements</a:t>
+            </a:r>
+          </a:p>
+          <a:p>
+            <a:pPr lvl="1"/>
+            <a:r>
+              <a:rPr lang="en-US" dirty="0">
+                <a:hlinkClick r:id="rId2"/>
+              </a:rPr>
+              <a:t>https://loremipsum.io/</a:t>
+            </a:r>
+            <a:r>
+              <a:rPr lang="en-US" dirty="0"/>
+              <a:t> for text generator</a:t>
+            </a:r>
+          </a:p>
+          <a:p>
+            <a:r>
+              <a:rPr lang="en-US" dirty="0"/>
+              <a:t>Stage changes</a:t>
+            </a:r>
+          </a:p>
+          <a:p>
+            <a:pPr lvl="1"/>
+            <a:r>
+              <a:rPr lang="en-US" dirty="0"/>
+              <a:t>$ git add README.md</a:t>
+            </a:r>
+          </a:p>
+          <a:p>
+            <a:r>
+              <a:rPr lang="en-US" dirty="0"/>
+              <a:t>Commit changes</a:t>
+            </a:r>
+          </a:p>
+          <a:p>
+            <a:pPr lvl="1"/>
+            <a:r>
+              <a:rPr lang="en-US" dirty="0"/>
+              <a:t>$ git commit -m ”message”</a:t>
+            </a:r>
+          </a:p>
+          <a:p>
+            <a:r>
+              <a:rPr lang="en-US" dirty="0"/>
+              <a:t>Push changes</a:t>
+            </a:r>
+          </a:p>
+          <a:p>
+            <a:pPr lvl="1"/>
+            <a:r>
+              <a:rPr lang="en-US" dirty="0"/>
+              <a:t>$ git push origin readme-edits</a:t>
+            </a:r>
+          </a:p>
+        </p:txBody>
+      </p:sp>
+      <p:pic>
+        <p:nvPicPr>
+          <p:cNvPr id="6" name="Picture 5">
+            <a:extLst>
+              <a:ext uri="{FF2B5EF4-FFF2-40B4-BE49-F238E27FC236}">
+                <a16:creationId xmlns:a16="http://schemas.microsoft.com/office/drawing/2014/main" id="{D52F620B-664C-BB87-17A4-5D16F10BE948}"/>
+              </a:ext>
+            </a:extLst>
+          </p:cNvPr>
+          <p:cNvPicPr>
+            <a:picLocks noChangeAspect="1"/>
+          </p:cNvPicPr>
+          <p:nvPr/>
+        </p:nvPicPr>
+        <p:blipFill>
+          <a:blip r:embed="rId3"/>
+          <a:stretch>
+            <a:fillRect/>
+          </a:stretch>
+        </p:blipFill>
+        <p:spPr>
+          <a:xfrm>
+            <a:off x="4023533" y="4977114"/>
+            <a:ext cx="7773082" cy="1638812"/>
+          </a:xfrm>
+          <a:prstGeom prst="rect">
+            <a:avLst/>
+          </a:prstGeom>
+          <a:ln>
+            <a:solidFill>
+              <a:schemeClr val="tx1"/>
+            </a:solidFill>
+          </a:ln>
+        </p:spPr>
+      </p:pic>
+    </p:spTree>
+    <p:extLst>
+      <p:ext uri="{BB962C8B-B14F-4D97-AF65-F5344CB8AC3E}">
+        <p14:creationId xmlns:p14="http://schemas.microsoft.com/office/powerpoint/2010/main" val="2169801113"/>
+      </p:ext>
+    </p:extLst>
+  </p:cSld>
+  <p:clrMapOvr>
+    <a:masterClrMapping/>
+  </p:clrMapOvr>
+</p:sld>
+</file>
+
+<file path=ppt/slides/slide21.xml><?xml version="1.0" encoding="utf-8"?>
+<p:sld xmlns:a="http://schemas.openxmlformats.org/drawingml/2006/main" xmlns:r="http://schemas.openxmlformats.org/officeDocument/2006/relationships" xmlns:p="http://schemas.openxmlformats.org/presentationml/2006/main">
+  <p:cSld>
+    <p:spTree>
+      <p:nvGrpSpPr>
+        <p:cNvPr id="1" name=""/>
+        <p:cNvGrpSpPr/>
+        <p:nvPr/>
+      </p:nvGrpSpPr>
+      <p:grpSpPr>
+        <a:xfrm>
+          <a:off x="0" y="0"/>
+          <a:ext cx="0" cy="0"/>
+          <a:chOff x="0" y="0"/>
+          <a:chExt cx="0" cy="0"/>
+        </a:xfrm>
+      </p:grpSpPr>
+      <p:sp>
+        <p:nvSpPr>
+          <p:cNvPr id="2" name="Title 1">
+            <a:extLst>
+              <a:ext uri="{FF2B5EF4-FFF2-40B4-BE49-F238E27FC236}">
+                <a16:creationId xmlns:a16="http://schemas.microsoft.com/office/drawing/2014/main" id="{C085870C-063E-5A7F-F126-C5603C39934B}"/>
+              </a:ext>
+            </a:extLst>
+          </p:cNvPr>
+          <p:cNvSpPr>
+            <a:spLocks noGrp="1"/>
+          </p:cNvSpPr>
+          <p:nvPr>
+            <p:ph type="title"/>
+          </p:nvPr>
+        </p:nvSpPr>
+        <p:spPr/>
+        <p:txBody>
+          <a:bodyPr/>
+          <a:lstStyle/>
+          <a:p>
+            <a:r>
+              <a:rPr lang="en-US" dirty="0"/>
+              <a:t>Opening a Pull Request in GitHub</a:t>
+            </a:r>
+          </a:p>
+        </p:txBody>
+      </p:sp>
+      <p:sp>
+        <p:nvSpPr>
+          <p:cNvPr id="3" name="Content Placeholder 2">
+            <a:extLst>
+              <a:ext uri="{FF2B5EF4-FFF2-40B4-BE49-F238E27FC236}">
+                <a16:creationId xmlns:a16="http://schemas.microsoft.com/office/drawing/2014/main" id="{E4093717-E162-5905-DEDC-0D59B349CC7E}"/>
+              </a:ext>
+            </a:extLst>
+          </p:cNvPr>
+          <p:cNvSpPr>
+            <a:spLocks noGrp="1"/>
+          </p:cNvSpPr>
+          <p:nvPr>
+            <p:ph idx="1"/>
+          </p:nvPr>
+        </p:nvSpPr>
+        <p:spPr/>
+        <p:txBody>
+          <a:bodyPr/>
+          <a:lstStyle/>
+          <a:p>
+            <a:r>
+              <a:rPr lang="en-US" dirty="0"/>
+              <a:t>Click the Pull requests tab of your hello-world repository</a:t>
+            </a:r>
+          </a:p>
+          <a:p>
+            <a:r>
+              <a:rPr lang="en-US" dirty="0"/>
+              <a:t>Click New pull request</a:t>
+            </a:r>
+          </a:p>
+          <a:p>
+            <a:r>
+              <a:rPr lang="en-US" dirty="0"/>
+              <a:t>Comparing changes: Select readme-edits to compare with main</a:t>
+            </a:r>
+          </a:p>
+          <a:p>
+            <a:r>
+              <a:rPr lang="en-US" dirty="0"/>
+              <a:t>Look over your changes in the diffs on the Compare page, make sure they're what you want to submit</a:t>
+            </a:r>
+          </a:p>
+          <a:p>
+            <a:r>
+              <a:rPr lang="en-US" dirty="0"/>
+              <a:t>Click </a:t>
+            </a:r>
+            <a:r>
+              <a:rPr lang="en-US" b="1" dirty="0"/>
+              <a:t>Create pull request</a:t>
+            </a:r>
+          </a:p>
+          <a:p>
+            <a:r>
+              <a:rPr lang="en-US" dirty="0"/>
+              <a:t>Give your pull request a title and write a brief description of your changes. You can include emojis and drag and drop images and gifs</a:t>
+            </a:r>
+          </a:p>
+          <a:p>
+            <a:r>
+              <a:rPr lang="en-US" dirty="0"/>
+              <a:t>Click </a:t>
+            </a:r>
+            <a:r>
+              <a:rPr lang="en-US" b="1" dirty="0"/>
+              <a:t>Create pull request</a:t>
+            </a:r>
+          </a:p>
+        </p:txBody>
+      </p:sp>
+    </p:spTree>
+    <p:extLst>
+      <p:ext uri="{BB962C8B-B14F-4D97-AF65-F5344CB8AC3E}">
+        <p14:creationId xmlns:p14="http://schemas.microsoft.com/office/powerpoint/2010/main" val="3731636355"/>
+      </p:ext>
+    </p:extLst>
+  </p:cSld>
+  <p:clrMapOvr>
+    <a:masterClrMapping/>
+  </p:clrMapOvr>
+</p:sld>
+</file>
+
+<file path=ppt/slides/slide22.xml><?xml version="1.0" encoding="utf-8"?>
+<p:sld xmlns:a="http://schemas.openxmlformats.org/drawingml/2006/main" xmlns:r="http://schemas.openxmlformats.org/officeDocument/2006/relationships" xmlns:p="http://schemas.openxmlformats.org/presentationml/2006/main">
+  <p:cSld>
+    <p:spTree>
+      <p:nvGrpSpPr>
+        <p:cNvPr id="1" name=""/>
+        <p:cNvGrpSpPr/>
+        <p:nvPr/>
+      </p:nvGrpSpPr>
+      <p:grpSpPr>
+        <a:xfrm>
+          <a:off x="0" y="0"/>
+          <a:ext cx="0" cy="0"/>
+          <a:chOff x="0" y="0"/>
+          <a:chExt cx="0" cy="0"/>
+        </a:xfrm>
+      </p:grpSpPr>
+      <p:sp>
+        <p:nvSpPr>
+          <p:cNvPr id="2" name="Title 1">
+            <a:extLst>
+              <a:ext uri="{FF2B5EF4-FFF2-40B4-BE49-F238E27FC236}">
+                <a16:creationId xmlns:a16="http://schemas.microsoft.com/office/drawing/2014/main" id="{7D12B9C8-83C4-B077-5968-075351AE1240}"/>
+              </a:ext>
+            </a:extLst>
+          </p:cNvPr>
+          <p:cNvSpPr>
+            <a:spLocks noGrp="1"/>
+          </p:cNvSpPr>
+          <p:nvPr>
+            <p:ph type="title"/>
+          </p:nvPr>
+        </p:nvSpPr>
+        <p:spPr/>
+        <p:txBody>
+          <a:bodyPr/>
+          <a:lstStyle/>
+          <a:p>
+            <a:r>
+              <a:rPr lang="en-US" dirty="0"/>
+              <a:t>Merging Pull Request in GitHub</a:t>
+            </a:r>
+          </a:p>
+        </p:txBody>
+      </p:sp>
+      <p:sp>
+        <p:nvSpPr>
+          <p:cNvPr id="3" name="Content Placeholder 2">
+            <a:extLst>
+              <a:ext uri="{FF2B5EF4-FFF2-40B4-BE49-F238E27FC236}">
+                <a16:creationId xmlns:a16="http://schemas.microsoft.com/office/drawing/2014/main" id="{149C9C22-E919-4869-2957-9EED61FE506A}"/>
+              </a:ext>
+            </a:extLst>
+          </p:cNvPr>
+          <p:cNvSpPr>
+            <a:spLocks noGrp="1"/>
+          </p:cNvSpPr>
+          <p:nvPr>
+            <p:ph idx="1"/>
+          </p:nvPr>
+        </p:nvSpPr>
+        <p:spPr/>
+        <p:txBody>
+          <a:bodyPr/>
+          <a:lstStyle/>
+          <a:p>
+            <a:r>
+              <a:rPr lang="en-US" dirty="0"/>
+              <a:t>Click the Pull requests tab of your hello-world repository</a:t>
+            </a:r>
+          </a:p>
+          <a:p>
+            <a:r>
+              <a:rPr lang="en-US" dirty="0"/>
+              <a:t>At the bottom of the pull request, click </a:t>
+            </a:r>
+            <a:r>
+              <a:rPr lang="en-US" b="1" dirty="0"/>
+              <a:t>Merge pull request </a:t>
+            </a:r>
+            <a:r>
+              <a:rPr lang="en-US" dirty="0"/>
+              <a:t>to merge the changes into main</a:t>
+            </a:r>
+          </a:p>
+          <a:p>
+            <a:r>
+              <a:rPr lang="en-US" b="0" i="0" dirty="0">
+                <a:solidFill>
+                  <a:srgbClr val="1F2328"/>
+                </a:solidFill>
+                <a:effectLst/>
+                <a:latin typeface="-apple-system"/>
+              </a:rPr>
+              <a:t>Click </a:t>
+            </a:r>
+            <a:r>
+              <a:rPr lang="en-US" b="1" i="0" dirty="0">
+                <a:solidFill>
+                  <a:srgbClr val="1F2328"/>
+                </a:solidFill>
+                <a:effectLst/>
+                <a:latin typeface="-apple-system"/>
+              </a:rPr>
+              <a:t>Confirm merge</a:t>
+            </a:r>
+          </a:p>
+          <a:p>
+            <a:r>
+              <a:rPr lang="en-US" b="0" i="0" dirty="0">
+                <a:solidFill>
+                  <a:srgbClr val="1F2328"/>
+                </a:solidFill>
+                <a:effectLst/>
+                <a:latin typeface="-apple-system"/>
+              </a:rPr>
+              <a:t>Click </a:t>
+            </a:r>
+            <a:r>
+              <a:rPr lang="en-US" b="1" i="0" dirty="0">
+                <a:solidFill>
+                  <a:srgbClr val="1F2328"/>
+                </a:solidFill>
+                <a:effectLst/>
+                <a:latin typeface="-apple-system"/>
+              </a:rPr>
+              <a:t>Delete branch</a:t>
+            </a:r>
+            <a:endParaRPr lang="en-US" dirty="0"/>
+          </a:p>
+        </p:txBody>
+      </p:sp>
+    </p:spTree>
+    <p:extLst>
+      <p:ext uri="{BB962C8B-B14F-4D97-AF65-F5344CB8AC3E}">
+        <p14:creationId xmlns:p14="http://schemas.microsoft.com/office/powerpoint/2010/main" val="378214409"/>
+      </p:ext>
+    </p:extLst>
+  </p:cSld>
+  <p:clrMapOvr>
+    <a:masterClrMapping/>
+  </p:clrMapOvr>
+</p:sld>
+</file>
+
+<file path=ppt/slides/slide23.xml><?xml version="1.0" encoding="utf-8"?>
+<p:sld xmlns:a="http://schemas.openxmlformats.org/drawingml/2006/main" xmlns:r="http://schemas.openxmlformats.org/officeDocument/2006/relationships" xmlns:p="http://schemas.openxmlformats.org/presentationml/2006/main" show="0">
   <p:cSld>
     <p:spTree>
       <p:nvGrpSpPr>
@@ -10840,970 +13350,6 @@
     <p:extLst>
       <p:ext uri="{BB962C8B-B14F-4D97-AF65-F5344CB8AC3E}">
         <p14:creationId xmlns:p14="http://schemas.microsoft.com/office/powerpoint/2010/main" val="1231599601"/>
-      </p:ext>
-    </p:extLst>
-  </p:cSld>
-  <p:clrMapOvr>
-    <a:masterClrMapping/>
-  </p:clrMapOvr>
-</p:sld>
-</file>
-
-<file path=ppt/slides/slide15.xml><?xml version="1.0" encoding="utf-8"?>
-<p:sld xmlns:a="http://schemas.openxmlformats.org/drawingml/2006/main" xmlns:r="http://schemas.openxmlformats.org/officeDocument/2006/relationships" xmlns:p="http://schemas.openxmlformats.org/presentationml/2006/main">
-  <p:cSld>
-    <p:spTree>
-      <p:nvGrpSpPr>
-        <p:cNvPr id="1" name=""/>
-        <p:cNvGrpSpPr/>
-        <p:nvPr/>
-      </p:nvGrpSpPr>
-      <p:grpSpPr>
-        <a:xfrm>
-          <a:off x="0" y="0"/>
-          <a:ext cx="0" cy="0"/>
-          <a:chOff x="0" y="0"/>
-          <a:chExt cx="0" cy="0"/>
-        </a:xfrm>
-      </p:grpSpPr>
-      <p:sp>
-        <p:nvSpPr>
-          <p:cNvPr id="2" name="Title 1">
-            <a:extLst>
-              <a:ext uri="{FF2B5EF4-FFF2-40B4-BE49-F238E27FC236}">
-                <a16:creationId xmlns:a16="http://schemas.microsoft.com/office/drawing/2014/main" id="{24C902F3-BFBF-CEE4-7C83-5205F6C28115}"/>
-              </a:ext>
-            </a:extLst>
-          </p:cNvPr>
-          <p:cNvSpPr>
-            <a:spLocks noGrp="1"/>
-          </p:cNvSpPr>
-          <p:nvPr>
-            <p:ph type="title"/>
-          </p:nvPr>
-        </p:nvSpPr>
-        <p:spPr/>
-        <p:txBody>
-          <a:bodyPr/>
-          <a:lstStyle/>
-          <a:p>
-            <a:r>
-              <a:rPr lang="en-US" dirty="0"/>
-              <a:t>Recording Changes to the Repository</a:t>
-            </a:r>
-          </a:p>
-        </p:txBody>
-      </p:sp>
-      <p:sp>
-        <p:nvSpPr>
-          <p:cNvPr id="4" name="Text Placeholder 3">
-            <a:extLst>
-              <a:ext uri="{FF2B5EF4-FFF2-40B4-BE49-F238E27FC236}">
-                <a16:creationId xmlns:a16="http://schemas.microsoft.com/office/drawing/2014/main" id="{0AD7A8C5-A50A-3C26-44E7-97E78BA52CAB}"/>
-              </a:ext>
-            </a:extLst>
-          </p:cNvPr>
-          <p:cNvSpPr>
-            <a:spLocks noGrp="1"/>
-          </p:cNvSpPr>
-          <p:nvPr>
-            <p:ph type="body" idx="1"/>
-          </p:nvPr>
-        </p:nvSpPr>
-        <p:spPr/>
-        <p:txBody>
-          <a:bodyPr/>
-          <a:lstStyle/>
-          <a:p>
-            <a:endParaRPr lang="en-US"/>
-          </a:p>
-        </p:txBody>
-      </p:sp>
-    </p:spTree>
-    <p:extLst>
-      <p:ext uri="{BB962C8B-B14F-4D97-AF65-F5344CB8AC3E}">
-        <p14:creationId xmlns:p14="http://schemas.microsoft.com/office/powerpoint/2010/main" val="2313484960"/>
-      </p:ext>
-    </p:extLst>
-  </p:cSld>
-  <p:clrMapOvr>
-    <a:masterClrMapping/>
-  </p:clrMapOvr>
-</p:sld>
-</file>
-
-<file path=ppt/slides/slide16.xml><?xml version="1.0" encoding="utf-8"?>
-<p:sld xmlns:a="http://schemas.openxmlformats.org/drawingml/2006/main" xmlns:r="http://schemas.openxmlformats.org/officeDocument/2006/relationships" xmlns:p="http://schemas.openxmlformats.org/presentationml/2006/main">
-  <p:cSld>
-    <p:spTree>
-      <p:nvGrpSpPr>
-        <p:cNvPr id="1" name=""/>
-        <p:cNvGrpSpPr/>
-        <p:nvPr/>
-      </p:nvGrpSpPr>
-      <p:grpSpPr>
-        <a:xfrm>
-          <a:off x="0" y="0"/>
-          <a:ext cx="0" cy="0"/>
-          <a:chOff x="0" y="0"/>
-          <a:chExt cx="0" cy="0"/>
-        </a:xfrm>
-      </p:grpSpPr>
-      <p:sp>
-        <p:nvSpPr>
-          <p:cNvPr id="2" name="Title 1">
-            <a:extLst>
-              <a:ext uri="{FF2B5EF4-FFF2-40B4-BE49-F238E27FC236}">
-                <a16:creationId xmlns:a16="http://schemas.microsoft.com/office/drawing/2014/main" id="{AD6BD6CE-2780-B006-3A5C-A5878B8A0C38}"/>
-              </a:ext>
-            </a:extLst>
-          </p:cNvPr>
-          <p:cNvSpPr>
-            <a:spLocks noGrp="1"/>
-          </p:cNvSpPr>
-          <p:nvPr>
-            <p:ph type="title"/>
-          </p:nvPr>
-        </p:nvSpPr>
-        <p:spPr/>
-        <p:txBody>
-          <a:bodyPr/>
-          <a:lstStyle/>
-          <a:p>
-            <a:r>
-              <a:rPr lang="en-US" dirty="0"/>
-              <a:t>File Status</a:t>
-            </a:r>
-          </a:p>
-        </p:txBody>
-      </p:sp>
-      <p:sp>
-        <p:nvSpPr>
-          <p:cNvPr id="4" name="Rectangle 3">
-            <a:extLst>
-              <a:ext uri="{FF2B5EF4-FFF2-40B4-BE49-F238E27FC236}">
-                <a16:creationId xmlns:a16="http://schemas.microsoft.com/office/drawing/2014/main" id="{3F6AAD48-A535-16E9-8D2C-AF18B9C5ADB2}"/>
-              </a:ext>
-            </a:extLst>
-          </p:cNvPr>
-          <p:cNvSpPr/>
-          <p:nvPr/>
-        </p:nvSpPr>
-        <p:spPr>
-          <a:xfrm>
-            <a:off x="1055077" y="1324708"/>
-            <a:ext cx="2110154" cy="586154"/>
-          </a:xfrm>
-          <a:prstGeom prst="rect">
-            <a:avLst/>
-          </a:prstGeom>
-          <a:solidFill>
-            <a:schemeClr val="accent2">
-              <a:lumMod val="20000"/>
-              <a:lumOff val="80000"/>
-            </a:schemeClr>
-          </a:solidFill>
-          <a:ln w="25400"/>
-        </p:spPr>
-        <p:style>
-          <a:lnRef idx="2">
-            <a:schemeClr val="accent3"/>
-          </a:lnRef>
-          <a:fillRef idx="1">
-            <a:schemeClr val="lt1"/>
-          </a:fillRef>
-          <a:effectRef idx="0">
-            <a:schemeClr val="accent3"/>
-          </a:effectRef>
-          <a:fontRef idx="minor">
-            <a:schemeClr val="dk1"/>
-          </a:fontRef>
-        </p:style>
-        <p:txBody>
-          <a:bodyPr rtlCol="0" anchor="ctr"/>
-          <a:lstStyle/>
-          <a:p>
-            <a:pPr algn="ctr"/>
-            <a:r>
-              <a:rPr lang="en-US" dirty="0"/>
-              <a:t>Untracked</a:t>
-            </a:r>
-          </a:p>
-        </p:txBody>
-      </p:sp>
-      <p:sp>
-        <p:nvSpPr>
-          <p:cNvPr id="5" name="Rectangle 4">
-            <a:extLst>
-              <a:ext uri="{FF2B5EF4-FFF2-40B4-BE49-F238E27FC236}">
-                <a16:creationId xmlns:a16="http://schemas.microsoft.com/office/drawing/2014/main" id="{17ECFDD8-F4BD-F3AA-2242-604A45C44DEA}"/>
-              </a:ext>
-            </a:extLst>
-          </p:cNvPr>
-          <p:cNvSpPr/>
-          <p:nvPr/>
-        </p:nvSpPr>
-        <p:spPr>
-          <a:xfrm>
-            <a:off x="6811108" y="1324708"/>
-            <a:ext cx="2110154" cy="586154"/>
-          </a:xfrm>
-          <a:prstGeom prst="rect">
-            <a:avLst/>
-          </a:prstGeom>
-          <a:solidFill>
-            <a:schemeClr val="accent6">
-              <a:lumMod val="40000"/>
-              <a:lumOff val="60000"/>
-            </a:schemeClr>
-          </a:solidFill>
-          <a:ln w="25400"/>
-        </p:spPr>
-        <p:style>
-          <a:lnRef idx="2">
-            <a:schemeClr val="accent3"/>
-          </a:lnRef>
-          <a:fillRef idx="1">
-            <a:schemeClr val="lt1"/>
-          </a:fillRef>
-          <a:effectRef idx="0">
-            <a:schemeClr val="accent3"/>
-          </a:effectRef>
-          <a:fontRef idx="minor">
-            <a:schemeClr val="dk1"/>
-          </a:fontRef>
-        </p:style>
-        <p:txBody>
-          <a:bodyPr rtlCol="0" anchor="ctr"/>
-          <a:lstStyle/>
-          <a:p>
-            <a:pPr algn="ctr"/>
-            <a:r>
-              <a:rPr lang="en-US" dirty="0"/>
-              <a:t>Tracked</a:t>
-            </a:r>
-          </a:p>
-        </p:txBody>
-      </p:sp>
-      <p:sp>
-        <p:nvSpPr>
-          <p:cNvPr id="6" name="Rectangle 5">
-            <a:extLst>
-              <a:ext uri="{FF2B5EF4-FFF2-40B4-BE49-F238E27FC236}">
-                <a16:creationId xmlns:a16="http://schemas.microsoft.com/office/drawing/2014/main" id="{84275FBF-EE78-ADC9-B67F-D7B23B4788B9}"/>
-              </a:ext>
-            </a:extLst>
-          </p:cNvPr>
-          <p:cNvSpPr/>
-          <p:nvPr/>
-        </p:nvSpPr>
-        <p:spPr>
-          <a:xfrm>
-            <a:off x="4378570" y="2064117"/>
-            <a:ext cx="2110154" cy="586154"/>
-          </a:xfrm>
-          <a:prstGeom prst="rect">
-            <a:avLst/>
-          </a:prstGeom>
-          <a:solidFill>
-            <a:schemeClr val="accent6">
-              <a:lumMod val="60000"/>
-              <a:lumOff val="40000"/>
-            </a:schemeClr>
-          </a:solidFill>
-          <a:ln w="25400"/>
-        </p:spPr>
-        <p:style>
-          <a:lnRef idx="2">
-            <a:schemeClr val="accent3"/>
-          </a:lnRef>
-          <a:fillRef idx="1">
-            <a:schemeClr val="lt1"/>
-          </a:fillRef>
-          <a:effectRef idx="0">
-            <a:schemeClr val="accent3"/>
-          </a:effectRef>
-          <a:fontRef idx="minor">
-            <a:schemeClr val="dk1"/>
-          </a:fontRef>
-        </p:style>
-        <p:txBody>
-          <a:bodyPr rtlCol="0" anchor="ctr"/>
-          <a:lstStyle/>
-          <a:p>
-            <a:pPr algn="ctr"/>
-            <a:r>
-              <a:rPr lang="en-US" dirty="0"/>
-              <a:t>Unmodified</a:t>
-            </a:r>
-          </a:p>
-        </p:txBody>
-      </p:sp>
-      <p:sp>
-        <p:nvSpPr>
-          <p:cNvPr id="7" name="Rectangle 6">
-            <a:extLst>
-              <a:ext uri="{FF2B5EF4-FFF2-40B4-BE49-F238E27FC236}">
-                <a16:creationId xmlns:a16="http://schemas.microsoft.com/office/drawing/2014/main" id="{280595BD-9535-E7BE-9239-56FC76462454}"/>
-              </a:ext>
-            </a:extLst>
-          </p:cNvPr>
-          <p:cNvSpPr/>
-          <p:nvPr/>
-        </p:nvSpPr>
-        <p:spPr>
-          <a:xfrm>
-            <a:off x="6811108" y="2064117"/>
-            <a:ext cx="2110154" cy="586154"/>
-          </a:xfrm>
-          <a:prstGeom prst="rect">
-            <a:avLst/>
-          </a:prstGeom>
-          <a:solidFill>
-            <a:schemeClr val="accent6">
-              <a:lumMod val="60000"/>
-              <a:lumOff val="40000"/>
-            </a:schemeClr>
-          </a:solidFill>
-          <a:ln w="25400"/>
-        </p:spPr>
-        <p:style>
-          <a:lnRef idx="2">
-            <a:schemeClr val="accent3"/>
-          </a:lnRef>
-          <a:fillRef idx="1">
-            <a:schemeClr val="lt1"/>
-          </a:fillRef>
-          <a:effectRef idx="0">
-            <a:schemeClr val="accent3"/>
-          </a:effectRef>
-          <a:fontRef idx="minor">
-            <a:schemeClr val="dk1"/>
-          </a:fontRef>
-        </p:style>
-        <p:txBody>
-          <a:bodyPr rtlCol="0" anchor="ctr"/>
-          <a:lstStyle/>
-          <a:p>
-            <a:pPr algn="ctr"/>
-            <a:r>
-              <a:rPr lang="en-US" dirty="0"/>
-              <a:t>Modified</a:t>
-            </a:r>
-          </a:p>
-        </p:txBody>
-      </p:sp>
-      <p:sp>
-        <p:nvSpPr>
-          <p:cNvPr id="8" name="Rectangle 7">
-            <a:extLst>
-              <a:ext uri="{FF2B5EF4-FFF2-40B4-BE49-F238E27FC236}">
-                <a16:creationId xmlns:a16="http://schemas.microsoft.com/office/drawing/2014/main" id="{D084491D-4E4E-2210-15DA-F6D307DE9D89}"/>
-              </a:ext>
-            </a:extLst>
-          </p:cNvPr>
-          <p:cNvSpPr/>
-          <p:nvPr/>
-        </p:nvSpPr>
-        <p:spPr>
-          <a:xfrm>
-            <a:off x="9243646" y="2064117"/>
-            <a:ext cx="2110154" cy="586154"/>
-          </a:xfrm>
-          <a:prstGeom prst="rect">
-            <a:avLst/>
-          </a:prstGeom>
-          <a:solidFill>
-            <a:schemeClr val="accent6">
-              <a:lumMod val="60000"/>
-              <a:lumOff val="40000"/>
-            </a:schemeClr>
-          </a:solidFill>
-          <a:ln w="25400"/>
-        </p:spPr>
-        <p:style>
-          <a:lnRef idx="2">
-            <a:schemeClr val="accent3"/>
-          </a:lnRef>
-          <a:fillRef idx="1">
-            <a:schemeClr val="lt1"/>
-          </a:fillRef>
-          <a:effectRef idx="0">
-            <a:schemeClr val="accent3"/>
-          </a:effectRef>
-          <a:fontRef idx="minor">
-            <a:schemeClr val="dk1"/>
-          </a:fontRef>
-        </p:style>
-        <p:txBody>
-          <a:bodyPr rtlCol="0" anchor="ctr"/>
-          <a:lstStyle/>
-          <a:p>
-            <a:pPr algn="ctr"/>
-            <a:r>
-              <a:rPr lang="en-US" dirty="0"/>
-              <a:t>Staged</a:t>
-            </a:r>
-          </a:p>
-        </p:txBody>
-      </p:sp>
-      <p:cxnSp>
-        <p:nvCxnSpPr>
-          <p:cNvPr id="10" name="Straight Connector 9">
-            <a:extLst>
-              <a:ext uri="{FF2B5EF4-FFF2-40B4-BE49-F238E27FC236}">
-                <a16:creationId xmlns:a16="http://schemas.microsoft.com/office/drawing/2014/main" id="{6B744BFE-3CE7-4B4D-C25E-F4039C56903C}"/>
-              </a:ext>
-            </a:extLst>
-          </p:cNvPr>
-          <p:cNvCxnSpPr>
-            <a:cxnSpLocks/>
-            <a:stCxn id="6" idx="2"/>
-          </p:cNvCxnSpPr>
-          <p:nvPr/>
-        </p:nvCxnSpPr>
-        <p:spPr>
-          <a:xfrm>
-            <a:off x="5433646" y="2650271"/>
-            <a:ext cx="0" cy="3176098"/>
-          </a:xfrm>
-          <a:prstGeom prst="line">
-            <a:avLst/>
-          </a:prstGeom>
-          <a:ln w="31750" cap="flat"/>
-        </p:spPr>
-        <p:style>
-          <a:lnRef idx="1">
-            <a:schemeClr val="accent1"/>
-          </a:lnRef>
-          <a:fillRef idx="0">
-            <a:schemeClr val="accent1"/>
-          </a:fillRef>
-          <a:effectRef idx="0">
-            <a:schemeClr val="accent1"/>
-          </a:effectRef>
-          <a:fontRef idx="minor">
-            <a:schemeClr val="tx1"/>
-          </a:fontRef>
-        </p:style>
-      </p:cxnSp>
-      <p:cxnSp>
-        <p:nvCxnSpPr>
-          <p:cNvPr id="11" name="Straight Connector 10">
-            <a:extLst>
-              <a:ext uri="{FF2B5EF4-FFF2-40B4-BE49-F238E27FC236}">
-                <a16:creationId xmlns:a16="http://schemas.microsoft.com/office/drawing/2014/main" id="{AD910F85-BAA3-574F-6A16-EE1414BC9523}"/>
-              </a:ext>
-            </a:extLst>
-          </p:cNvPr>
-          <p:cNvCxnSpPr>
-            <a:cxnSpLocks/>
-            <a:stCxn id="4" idx="2"/>
-          </p:cNvCxnSpPr>
-          <p:nvPr/>
-        </p:nvCxnSpPr>
-        <p:spPr>
-          <a:xfrm>
-            <a:off x="2110154" y="1910862"/>
-            <a:ext cx="0" cy="3915507"/>
-          </a:xfrm>
-          <a:prstGeom prst="line">
-            <a:avLst/>
-          </a:prstGeom>
-          <a:ln w="31750" cap="flat"/>
-        </p:spPr>
-        <p:style>
-          <a:lnRef idx="1">
-            <a:schemeClr val="accent1"/>
-          </a:lnRef>
-          <a:fillRef idx="0">
-            <a:schemeClr val="accent1"/>
-          </a:fillRef>
-          <a:effectRef idx="0">
-            <a:schemeClr val="accent1"/>
-          </a:effectRef>
-          <a:fontRef idx="minor">
-            <a:schemeClr val="tx1"/>
-          </a:fontRef>
-        </p:style>
-      </p:cxnSp>
-      <p:cxnSp>
-        <p:nvCxnSpPr>
-          <p:cNvPr id="12" name="Straight Connector 11">
-            <a:extLst>
-              <a:ext uri="{FF2B5EF4-FFF2-40B4-BE49-F238E27FC236}">
-                <a16:creationId xmlns:a16="http://schemas.microsoft.com/office/drawing/2014/main" id="{1963976E-1CD1-6F14-A09A-B8DA94C61E53}"/>
-              </a:ext>
-            </a:extLst>
-          </p:cNvPr>
-          <p:cNvCxnSpPr>
-            <a:cxnSpLocks/>
-            <a:stCxn id="7" idx="2"/>
-          </p:cNvCxnSpPr>
-          <p:nvPr/>
-        </p:nvCxnSpPr>
-        <p:spPr>
-          <a:xfrm>
-            <a:off x="7866185" y="2650271"/>
-            <a:ext cx="0" cy="3176098"/>
-          </a:xfrm>
-          <a:prstGeom prst="line">
-            <a:avLst/>
-          </a:prstGeom>
-          <a:ln w="31750" cap="flat"/>
-        </p:spPr>
-        <p:style>
-          <a:lnRef idx="1">
-            <a:schemeClr val="accent1"/>
-          </a:lnRef>
-          <a:fillRef idx="0">
-            <a:schemeClr val="accent1"/>
-          </a:fillRef>
-          <a:effectRef idx="0">
-            <a:schemeClr val="accent1"/>
-          </a:effectRef>
-          <a:fontRef idx="minor">
-            <a:schemeClr val="tx1"/>
-          </a:fontRef>
-        </p:style>
-      </p:cxnSp>
-      <p:cxnSp>
-        <p:nvCxnSpPr>
-          <p:cNvPr id="13" name="Straight Connector 12">
-            <a:extLst>
-              <a:ext uri="{FF2B5EF4-FFF2-40B4-BE49-F238E27FC236}">
-                <a16:creationId xmlns:a16="http://schemas.microsoft.com/office/drawing/2014/main" id="{31C00B5B-7582-9BAE-7D90-159CA83CDF91}"/>
-              </a:ext>
-            </a:extLst>
-          </p:cNvPr>
-          <p:cNvCxnSpPr>
-            <a:cxnSpLocks/>
-            <a:stCxn id="8" idx="2"/>
-          </p:cNvCxnSpPr>
-          <p:nvPr/>
-        </p:nvCxnSpPr>
-        <p:spPr>
-          <a:xfrm>
-            <a:off x="10298723" y="2650271"/>
-            <a:ext cx="0" cy="3176098"/>
-          </a:xfrm>
-          <a:prstGeom prst="line">
-            <a:avLst/>
-          </a:prstGeom>
-          <a:ln w="31750" cap="flat"/>
-        </p:spPr>
-        <p:style>
-          <a:lnRef idx="1">
-            <a:schemeClr val="accent1"/>
-          </a:lnRef>
-          <a:fillRef idx="0">
-            <a:schemeClr val="accent1"/>
-          </a:fillRef>
-          <a:effectRef idx="0">
-            <a:schemeClr val="accent1"/>
-          </a:effectRef>
-          <a:fontRef idx="minor">
-            <a:schemeClr val="tx1"/>
-          </a:fontRef>
-        </p:style>
-      </p:cxnSp>
-      <p:sp>
-        <p:nvSpPr>
-          <p:cNvPr id="24" name="Arrow: Right 23">
-            <a:extLst>
-              <a:ext uri="{FF2B5EF4-FFF2-40B4-BE49-F238E27FC236}">
-                <a16:creationId xmlns:a16="http://schemas.microsoft.com/office/drawing/2014/main" id="{A90E331C-44A9-E1B1-196D-B1F1FDB49D03}"/>
-              </a:ext>
-            </a:extLst>
-          </p:cNvPr>
-          <p:cNvSpPr/>
-          <p:nvPr/>
-        </p:nvSpPr>
-        <p:spPr>
-          <a:xfrm>
-            <a:off x="2110154" y="2860431"/>
-            <a:ext cx="8188569" cy="568569"/>
-          </a:xfrm>
-          <a:prstGeom prst="rightArrow">
-            <a:avLst/>
-          </a:prstGeom>
-          <a:solidFill>
-            <a:schemeClr val="bg2">
-              <a:lumMod val="75000"/>
-            </a:schemeClr>
-          </a:solidFill>
-          <a:ln>
-            <a:solidFill>
-              <a:schemeClr val="tx1"/>
-            </a:solidFill>
-          </a:ln>
-        </p:spPr>
-        <p:style>
-          <a:lnRef idx="2">
-            <a:schemeClr val="accent1">
-              <a:shade val="50000"/>
-            </a:schemeClr>
-          </a:lnRef>
-          <a:fillRef idx="1">
-            <a:schemeClr val="accent1"/>
-          </a:fillRef>
-          <a:effectRef idx="0">
-            <a:schemeClr val="accent1"/>
-          </a:effectRef>
-          <a:fontRef idx="minor">
-            <a:schemeClr val="lt1"/>
-          </a:fontRef>
-        </p:style>
-        <p:txBody>
-          <a:bodyPr rtlCol="0" anchor="ctr"/>
-          <a:lstStyle/>
-          <a:p>
-            <a:r>
-              <a:rPr lang="en-US" dirty="0">
-                <a:solidFill>
-                  <a:sysClr val="windowText" lastClr="000000"/>
-                </a:solidFill>
-              </a:rPr>
-              <a:t>Add the File</a:t>
-            </a:r>
-          </a:p>
-        </p:txBody>
-      </p:sp>
-      <p:sp>
-        <p:nvSpPr>
-          <p:cNvPr id="25" name="Arrow: Right 24">
-            <a:extLst>
-              <a:ext uri="{FF2B5EF4-FFF2-40B4-BE49-F238E27FC236}">
-                <a16:creationId xmlns:a16="http://schemas.microsoft.com/office/drawing/2014/main" id="{D2F48E7A-C036-290D-BBC6-368B70625EF5}"/>
-              </a:ext>
-            </a:extLst>
-          </p:cNvPr>
-          <p:cNvSpPr/>
-          <p:nvPr/>
-        </p:nvSpPr>
-        <p:spPr>
-          <a:xfrm>
-            <a:off x="5433647" y="3558809"/>
-            <a:ext cx="2432538" cy="568569"/>
-          </a:xfrm>
-          <a:prstGeom prst="rightArrow">
-            <a:avLst/>
-          </a:prstGeom>
-          <a:solidFill>
-            <a:schemeClr val="bg2">
-              <a:lumMod val="75000"/>
-            </a:schemeClr>
-          </a:solidFill>
-          <a:ln>
-            <a:solidFill>
-              <a:schemeClr val="tx1"/>
-            </a:solidFill>
-          </a:ln>
-        </p:spPr>
-        <p:style>
-          <a:lnRef idx="2">
-            <a:schemeClr val="accent1">
-              <a:shade val="50000"/>
-            </a:schemeClr>
-          </a:lnRef>
-          <a:fillRef idx="1">
-            <a:schemeClr val="accent1"/>
-          </a:fillRef>
-          <a:effectRef idx="0">
-            <a:schemeClr val="accent1"/>
-          </a:effectRef>
-          <a:fontRef idx="minor">
-            <a:schemeClr val="lt1"/>
-          </a:fontRef>
-        </p:style>
-        <p:txBody>
-          <a:bodyPr rtlCol="0" anchor="ctr"/>
-          <a:lstStyle/>
-          <a:p>
-            <a:r>
-              <a:rPr lang="en-US" dirty="0">
-                <a:solidFill>
-                  <a:sysClr val="windowText" lastClr="000000"/>
-                </a:solidFill>
-              </a:rPr>
-              <a:t>Edit the File</a:t>
-            </a:r>
-          </a:p>
-        </p:txBody>
-      </p:sp>
-      <p:sp>
-        <p:nvSpPr>
-          <p:cNvPr id="26" name="Arrow: Right 25">
-            <a:extLst>
-              <a:ext uri="{FF2B5EF4-FFF2-40B4-BE49-F238E27FC236}">
-                <a16:creationId xmlns:a16="http://schemas.microsoft.com/office/drawing/2014/main" id="{B7DE77BC-9616-BBCD-B162-3F88BCCD1BA6}"/>
-              </a:ext>
-            </a:extLst>
-          </p:cNvPr>
-          <p:cNvSpPr/>
-          <p:nvPr/>
-        </p:nvSpPr>
-        <p:spPr>
-          <a:xfrm>
-            <a:off x="7866185" y="4124020"/>
-            <a:ext cx="2432538" cy="568569"/>
-          </a:xfrm>
-          <a:prstGeom prst="rightArrow">
-            <a:avLst/>
-          </a:prstGeom>
-          <a:solidFill>
-            <a:schemeClr val="bg2">
-              <a:lumMod val="75000"/>
-            </a:schemeClr>
-          </a:solidFill>
-          <a:ln>
-            <a:solidFill>
-              <a:schemeClr val="tx1"/>
-            </a:solidFill>
-          </a:ln>
-        </p:spPr>
-        <p:style>
-          <a:lnRef idx="2">
-            <a:schemeClr val="accent1">
-              <a:shade val="50000"/>
-            </a:schemeClr>
-          </a:lnRef>
-          <a:fillRef idx="1">
-            <a:schemeClr val="accent1"/>
-          </a:fillRef>
-          <a:effectRef idx="0">
-            <a:schemeClr val="accent1"/>
-          </a:effectRef>
-          <a:fontRef idx="minor">
-            <a:schemeClr val="lt1"/>
-          </a:fontRef>
-        </p:style>
-        <p:txBody>
-          <a:bodyPr rtlCol="0" anchor="ctr"/>
-          <a:lstStyle/>
-          <a:p>
-            <a:r>
-              <a:rPr lang="en-US" dirty="0">
-                <a:solidFill>
-                  <a:sysClr val="windowText" lastClr="000000"/>
-                </a:solidFill>
-              </a:rPr>
-              <a:t>Stage the File</a:t>
-            </a:r>
-          </a:p>
-        </p:txBody>
-      </p:sp>
-      <p:sp>
-        <p:nvSpPr>
-          <p:cNvPr id="27" name="Arrow: Right 26">
-            <a:extLst>
-              <a:ext uri="{FF2B5EF4-FFF2-40B4-BE49-F238E27FC236}">
-                <a16:creationId xmlns:a16="http://schemas.microsoft.com/office/drawing/2014/main" id="{7D5480ED-3C6F-4FF0-A6F5-D63B28953BC4}"/>
-              </a:ext>
-            </a:extLst>
-          </p:cNvPr>
-          <p:cNvSpPr/>
-          <p:nvPr/>
-        </p:nvSpPr>
-        <p:spPr>
-          <a:xfrm flipH="1">
-            <a:off x="2110151" y="4258042"/>
-            <a:ext cx="3323493" cy="568569"/>
-          </a:xfrm>
-          <a:prstGeom prst="rightArrow">
-            <a:avLst/>
-          </a:prstGeom>
-          <a:solidFill>
-            <a:schemeClr val="bg2">
-              <a:lumMod val="75000"/>
-            </a:schemeClr>
-          </a:solidFill>
-          <a:ln>
-            <a:solidFill>
-              <a:schemeClr val="tx1"/>
-            </a:solidFill>
-          </a:ln>
-        </p:spPr>
-        <p:style>
-          <a:lnRef idx="2">
-            <a:schemeClr val="accent1">
-              <a:shade val="50000"/>
-            </a:schemeClr>
-          </a:lnRef>
-          <a:fillRef idx="1">
-            <a:schemeClr val="accent1"/>
-          </a:fillRef>
-          <a:effectRef idx="0">
-            <a:schemeClr val="accent1"/>
-          </a:effectRef>
-          <a:fontRef idx="minor">
-            <a:schemeClr val="lt1"/>
-          </a:fontRef>
-        </p:style>
-        <p:txBody>
-          <a:bodyPr rtlCol="0" anchor="ctr"/>
-          <a:lstStyle/>
-          <a:p>
-            <a:r>
-              <a:rPr lang="en-US" dirty="0">
-                <a:solidFill>
-                  <a:sysClr val="windowText" lastClr="000000"/>
-                </a:solidFill>
-              </a:rPr>
-              <a:t>Remove the File</a:t>
-            </a:r>
-          </a:p>
-        </p:txBody>
-      </p:sp>
-      <p:sp>
-        <p:nvSpPr>
-          <p:cNvPr id="28" name="Arrow: Right 27">
-            <a:extLst>
-              <a:ext uri="{FF2B5EF4-FFF2-40B4-BE49-F238E27FC236}">
-                <a16:creationId xmlns:a16="http://schemas.microsoft.com/office/drawing/2014/main" id="{3D190850-9B8C-50D9-4237-F44E6CA94FAE}"/>
-              </a:ext>
-            </a:extLst>
-          </p:cNvPr>
-          <p:cNvSpPr/>
-          <p:nvPr/>
-        </p:nvSpPr>
-        <p:spPr>
-          <a:xfrm flipH="1">
-            <a:off x="5433643" y="5103324"/>
-            <a:ext cx="4865079" cy="568569"/>
-          </a:xfrm>
-          <a:prstGeom prst="rightArrow">
-            <a:avLst/>
-          </a:prstGeom>
-          <a:solidFill>
-            <a:schemeClr val="bg2">
-              <a:lumMod val="75000"/>
-            </a:schemeClr>
-          </a:solidFill>
-          <a:ln>
-            <a:solidFill>
-              <a:schemeClr val="tx1"/>
-            </a:solidFill>
-          </a:ln>
-        </p:spPr>
-        <p:style>
-          <a:lnRef idx="2">
-            <a:schemeClr val="accent1">
-              <a:shade val="50000"/>
-            </a:schemeClr>
-          </a:lnRef>
-          <a:fillRef idx="1">
-            <a:schemeClr val="accent1"/>
-          </a:fillRef>
-          <a:effectRef idx="0">
-            <a:schemeClr val="accent1"/>
-          </a:effectRef>
-          <a:fontRef idx="minor">
-            <a:schemeClr val="lt1"/>
-          </a:fontRef>
-        </p:style>
-        <p:txBody>
-          <a:bodyPr rtlCol="0" anchor="ctr"/>
-          <a:lstStyle/>
-          <a:p>
-            <a:r>
-              <a:rPr lang="en-US" dirty="0">
-                <a:solidFill>
-                  <a:sysClr val="windowText" lastClr="000000"/>
-                </a:solidFill>
-              </a:rPr>
-              <a:t>Commit</a:t>
-            </a:r>
-          </a:p>
-        </p:txBody>
-      </p:sp>
-    </p:spTree>
-    <p:extLst>
-      <p:ext uri="{BB962C8B-B14F-4D97-AF65-F5344CB8AC3E}">
-        <p14:creationId xmlns:p14="http://schemas.microsoft.com/office/powerpoint/2010/main" val="2915881258"/>
-      </p:ext>
-    </p:extLst>
-  </p:cSld>
-  <p:clrMapOvr>
-    <a:masterClrMapping/>
-  </p:clrMapOvr>
-</p:sld>
-</file>
-
-<file path=ppt/slides/slide2.xml><?xml version="1.0" encoding="utf-8"?>
-<p:sld xmlns:a="http://schemas.openxmlformats.org/drawingml/2006/main" xmlns:r="http://schemas.openxmlformats.org/officeDocument/2006/relationships" xmlns:p="http://schemas.openxmlformats.org/presentationml/2006/main">
-  <p:cSld>
-    <p:spTree>
-      <p:nvGrpSpPr>
-        <p:cNvPr id="1" name=""/>
-        <p:cNvGrpSpPr/>
-        <p:nvPr/>
-      </p:nvGrpSpPr>
-      <p:grpSpPr>
-        <a:xfrm>
-          <a:off x="0" y="0"/>
-          <a:ext cx="0" cy="0"/>
-          <a:chOff x="0" y="0"/>
-          <a:chExt cx="0" cy="0"/>
-        </a:xfrm>
-      </p:grpSpPr>
-      <p:sp>
-        <p:nvSpPr>
-          <p:cNvPr id="4" name="Title 3">
-            <a:extLst>
-              <a:ext uri="{FF2B5EF4-FFF2-40B4-BE49-F238E27FC236}">
-                <a16:creationId xmlns:a16="http://schemas.microsoft.com/office/drawing/2014/main" id="{038E078A-2A1E-61FD-A7EB-BEF3E8F01849}"/>
-              </a:ext>
-            </a:extLst>
-          </p:cNvPr>
-          <p:cNvSpPr>
-            <a:spLocks noGrp="1"/>
-          </p:cNvSpPr>
-          <p:nvPr>
-            <p:ph type="title"/>
-          </p:nvPr>
-        </p:nvSpPr>
-        <p:spPr/>
-        <p:txBody>
-          <a:bodyPr/>
-          <a:lstStyle/>
-          <a:p>
-            <a:r>
-              <a:rPr lang="en-US" dirty="0"/>
-              <a:t>Git Basics</a:t>
-            </a:r>
-          </a:p>
-        </p:txBody>
-      </p:sp>
-      <p:sp>
-        <p:nvSpPr>
-          <p:cNvPr id="5" name="Text Placeholder 4">
-            <a:extLst>
-              <a:ext uri="{FF2B5EF4-FFF2-40B4-BE49-F238E27FC236}">
-                <a16:creationId xmlns:a16="http://schemas.microsoft.com/office/drawing/2014/main" id="{48C13A2D-FFD2-C5D1-AE63-150CED8B3E03}"/>
-              </a:ext>
-            </a:extLst>
-          </p:cNvPr>
-          <p:cNvSpPr>
-            <a:spLocks noGrp="1"/>
-          </p:cNvSpPr>
-          <p:nvPr>
-            <p:ph type="body" idx="1"/>
-          </p:nvPr>
-        </p:nvSpPr>
-        <p:spPr/>
-        <p:txBody>
-          <a:bodyPr/>
-          <a:lstStyle/>
-          <a:p>
-            <a:endParaRPr lang="en-US" dirty="0"/>
-          </a:p>
-        </p:txBody>
-      </p:sp>
-    </p:spTree>
-    <p:extLst>
-      <p:ext uri="{BB962C8B-B14F-4D97-AF65-F5344CB8AC3E}">
-        <p14:creationId xmlns:p14="http://schemas.microsoft.com/office/powerpoint/2010/main" val="3121781869"/>
       </p:ext>
     </p:extLst>
   </p:cSld>
@@ -18347,12 +19893,12 @@
         <p:spPr>
           <a:xfrm>
             <a:off x="838201" y="1500555"/>
-            <a:ext cx="5257799" cy="4853353"/>
+            <a:ext cx="5257799" cy="2426343"/>
           </a:xfrm>
         </p:spPr>
         <p:txBody>
           <a:bodyPr>
-            <a:normAutofit fontScale="92500" lnSpcReduction="20000"/>
+            <a:normAutofit/>
           </a:bodyPr>
           <a:lstStyle/>
           <a:p>
@@ -18362,84 +19908,21 @@
             </a:r>
           </a:p>
           <a:p>
-            <a:pPr lvl="1"/>
-            <a:r>
-              <a:rPr lang="en-US" dirty="0"/>
-              <a:t>Most operations only need local files and resources</a:t>
-            </a:r>
-          </a:p>
-          <a:p>
-            <a:pPr lvl="1"/>
-            <a:r>
-              <a:rPr lang="en-US" dirty="0"/>
-              <a:t>Browse history of the project doesn’t need to go out to a server; reads from the local database</a:t>
-            </a:r>
-          </a:p>
-          <a:p>
-            <a:pPr lvl="1"/>
-            <a:r>
-              <a:rPr lang="en-US" dirty="0"/>
-              <a:t>See changes between versions of a file and do a local difference calculation</a:t>
-            </a:r>
-          </a:p>
-          <a:p>
             <a:r>
               <a:rPr lang="en-US" dirty="0"/>
               <a:t>Git Integrity</a:t>
             </a:r>
           </a:p>
           <a:p>
-            <a:pPr lvl="1"/>
-            <a:r>
-              <a:rPr lang="en-US" dirty="0"/>
-              <a:t>Everything in Git is check-summed before stored and referred to by that checksum</a:t>
-            </a:r>
-          </a:p>
-          <a:p>
-            <a:pPr lvl="1"/>
-            <a:r>
-              <a:rPr lang="en-US" dirty="0"/>
-              <a:t>The mechanism used for check-summing is SHA-1 hash; a 40-character string composed of hexadecimal characters (0-9 and a-f)</a:t>
-            </a:r>
-          </a:p>
-          <a:p>
             <a:r>
               <a:rPr lang="en-US" dirty="0"/>
               <a:t>Git Generally Only Adds Data</a:t>
             </a:r>
           </a:p>
           <a:p>
-            <a:pPr lvl="1"/>
-            <a:r>
-              <a:rPr lang="en-US" dirty="0"/>
-              <a:t>Nearly all actions add data to the Git database</a:t>
-            </a:r>
-          </a:p>
-          <a:p>
-            <a:pPr lvl="1"/>
-            <a:r>
-              <a:rPr lang="en-US" dirty="0"/>
-              <a:t>Hard to get the system to undo or erase data in any way</a:t>
-            </a:r>
-          </a:p>
-          <a:p>
             <a:r>
               <a:rPr lang="en-US" dirty="0"/>
               <a:t>Distributed system that clients fully mirror the repository</a:t>
-            </a:r>
-          </a:p>
-          <a:p>
-            <a:pPr lvl="1"/>
-            <a:r>
-              <a:rPr lang="en-US" dirty="0"/>
-              <a:t>Acting like a backup</a:t>
-            </a:r>
-          </a:p>
-          <a:p>
-            <a:pPr lvl="1"/>
-            <a:r>
-              <a:rPr lang="en-US" dirty="0"/>
-              <a:t>Collaboration working freely on any file at any time</a:t>
             </a:r>
           </a:p>
         </p:txBody>
@@ -18458,8 +19941,8 @@
         </p:nvGrpSpPr>
         <p:grpSpPr>
           <a:xfrm>
-            <a:off x="6248398" y="2713388"/>
-            <a:ext cx="5603631" cy="1798285"/>
+            <a:off x="3447738" y="3429000"/>
+            <a:ext cx="7250049" cy="2348938"/>
             <a:chOff x="2039814" y="4694588"/>
             <a:chExt cx="5603631" cy="1798285"/>
           </a:xfrm>
@@ -19841,7 +21324,7 @@
           <p:cNvPr id="2" name="Title 1">
             <a:extLst>
               <a:ext uri="{FF2B5EF4-FFF2-40B4-BE49-F238E27FC236}">
-                <a16:creationId xmlns:a16="http://schemas.microsoft.com/office/drawing/2014/main" id="{B345AB23-982E-B1A0-7B34-DAAD31E00549}"/>
+                <a16:creationId xmlns:a16="http://schemas.microsoft.com/office/drawing/2014/main" id="{AD6BD6CE-2780-B006-3A5C-A5878B8A0C38}"/>
               </a:ext>
             </a:extLst>
           </p:cNvPr>
@@ -19859,35 +21342,747 @@
           <a:p>
             <a:r>
               <a:rPr lang="en-US" dirty="0"/>
-              <a:t>Git Installation and Setup</a:t>
+              <a:t>File Status</a:t>
             </a:r>
           </a:p>
         </p:txBody>
       </p:sp>
       <p:sp>
         <p:nvSpPr>
-          <p:cNvPr id="3" name="Text Placeholder 2">
+          <p:cNvPr id="4" name="Rectangle 3">
             <a:extLst>
               <a:ext uri="{FF2B5EF4-FFF2-40B4-BE49-F238E27FC236}">
-                <a16:creationId xmlns:a16="http://schemas.microsoft.com/office/drawing/2014/main" id="{B08B4BBB-84A9-0896-6819-7EC27DE9A524}"/>
+                <a16:creationId xmlns:a16="http://schemas.microsoft.com/office/drawing/2014/main" id="{3F6AAD48-A535-16E9-8D2C-AF18B9C5ADB2}"/>
               </a:ext>
             </a:extLst>
           </p:cNvPr>
-          <p:cNvSpPr>
-            <a:spLocks noGrp="1"/>
-          </p:cNvSpPr>
-          <p:nvPr>
-            <p:ph type="body" idx="1"/>
-          </p:nvPr>
-        </p:nvSpPr>
-        <p:spPr/>
+          <p:cNvSpPr/>
+          <p:nvPr/>
+        </p:nvSpPr>
+        <p:spPr>
+          <a:xfrm>
+            <a:off x="1055077" y="1324708"/>
+            <a:ext cx="2110154" cy="586154"/>
+          </a:xfrm>
+          <a:prstGeom prst="rect">
+            <a:avLst/>
+          </a:prstGeom>
+          <a:solidFill>
+            <a:schemeClr val="accent2">
+              <a:lumMod val="20000"/>
+              <a:lumOff val="80000"/>
+            </a:schemeClr>
+          </a:solidFill>
+          <a:ln w="25400"/>
+        </p:spPr>
+        <p:style>
+          <a:lnRef idx="2">
+            <a:schemeClr val="accent3"/>
+          </a:lnRef>
+          <a:fillRef idx="1">
+            <a:schemeClr val="lt1"/>
+          </a:fillRef>
+          <a:effectRef idx="0">
+            <a:schemeClr val="accent3"/>
+          </a:effectRef>
+          <a:fontRef idx="minor">
+            <a:schemeClr val="dk1"/>
+          </a:fontRef>
+        </p:style>
         <p:txBody>
-          <a:bodyPr/>
+          <a:bodyPr rtlCol="0" anchor="ctr"/>
           <a:lstStyle/>
           <a:p>
+            <a:pPr algn="ctr"/>
             <a:r>
               <a:rPr lang="en-US" dirty="0"/>
-              <a:t>Installation on Windows, VS Code and first-time setup</a:t>
+              <a:t>Untracked</a:t>
+            </a:r>
+          </a:p>
+        </p:txBody>
+      </p:sp>
+      <p:sp>
+        <p:nvSpPr>
+          <p:cNvPr id="5" name="Rectangle 4">
+            <a:extLst>
+              <a:ext uri="{FF2B5EF4-FFF2-40B4-BE49-F238E27FC236}">
+                <a16:creationId xmlns:a16="http://schemas.microsoft.com/office/drawing/2014/main" id="{17ECFDD8-F4BD-F3AA-2242-604A45C44DEA}"/>
+              </a:ext>
+            </a:extLst>
+          </p:cNvPr>
+          <p:cNvSpPr/>
+          <p:nvPr/>
+        </p:nvSpPr>
+        <p:spPr>
+          <a:xfrm>
+            <a:off x="6811108" y="1324708"/>
+            <a:ext cx="2110154" cy="586154"/>
+          </a:xfrm>
+          <a:prstGeom prst="rect">
+            <a:avLst/>
+          </a:prstGeom>
+          <a:solidFill>
+            <a:schemeClr val="accent6">
+              <a:lumMod val="40000"/>
+              <a:lumOff val="60000"/>
+            </a:schemeClr>
+          </a:solidFill>
+          <a:ln w="25400"/>
+        </p:spPr>
+        <p:style>
+          <a:lnRef idx="2">
+            <a:schemeClr val="accent3"/>
+          </a:lnRef>
+          <a:fillRef idx="1">
+            <a:schemeClr val="lt1"/>
+          </a:fillRef>
+          <a:effectRef idx="0">
+            <a:schemeClr val="accent3"/>
+          </a:effectRef>
+          <a:fontRef idx="minor">
+            <a:schemeClr val="dk1"/>
+          </a:fontRef>
+        </p:style>
+        <p:txBody>
+          <a:bodyPr rtlCol="0" anchor="ctr"/>
+          <a:lstStyle/>
+          <a:p>
+            <a:pPr algn="ctr"/>
+            <a:r>
+              <a:rPr lang="en-US" dirty="0"/>
+              <a:t>Tracked</a:t>
+            </a:r>
+          </a:p>
+        </p:txBody>
+      </p:sp>
+      <p:sp>
+        <p:nvSpPr>
+          <p:cNvPr id="6" name="Rectangle 5">
+            <a:extLst>
+              <a:ext uri="{FF2B5EF4-FFF2-40B4-BE49-F238E27FC236}">
+                <a16:creationId xmlns:a16="http://schemas.microsoft.com/office/drawing/2014/main" id="{84275FBF-EE78-ADC9-B67F-D7B23B4788B9}"/>
+              </a:ext>
+            </a:extLst>
+          </p:cNvPr>
+          <p:cNvSpPr/>
+          <p:nvPr/>
+        </p:nvSpPr>
+        <p:spPr>
+          <a:xfrm>
+            <a:off x="4378570" y="2064117"/>
+            <a:ext cx="2110154" cy="586154"/>
+          </a:xfrm>
+          <a:prstGeom prst="rect">
+            <a:avLst/>
+          </a:prstGeom>
+          <a:solidFill>
+            <a:schemeClr val="accent6">
+              <a:lumMod val="60000"/>
+              <a:lumOff val="40000"/>
+            </a:schemeClr>
+          </a:solidFill>
+          <a:ln w="25400"/>
+        </p:spPr>
+        <p:style>
+          <a:lnRef idx="2">
+            <a:schemeClr val="accent3"/>
+          </a:lnRef>
+          <a:fillRef idx="1">
+            <a:schemeClr val="lt1"/>
+          </a:fillRef>
+          <a:effectRef idx="0">
+            <a:schemeClr val="accent3"/>
+          </a:effectRef>
+          <a:fontRef idx="minor">
+            <a:schemeClr val="dk1"/>
+          </a:fontRef>
+        </p:style>
+        <p:txBody>
+          <a:bodyPr rtlCol="0" anchor="ctr"/>
+          <a:lstStyle/>
+          <a:p>
+            <a:pPr algn="ctr"/>
+            <a:r>
+              <a:rPr lang="en-US" dirty="0"/>
+              <a:t>Unmodified</a:t>
+            </a:r>
+          </a:p>
+        </p:txBody>
+      </p:sp>
+      <p:sp>
+        <p:nvSpPr>
+          <p:cNvPr id="7" name="Rectangle 6">
+            <a:extLst>
+              <a:ext uri="{FF2B5EF4-FFF2-40B4-BE49-F238E27FC236}">
+                <a16:creationId xmlns:a16="http://schemas.microsoft.com/office/drawing/2014/main" id="{280595BD-9535-E7BE-9239-56FC76462454}"/>
+              </a:ext>
+            </a:extLst>
+          </p:cNvPr>
+          <p:cNvSpPr/>
+          <p:nvPr/>
+        </p:nvSpPr>
+        <p:spPr>
+          <a:xfrm>
+            <a:off x="6811108" y="2064117"/>
+            <a:ext cx="2110154" cy="586154"/>
+          </a:xfrm>
+          <a:prstGeom prst="rect">
+            <a:avLst/>
+          </a:prstGeom>
+          <a:solidFill>
+            <a:schemeClr val="accent6">
+              <a:lumMod val="60000"/>
+              <a:lumOff val="40000"/>
+            </a:schemeClr>
+          </a:solidFill>
+          <a:ln w="25400"/>
+        </p:spPr>
+        <p:style>
+          <a:lnRef idx="2">
+            <a:schemeClr val="accent3"/>
+          </a:lnRef>
+          <a:fillRef idx="1">
+            <a:schemeClr val="lt1"/>
+          </a:fillRef>
+          <a:effectRef idx="0">
+            <a:schemeClr val="accent3"/>
+          </a:effectRef>
+          <a:fontRef idx="minor">
+            <a:schemeClr val="dk1"/>
+          </a:fontRef>
+        </p:style>
+        <p:txBody>
+          <a:bodyPr rtlCol="0" anchor="ctr"/>
+          <a:lstStyle/>
+          <a:p>
+            <a:pPr algn="ctr"/>
+            <a:r>
+              <a:rPr lang="en-US" dirty="0"/>
+              <a:t>Modified</a:t>
+            </a:r>
+          </a:p>
+        </p:txBody>
+      </p:sp>
+      <p:sp>
+        <p:nvSpPr>
+          <p:cNvPr id="8" name="Rectangle 7">
+            <a:extLst>
+              <a:ext uri="{FF2B5EF4-FFF2-40B4-BE49-F238E27FC236}">
+                <a16:creationId xmlns:a16="http://schemas.microsoft.com/office/drawing/2014/main" id="{D084491D-4E4E-2210-15DA-F6D307DE9D89}"/>
+              </a:ext>
+            </a:extLst>
+          </p:cNvPr>
+          <p:cNvSpPr/>
+          <p:nvPr/>
+        </p:nvSpPr>
+        <p:spPr>
+          <a:xfrm>
+            <a:off x="9243646" y="2064117"/>
+            <a:ext cx="2110154" cy="586154"/>
+          </a:xfrm>
+          <a:prstGeom prst="rect">
+            <a:avLst/>
+          </a:prstGeom>
+          <a:solidFill>
+            <a:schemeClr val="accent6">
+              <a:lumMod val="60000"/>
+              <a:lumOff val="40000"/>
+            </a:schemeClr>
+          </a:solidFill>
+          <a:ln w="25400"/>
+        </p:spPr>
+        <p:style>
+          <a:lnRef idx="2">
+            <a:schemeClr val="accent3"/>
+          </a:lnRef>
+          <a:fillRef idx="1">
+            <a:schemeClr val="lt1"/>
+          </a:fillRef>
+          <a:effectRef idx="0">
+            <a:schemeClr val="accent3"/>
+          </a:effectRef>
+          <a:fontRef idx="minor">
+            <a:schemeClr val="dk1"/>
+          </a:fontRef>
+        </p:style>
+        <p:txBody>
+          <a:bodyPr rtlCol="0" anchor="ctr"/>
+          <a:lstStyle/>
+          <a:p>
+            <a:pPr algn="ctr"/>
+            <a:r>
+              <a:rPr lang="en-US" dirty="0"/>
+              <a:t>Staged</a:t>
+            </a:r>
+          </a:p>
+        </p:txBody>
+      </p:sp>
+      <p:cxnSp>
+        <p:nvCxnSpPr>
+          <p:cNvPr id="10" name="Straight Connector 9">
+            <a:extLst>
+              <a:ext uri="{FF2B5EF4-FFF2-40B4-BE49-F238E27FC236}">
+                <a16:creationId xmlns:a16="http://schemas.microsoft.com/office/drawing/2014/main" id="{6B744BFE-3CE7-4B4D-C25E-F4039C56903C}"/>
+              </a:ext>
+            </a:extLst>
+          </p:cNvPr>
+          <p:cNvCxnSpPr>
+            <a:cxnSpLocks/>
+            <a:stCxn id="6" idx="2"/>
+          </p:cNvCxnSpPr>
+          <p:nvPr/>
+        </p:nvCxnSpPr>
+        <p:spPr>
+          <a:xfrm>
+            <a:off x="5433646" y="2650271"/>
+            <a:ext cx="0" cy="3176098"/>
+          </a:xfrm>
+          <a:prstGeom prst="line">
+            <a:avLst/>
+          </a:prstGeom>
+          <a:ln w="31750" cap="flat"/>
+        </p:spPr>
+        <p:style>
+          <a:lnRef idx="1">
+            <a:schemeClr val="accent1"/>
+          </a:lnRef>
+          <a:fillRef idx="0">
+            <a:schemeClr val="accent1"/>
+          </a:fillRef>
+          <a:effectRef idx="0">
+            <a:schemeClr val="accent1"/>
+          </a:effectRef>
+          <a:fontRef idx="minor">
+            <a:schemeClr val="tx1"/>
+          </a:fontRef>
+        </p:style>
+      </p:cxnSp>
+      <p:cxnSp>
+        <p:nvCxnSpPr>
+          <p:cNvPr id="11" name="Straight Connector 10">
+            <a:extLst>
+              <a:ext uri="{FF2B5EF4-FFF2-40B4-BE49-F238E27FC236}">
+                <a16:creationId xmlns:a16="http://schemas.microsoft.com/office/drawing/2014/main" id="{AD910F85-BAA3-574F-6A16-EE1414BC9523}"/>
+              </a:ext>
+            </a:extLst>
+          </p:cNvPr>
+          <p:cNvCxnSpPr>
+            <a:cxnSpLocks/>
+            <a:stCxn id="4" idx="2"/>
+          </p:cNvCxnSpPr>
+          <p:nvPr/>
+        </p:nvCxnSpPr>
+        <p:spPr>
+          <a:xfrm>
+            <a:off x="2110154" y="1910862"/>
+            <a:ext cx="0" cy="3915507"/>
+          </a:xfrm>
+          <a:prstGeom prst="line">
+            <a:avLst/>
+          </a:prstGeom>
+          <a:ln w="31750" cap="flat"/>
+        </p:spPr>
+        <p:style>
+          <a:lnRef idx="1">
+            <a:schemeClr val="accent1"/>
+          </a:lnRef>
+          <a:fillRef idx="0">
+            <a:schemeClr val="accent1"/>
+          </a:fillRef>
+          <a:effectRef idx="0">
+            <a:schemeClr val="accent1"/>
+          </a:effectRef>
+          <a:fontRef idx="minor">
+            <a:schemeClr val="tx1"/>
+          </a:fontRef>
+        </p:style>
+      </p:cxnSp>
+      <p:cxnSp>
+        <p:nvCxnSpPr>
+          <p:cNvPr id="12" name="Straight Connector 11">
+            <a:extLst>
+              <a:ext uri="{FF2B5EF4-FFF2-40B4-BE49-F238E27FC236}">
+                <a16:creationId xmlns:a16="http://schemas.microsoft.com/office/drawing/2014/main" id="{1963976E-1CD1-6F14-A09A-B8DA94C61E53}"/>
+              </a:ext>
+            </a:extLst>
+          </p:cNvPr>
+          <p:cNvCxnSpPr>
+            <a:cxnSpLocks/>
+            <a:stCxn id="7" idx="2"/>
+          </p:cNvCxnSpPr>
+          <p:nvPr/>
+        </p:nvCxnSpPr>
+        <p:spPr>
+          <a:xfrm>
+            <a:off x="7866185" y="2650271"/>
+            <a:ext cx="0" cy="3176098"/>
+          </a:xfrm>
+          <a:prstGeom prst="line">
+            <a:avLst/>
+          </a:prstGeom>
+          <a:ln w="31750" cap="flat"/>
+        </p:spPr>
+        <p:style>
+          <a:lnRef idx="1">
+            <a:schemeClr val="accent1"/>
+          </a:lnRef>
+          <a:fillRef idx="0">
+            <a:schemeClr val="accent1"/>
+          </a:fillRef>
+          <a:effectRef idx="0">
+            <a:schemeClr val="accent1"/>
+          </a:effectRef>
+          <a:fontRef idx="minor">
+            <a:schemeClr val="tx1"/>
+          </a:fontRef>
+        </p:style>
+      </p:cxnSp>
+      <p:cxnSp>
+        <p:nvCxnSpPr>
+          <p:cNvPr id="13" name="Straight Connector 12">
+            <a:extLst>
+              <a:ext uri="{FF2B5EF4-FFF2-40B4-BE49-F238E27FC236}">
+                <a16:creationId xmlns:a16="http://schemas.microsoft.com/office/drawing/2014/main" id="{31C00B5B-7582-9BAE-7D90-159CA83CDF91}"/>
+              </a:ext>
+            </a:extLst>
+          </p:cNvPr>
+          <p:cNvCxnSpPr>
+            <a:cxnSpLocks/>
+            <a:stCxn id="8" idx="2"/>
+          </p:cNvCxnSpPr>
+          <p:nvPr/>
+        </p:nvCxnSpPr>
+        <p:spPr>
+          <a:xfrm>
+            <a:off x="10298723" y="2650271"/>
+            <a:ext cx="0" cy="3176098"/>
+          </a:xfrm>
+          <a:prstGeom prst="line">
+            <a:avLst/>
+          </a:prstGeom>
+          <a:ln w="31750" cap="flat"/>
+        </p:spPr>
+        <p:style>
+          <a:lnRef idx="1">
+            <a:schemeClr val="accent1"/>
+          </a:lnRef>
+          <a:fillRef idx="0">
+            <a:schemeClr val="accent1"/>
+          </a:fillRef>
+          <a:effectRef idx="0">
+            <a:schemeClr val="accent1"/>
+          </a:effectRef>
+          <a:fontRef idx="minor">
+            <a:schemeClr val="tx1"/>
+          </a:fontRef>
+        </p:style>
+      </p:cxnSp>
+      <p:sp>
+        <p:nvSpPr>
+          <p:cNvPr id="24" name="Arrow: Right 23">
+            <a:extLst>
+              <a:ext uri="{FF2B5EF4-FFF2-40B4-BE49-F238E27FC236}">
+                <a16:creationId xmlns:a16="http://schemas.microsoft.com/office/drawing/2014/main" id="{A90E331C-44A9-E1B1-196D-B1F1FDB49D03}"/>
+              </a:ext>
+            </a:extLst>
+          </p:cNvPr>
+          <p:cNvSpPr/>
+          <p:nvPr/>
+        </p:nvSpPr>
+        <p:spPr>
+          <a:xfrm>
+            <a:off x="2110154" y="2860431"/>
+            <a:ext cx="8188569" cy="568569"/>
+          </a:xfrm>
+          <a:prstGeom prst="rightArrow">
+            <a:avLst/>
+          </a:prstGeom>
+          <a:solidFill>
+            <a:schemeClr val="bg2">
+              <a:lumMod val="75000"/>
+            </a:schemeClr>
+          </a:solidFill>
+          <a:ln>
+            <a:solidFill>
+              <a:schemeClr val="tx1"/>
+            </a:solidFill>
+          </a:ln>
+        </p:spPr>
+        <p:style>
+          <a:lnRef idx="2">
+            <a:schemeClr val="accent1">
+              <a:shade val="50000"/>
+            </a:schemeClr>
+          </a:lnRef>
+          <a:fillRef idx="1">
+            <a:schemeClr val="accent1"/>
+          </a:fillRef>
+          <a:effectRef idx="0">
+            <a:schemeClr val="accent1"/>
+          </a:effectRef>
+          <a:fontRef idx="minor">
+            <a:schemeClr val="lt1"/>
+          </a:fontRef>
+        </p:style>
+        <p:txBody>
+          <a:bodyPr rtlCol="0" anchor="ctr"/>
+          <a:lstStyle/>
+          <a:p>
+            <a:r>
+              <a:rPr lang="en-US" dirty="0">
+                <a:solidFill>
+                  <a:sysClr val="windowText" lastClr="000000"/>
+                </a:solidFill>
+              </a:rPr>
+              <a:t>Add the File</a:t>
+            </a:r>
+          </a:p>
+        </p:txBody>
+      </p:sp>
+      <p:sp>
+        <p:nvSpPr>
+          <p:cNvPr id="25" name="Arrow: Right 24">
+            <a:extLst>
+              <a:ext uri="{FF2B5EF4-FFF2-40B4-BE49-F238E27FC236}">
+                <a16:creationId xmlns:a16="http://schemas.microsoft.com/office/drawing/2014/main" id="{D2F48E7A-C036-290D-BBC6-368B70625EF5}"/>
+              </a:ext>
+            </a:extLst>
+          </p:cNvPr>
+          <p:cNvSpPr/>
+          <p:nvPr/>
+        </p:nvSpPr>
+        <p:spPr>
+          <a:xfrm>
+            <a:off x="5433647" y="3558809"/>
+            <a:ext cx="2432538" cy="568569"/>
+          </a:xfrm>
+          <a:prstGeom prst="rightArrow">
+            <a:avLst/>
+          </a:prstGeom>
+          <a:solidFill>
+            <a:schemeClr val="bg2">
+              <a:lumMod val="75000"/>
+            </a:schemeClr>
+          </a:solidFill>
+          <a:ln>
+            <a:solidFill>
+              <a:schemeClr val="tx1"/>
+            </a:solidFill>
+          </a:ln>
+        </p:spPr>
+        <p:style>
+          <a:lnRef idx="2">
+            <a:schemeClr val="accent1">
+              <a:shade val="50000"/>
+            </a:schemeClr>
+          </a:lnRef>
+          <a:fillRef idx="1">
+            <a:schemeClr val="accent1"/>
+          </a:fillRef>
+          <a:effectRef idx="0">
+            <a:schemeClr val="accent1"/>
+          </a:effectRef>
+          <a:fontRef idx="minor">
+            <a:schemeClr val="lt1"/>
+          </a:fontRef>
+        </p:style>
+        <p:txBody>
+          <a:bodyPr rtlCol="0" anchor="ctr"/>
+          <a:lstStyle/>
+          <a:p>
+            <a:r>
+              <a:rPr lang="en-US" dirty="0">
+                <a:solidFill>
+                  <a:sysClr val="windowText" lastClr="000000"/>
+                </a:solidFill>
+              </a:rPr>
+              <a:t>Edit the File</a:t>
+            </a:r>
+          </a:p>
+        </p:txBody>
+      </p:sp>
+      <p:sp>
+        <p:nvSpPr>
+          <p:cNvPr id="26" name="Arrow: Right 25">
+            <a:extLst>
+              <a:ext uri="{FF2B5EF4-FFF2-40B4-BE49-F238E27FC236}">
+                <a16:creationId xmlns:a16="http://schemas.microsoft.com/office/drawing/2014/main" id="{B7DE77BC-9616-BBCD-B162-3F88BCCD1BA6}"/>
+              </a:ext>
+            </a:extLst>
+          </p:cNvPr>
+          <p:cNvSpPr/>
+          <p:nvPr/>
+        </p:nvSpPr>
+        <p:spPr>
+          <a:xfrm>
+            <a:off x="7866185" y="4124020"/>
+            <a:ext cx="2432538" cy="568569"/>
+          </a:xfrm>
+          <a:prstGeom prst="rightArrow">
+            <a:avLst/>
+          </a:prstGeom>
+          <a:solidFill>
+            <a:schemeClr val="bg2">
+              <a:lumMod val="75000"/>
+            </a:schemeClr>
+          </a:solidFill>
+          <a:ln>
+            <a:solidFill>
+              <a:schemeClr val="tx1"/>
+            </a:solidFill>
+          </a:ln>
+        </p:spPr>
+        <p:style>
+          <a:lnRef idx="2">
+            <a:schemeClr val="accent1">
+              <a:shade val="50000"/>
+            </a:schemeClr>
+          </a:lnRef>
+          <a:fillRef idx="1">
+            <a:schemeClr val="accent1"/>
+          </a:fillRef>
+          <a:effectRef idx="0">
+            <a:schemeClr val="accent1"/>
+          </a:effectRef>
+          <a:fontRef idx="minor">
+            <a:schemeClr val="lt1"/>
+          </a:fontRef>
+        </p:style>
+        <p:txBody>
+          <a:bodyPr rtlCol="0" anchor="ctr"/>
+          <a:lstStyle/>
+          <a:p>
+            <a:r>
+              <a:rPr lang="en-US" dirty="0">
+                <a:solidFill>
+                  <a:sysClr val="windowText" lastClr="000000"/>
+                </a:solidFill>
+              </a:rPr>
+              <a:t>Stage the File</a:t>
+            </a:r>
+          </a:p>
+        </p:txBody>
+      </p:sp>
+      <p:sp>
+        <p:nvSpPr>
+          <p:cNvPr id="27" name="Arrow: Right 26">
+            <a:extLst>
+              <a:ext uri="{FF2B5EF4-FFF2-40B4-BE49-F238E27FC236}">
+                <a16:creationId xmlns:a16="http://schemas.microsoft.com/office/drawing/2014/main" id="{7D5480ED-3C6F-4FF0-A6F5-D63B28953BC4}"/>
+              </a:ext>
+            </a:extLst>
+          </p:cNvPr>
+          <p:cNvSpPr/>
+          <p:nvPr/>
+        </p:nvSpPr>
+        <p:spPr>
+          <a:xfrm flipH="1">
+            <a:off x="2110151" y="4258042"/>
+            <a:ext cx="3323493" cy="568569"/>
+          </a:xfrm>
+          <a:prstGeom prst="rightArrow">
+            <a:avLst/>
+          </a:prstGeom>
+          <a:solidFill>
+            <a:schemeClr val="bg2">
+              <a:lumMod val="75000"/>
+            </a:schemeClr>
+          </a:solidFill>
+          <a:ln>
+            <a:solidFill>
+              <a:schemeClr val="tx1"/>
+            </a:solidFill>
+          </a:ln>
+        </p:spPr>
+        <p:style>
+          <a:lnRef idx="2">
+            <a:schemeClr val="accent1">
+              <a:shade val="50000"/>
+            </a:schemeClr>
+          </a:lnRef>
+          <a:fillRef idx="1">
+            <a:schemeClr val="accent1"/>
+          </a:fillRef>
+          <a:effectRef idx="0">
+            <a:schemeClr val="accent1"/>
+          </a:effectRef>
+          <a:fontRef idx="minor">
+            <a:schemeClr val="lt1"/>
+          </a:fontRef>
+        </p:style>
+        <p:txBody>
+          <a:bodyPr rtlCol="0" anchor="ctr"/>
+          <a:lstStyle/>
+          <a:p>
+            <a:r>
+              <a:rPr lang="en-US" dirty="0">
+                <a:solidFill>
+                  <a:sysClr val="windowText" lastClr="000000"/>
+                </a:solidFill>
+              </a:rPr>
+              <a:t>Remove the File</a:t>
+            </a:r>
+          </a:p>
+        </p:txBody>
+      </p:sp>
+      <p:sp>
+        <p:nvSpPr>
+          <p:cNvPr id="28" name="Arrow: Right 27">
+            <a:extLst>
+              <a:ext uri="{FF2B5EF4-FFF2-40B4-BE49-F238E27FC236}">
+                <a16:creationId xmlns:a16="http://schemas.microsoft.com/office/drawing/2014/main" id="{3D190850-9B8C-50D9-4237-F44E6CA94FAE}"/>
+              </a:ext>
+            </a:extLst>
+          </p:cNvPr>
+          <p:cNvSpPr/>
+          <p:nvPr/>
+        </p:nvSpPr>
+        <p:spPr>
+          <a:xfrm flipH="1">
+            <a:off x="5433643" y="5103324"/>
+            <a:ext cx="4865079" cy="568569"/>
+          </a:xfrm>
+          <a:prstGeom prst="rightArrow">
+            <a:avLst/>
+          </a:prstGeom>
+          <a:solidFill>
+            <a:schemeClr val="bg2">
+              <a:lumMod val="75000"/>
+            </a:schemeClr>
+          </a:solidFill>
+          <a:ln>
+            <a:solidFill>
+              <a:schemeClr val="tx1"/>
+            </a:solidFill>
+          </a:ln>
+        </p:spPr>
+        <p:style>
+          <a:lnRef idx="2">
+            <a:schemeClr val="accent1">
+              <a:shade val="50000"/>
+            </a:schemeClr>
+          </a:lnRef>
+          <a:fillRef idx="1">
+            <a:schemeClr val="accent1"/>
+          </a:fillRef>
+          <a:effectRef idx="0">
+            <a:schemeClr val="accent1"/>
+          </a:effectRef>
+          <a:fontRef idx="minor">
+            <a:schemeClr val="lt1"/>
+          </a:fontRef>
+        </p:style>
+        <p:txBody>
+          <a:bodyPr rtlCol="0" anchor="ctr"/>
+          <a:lstStyle/>
+          <a:p>
+            <a:r>
+              <a:rPr lang="en-US" dirty="0">
+                <a:solidFill>
+                  <a:sysClr val="windowText" lastClr="000000"/>
+                </a:solidFill>
+              </a:rPr>
+              <a:t>Commit</a:t>
             </a:r>
           </a:p>
         </p:txBody>
@@ -19895,7 +22090,7 @@
     </p:spTree>
     <p:extLst>
       <p:ext uri="{BB962C8B-B14F-4D97-AF65-F5344CB8AC3E}">
-        <p14:creationId xmlns:p14="http://schemas.microsoft.com/office/powerpoint/2010/main" val="3598453358"/>
+        <p14:creationId xmlns:p14="http://schemas.microsoft.com/office/powerpoint/2010/main" val="2915881258"/>
       </p:ext>
     </p:extLst>
   </p:cSld>
